--- a/P3_01_presentation.pptx
+++ b/P3_01_presentation.pptx
@@ -6,6 +6,17 @@
   </p:sldMasterIdLst>
   <p:sldIdLst>
     <p:sldId id="256" r:id="rId2"/>
+    <p:sldId id="257" r:id="rId3"/>
+    <p:sldId id="258" r:id="rId4"/>
+    <p:sldId id="259" r:id="rId5"/>
+    <p:sldId id="260" r:id="rId6"/>
+    <p:sldId id="261" r:id="rId7"/>
+    <p:sldId id="262" r:id="rId8"/>
+    <p:sldId id="263" r:id="rId9"/>
+    <p:sldId id="265" r:id="rId10"/>
+    <p:sldId id="264" r:id="rId11"/>
+    <p:sldId id="266" r:id="rId12"/>
+    <p:sldId id="267" r:id="rId13"/>
   </p:sldIdLst>
   <p:sldSz cx="12192000" cy="6858000"/>
   <p:notesSz cx="6858000" cy="9144000"/>
@@ -104,6 +115,11 @@
       </a:defRPr>
     </a:lvl9pPr>
   </p:defaultTextStyle>
+  <p:extLst>
+    <p:ext uri="{EFAFB233-063F-42B5-8137-9DF3F51BA10A}">
+      <p15:sldGuideLst xmlns:p15="http://schemas.microsoft.com/office/powerpoint/2012/main"/>
+    </p:ext>
+  </p:extLst>
 </p:presentation>
 </file>
 
@@ -442,9 +458,9 @@
           <a:p>
             <a:fld id="{B35C6026-1E2D-41A2-8CE3-76544FD0B1C2}" type="datetimeFigureOut">
               <a:rPr lang="fr-FR" smtClean="0"/>
-              <a:t>08/02/2021</a:t>
+              <a:t>09/02/2021</a:t>
             </a:fld>
-            <a:endParaRPr lang="fr-FR"/>
+            <a:endParaRPr lang="fr-FR" dirty="0"/>
           </a:p>
         </p:txBody>
       </p:sp>
@@ -478,7 +494,7 @@
             </a:lvl1pPr>
           </a:lstStyle>
           <a:p>
-            <a:endParaRPr lang="fr-FR"/>
+            <a:endParaRPr lang="fr-FR" dirty="0"/>
           </a:p>
         </p:txBody>
       </p:sp>
@@ -542,7 +558,7 @@
               <a:rPr lang="fr-FR" smtClean="0"/>
               <a:t>‹#›</a:t>
             </a:fld>
-            <a:endParaRPr lang="fr-FR"/>
+            <a:endParaRPr lang="fr-FR" dirty="0"/>
           </a:p>
         </p:txBody>
       </p:sp>
@@ -1432,7 +1448,7 @@
           </a:lstStyle>
           <a:p>
             <a:r>
-              <a:rPr lang="en-US" smtClean="0"/>
+              <a:rPr lang="en-US" dirty="0" smtClean="0"/>
               <a:t>Click icon to add picture</a:t>
             </a:r>
             <a:endParaRPr lang="en-US" dirty="0"/>
@@ -1530,9 +1546,9 @@
           <a:p>
             <a:fld id="{B35C6026-1E2D-41A2-8CE3-76544FD0B1C2}" type="datetimeFigureOut">
               <a:rPr lang="fr-FR" smtClean="0"/>
-              <a:t>08/02/2021</a:t>
+              <a:t>09/02/2021</a:t>
             </a:fld>
-            <a:endParaRPr lang="fr-FR"/>
+            <a:endParaRPr lang="fr-FR" dirty="0"/>
           </a:p>
         </p:txBody>
       </p:sp>
@@ -1551,7 +1567,7 @@
           <a:bodyPr/>
           <a:lstStyle/>
           <a:p>
-            <a:endParaRPr lang="fr-FR"/>
+            <a:endParaRPr lang="fr-FR" dirty="0"/>
           </a:p>
         </p:txBody>
       </p:sp>
@@ -1610,7 +1626,7 @@
               <a:rPr lang="fr-FR" smtClean="0"/>
               <a:t>‹#›</a:t>
             </a:fld>
-            <a:endParaRPr lang="fr-FR"/>
+            <a:endParaRPr lang="fr-FR" dirty="0"/>
           </a:p>
         </p:txBody>
       </p:sp>
@@ -2510,9 +2526,9 @@
           <a:p>
             <a:fld id="{B35C6026-1E2D-41A2-8CE3-76544FD0B1C2}" type="datetimeFigureOut">
               <a:rPr lang="fr-FR" smtClean="0"/>
-              <a:t>08/02/2021</a:t>
+              <a:t>09/02/2021</a:t>
             </a:fld>
-            <a:endParaRPr lang="fr-FR"/>
+            <a:endParaRPr lang="fr-FR" dirty="0"/>
           </a:p>
         </p:txBody>
       </p:sp>
@@ -2531,7 +2547,7 @@
           <a:bodyPr/>
           <a:lstStyle/>
           <a:p>
-            <a:endParaRPr lang="fr-FR"/>
+            <a:endParaRPr lang="fr-FR" dirty="0"/>
           </a:p>
         </p:txBody>
       </p:sp>
@@ -2590,7 +2606,7 @@
               <a:rPr lang="fr-FR" smtClean="0"/>
               <a:t>‹#›</a:t>
             </a:fld>
-            <a:endParaRPr lang="fr-FR"/>
+            <a:endParaRPr lang="fr-FR" dirty="0"/>
           </a:p>
         </p:txBody>
       </p:sp>
@@ -3644,9 +3660,9 @@
           <a:p>
             <a:fld id="{B35C6026-1E2D-41A2-8CE3-76544FD0B1C2}" type="datetimeFigureOut">
               <a:rPr lang="fr-FR" smtClean="0"/>
-              <a:t>08/02/2021</a:t>
+              <a:t>09/02/2021</a:t>
             </a:fld>
-            <a:endParaRPr lang="fr-FR"/>
+            <a:endParaRPr lang="fr-FR" dirty="0"/>
           </a:p>
         </p:txBody>
       </p:sp>
@@ -3665,7 +3681,7 @@
           <a:bodyPr/>
           <a:lstStyle/>
           <a:p>
-            <a:endParaRPr lang="fr-FR"/>
+            <a:endParaRPr lang="fr-FR" dirty="0"/>
           </a:p>
         </p:txBody>
       </p:sp>
@@ -3724,7 +3740,7 @@
               <a:rPr lang="fr-FR" smtClean="0"/>
               <a:t>‹#›</a:t>
             </a:fld>
-            <a:endParaRPr lang="fr-FR"/>
+            <a:endParaRPr lang="fr-FR" dirty="0"/>
           </a:p>
         </p:txBody>
       </p:sp>
@@ -4677,9 +4693,9 @@
           <a:p>
             <a:fld id="{B35C6026-1E2D-41A2-8CE3-76544FD0B1C2}" type="datetimeFigureOut">
               <a:rPr lang="fr-FR" smtClean="0"/>
-              <a:t>08/02/2021</a:t>
+              <a:t>09/02/2021</a:t>
             </a:fld>
-            <a:endParaRPr lang="fr-FR"/>
+            <a:endParaRPr lang="fr-FR" dirty="0"/>
           </a:p>
         </p:txBody>
       </p:sp>
@@ -4698,7 +4714,7 @@
           <a:bodyPr/>
           <a:lstStyle/>
           <a:p>
-            <a:endParaRPr lang="fr-FR"/>
+            <a:endParaRPr lang="fr-FR" dirty="0"/>
           </a:p>
         </p:txBody>
       </p:sp>
@@ -4757,7 +4773,7 @@
               <a:rPr lang="fr-FR" smtClean="0"/>
               <a:t>‹#›</a:t>
             </a:fld>
-            <a:endParaRPr lang="fr-FR"/>
+            <a:endParaRPr lang="fr-FR" dirty="0"/>
           </a:p>
         </p:txBody>
       </p:sp>
@@ -5337,9 +5353,9 @@
           <a:p>
             <a:fld id="{B35C6026-1E2D-41A2-8CE3-76544FD0B1C2}" type="datetimeFigureOut">
               <a:rPr lang="fr-FR" smtClean="0"/>
-              <a:t>08/02/2021</a:t>
+              <a:t>09/02/2021</a:t>
             </a:fld>
-            <a:endParaRPr lang="fr-FR"/>
+            <a:endParaRPr lang="fr-FR" dirty="0"/>
           </a:p>
         </p:txBody>
       </p:sp>
@@ -5358,7 +5374,7 @@
           <a:bodyPr/>
           <a:lstStyle/>
           <a:p>
-            <a:endParaRPr lang="fr-FR"/>
+            <a:endParaRPr lang="fr-FR" dirty="0"/>
           </a:p>
         </p:txBody>
       </p:sp>
@@ -5381,7 +5397,7 @@
               <a:rPr lang="fr-FR" smtClean="0"/>
               <a:t>‹#›</a:t>
             </a:fld>
-            <a:endParaRPr lang="fr-FR"/>
+            <a:endParaRPr lang="fr-FR" dirty="0"/>
           </a:p>
         </p:txBody>
       </p:sp>
@@ -5593,7 +5609,7 @@
           </a:lstStyle>
           <a:p>
             <a:r>
-              <a:rPr lang="en-US" smtClean="0"/>
+              <a:rPr lang="en-US" dirty="0" smtClean="0"/>
               <a:t>Click icon to add picture</a:t>
             </a:r>
             <a:endParaRPr lang="en-US" dirty="0"/>
@@ -5813,7 +5829,7 @@
           </a:lstStyle>
           <a:p>
             <a:r>
-              <a:rPr lang="en-US" smtClean="0"/>
+              <a:rPr lang="en-US" dirty="0" smtClean="0"/>
               <a:t>Click icon to add picture</a:t>
             </a:r>
             <a:endParaRPr lang="en-US" dirty="0"/>
@@ -6033,7 +6049,7 @@
           </a:lstStyle>
           <a:p>
             <a:r>
-              <a:rPr lang="en-US" smtClean="0"/>
+              <a:rPr lang="en-US" dirty="0" smtClean="0"/>
               <a:t>Click icon to add picture</a:t>
             </a:r>
             <a:endParaRPr lang="en-US" dirty="0"/>
@@ -6198,9 +6214,9 @@
           <a:p>
             <a:fld id="{B35C6026-1E2D-41A2-8CE3-76544FD0B1C2}" type="datetimeFigureOut">
               <a:rPr lang="fr-FR" smtClean="0"/>
-              <a:t>08/02/2021</a:t>
+              <a:t>09/02/2021</a:t>
             </a:fld>
-            <a:endParaRPr lang="fr-FR"/>
+            <a:endParaRPr lang="fr-FR" dirty="0"/>
           </a:p>
         </p:txBody>
       </p:sp>
@@ -6224,7 +6240,7 @@
           <a:bodyPr/>
           <a:lstStyle/>
           <a:p>
-            <a:endParaRPr lang="fr-FR"/>
+            <a:endParaRPr lang="fr-FR" dirty="0"/>
           </a:p>
         </p:txBody>
       </p:sp>
@@ -6247,7 +6263,7 @@
               <a:rPr lang="fr-FR" smtClean="0"/>
               <a:t>‹#›</a:t>
             </a:fld>
-            <a:endParaRPr lang="fr-FR"/>
+            <a:endParaRPr lang="fr-FR" dirty="0"/>
           </a:p>
         </p:txBody>
       </p:sp>
@@ -6388,9 +6404,9 @@
           <a:p>
             <a:fld id="{B35C6026-1E2D-41A2-8CE3-76544FD0B1C2}" type="datetimeFigureOut">
               <a:rPr lang="fr-FR" smtClean="0"/>
-              <a:t>08/02/2021</a:t>
+              <a:t>09/02/2021</a:t>
             </a:fld>
-            <a:endParaRPr lang="fr-FR"/>
+            <a:endParaRPr lang="fr-FR" dirty="0"/>
           </a:p>
         </p:txBody>
       </p:sp>
@@ -6409,7 +6425,7 @@
           <a:bodyPr/>
           <a:lstStyle/>
           <a:p>
-            <a:endParaRPr lang="fr-FR"/>
+            <a:endParaRPr lang="fr-FR" dirty="0"/>
           </a:p>
         </p:txBody>
       </p:sp>
@@ -6432,7 +6448,7 @@
               <a:rPr lang="fr-FR" smtClean="0"/>
               <a:t>‹#›</a:t>
             </a:fld>
-            <a:endParaRPr lang="fr-FR"/>
+            <a:endParaRPr lang="fr-FR" dirty="0"/>
           </a:p>
         </p:txBody>
       </p:sp>
@@ -7360,9 +7376,9 @@
           <a:p>
             <a:fld id="{B35C6026-1E2D-41A2-8CE3-76544FD0B1C2}" type="datetimeFigureOut">
               <a:rPr lang="fr-FR" smtClean="0"/>
-              <a:t>08/02/2021</a:t>
+              <a:t>09/02/2021</a:t>
             </a:fld>
-            <a:endParaRPr lang="fr-FR"/>
+            <a:endParaRPr lang="fr-FR" dirty="0"/>
           </a:p>
         </p:txBody>
       </p:sp>
@@ -7381,7 +7397,7 @@
           <a:bodyPr/>
           <a:lstStyle/>
           <a:p>
-            <a:endParaRPr lang="fr-FR"/>
+            <a:endParaRPr lang="fr-FR" dirty="0"/>
           </a:p>
         </p:txBody>
       </p:sp>
@@ -7440,7 +7456,7 @@
               <a:rPr lang="fr-FR" smtClean="0"/>
               <a:t>‹#›</a:t>
             </a:fld>
-            <a:endParaRPr lang="fr-FR"/>
+            <a:endParaRPr lang="fr-FR" dirty="0"/>
           </a:p>
         </p:txBody>
       </p:sp>
@@ -7571,9 +7587,9 @@
           <a:p>
             <a:fld id="{B35C6026-1E2D-41A2-8CE3-76544FD0B1C2}" type="datetimeFigureOut">
               <a:rPr lang="fr-FR" smtClean="0"/>
-              <a:t>08/02/2021</a:t>
+              <a:t>09/02/2021</a:t>
             </a:fld>
-            <a:endParaRPr lang="fr-FR"/>
+            <a:endParaRPr lang="fr-FR" dirty="0"/>
           </a:p>
         </p:txBody>
       </p:sp>
@@ -7592,7 +7608,7 @@
           <a:bodyPr/>
           <a:lstStyle/>
           <a:p>
-            <a:endParaRPr lang="fr-FR"/>
+            <a:endParaRPr lang="fr-FR" dirty="0"/>
           </a:p>
         </p:txBody>
       </p:sp>
@@ -7615,7 +7631,7 @@
               <a:rPr lang="fr-FR" smtClean="0"/>
               <a:t>‹#›</a:t>
             </a:fld>
-            <a:endParaRPr lang="fr-FR"/>
+            <a:endParaRPr lang="fr-FR" dirty="0"/>
           </a:p>
         </p:txBody>
       </p:sp>
@@ -8605,9 +8621,9 @@
           <a:p>
             <a:fld id="{B35C6026-1E2D-41A2-8CE3-76544FD0B1C2}" type="datetimeFigureOut">
               <a:rPr lang="fr-FR" smtClean="0"/>
-              <a:t>08/02/2021</a:t>
+              <a:t>09/02/2021</a:t>
             </a:fld>
-            <a:endParaRPr lang="fr-FR"/>
+            <a:endParaRPr lang="fr-FR" dirty="0"/>
           </a:p>
         </p:txBody>
       </p:sp>
@@ -8626,7 +8642,7 @@
           <a:bodyPr/>
           <a:lstStyle/>
           <a:p>
-            <a:endParaRPr lang="fr-FR"/>
+            <a:endParaRPr lang="fr-FR" dirty="0"/>
           </a:p>
         </p:txBody>
       </p:sp>
@@ -8685,7 +8701,7 @@
               <a:rPr lang="fr-FR" smtClean="0"/>
               <a:t>‹#›</a:t>
             </a:fld>
-            <a:endParaRPr lang="fr-FR"/>
+            <a:endParaRPr lang="fr-FR" dirty="0"/>
           </a:p>
         </p:txBody>
       </p:sp>
@@ -8877,9 +8893,9 @@
           <a:p>
             <a:fld id="{B35C6026-1E2D-41A2-8CE3-76544FD0B1C2}" type="datetimeFigureOut">
               <a:rPr lang="fr-FR" smtClean="0"/>
-              <a:t>08/02/2021</a:t>
+              <a:t>09/02/2021</a:t>
             </a:fld>
-            <a:endParaRPr lang="fr-FR"/>
+            <a:endParaRPr lang="fr-FR" dirty="0"/>
           </a:p>
         </p:txBody>
       </p:sp>
@@ -8898,7 +8914,7 @@
           <a:bodyPr/>
           <a:lstStyle/>
           <a:p>
-            <a:endParaRPr lang="fr-FR"/>
+            <a:endParaRPr lang="fr-FR" dirty="0"/>
           </a:p>
         </p:txBody>
       </p:sp>
@@ -8921,7 +8937,7 @@
               <a:rPr lang="fr-FR" smtClean="0"/>
               <a:t>‹#›</a:t>
             </a:fld>
-            <a:endParaRPr lang="fr-FR"/>
+            <a:endParaRPr lang="fr-FR" dirty="0"/>
           </a:p>
         </p:txBody>
       </p:sp>
@@ -9287,9 +9303,9 @@
           <a:p>
             <a:fld id="{B35C6026-1E2D-41A2-8CE3-76544FD0B1C2}" type="datetimeFigureOut">
               <a:rPr lang="fr-FR" smtClean="0"/>
-              <a:t>08/02/2021</a:t>
+              <a:t>09/02/2021</a:t>
             </a:fld>
-            <a:endParaRPr lang="fr-FR"/>
+            <a:endParaRPr lang="fr-FR" dirty="0"/>
           </a:p>
         </p:txBody>
       </p:sp>
@@ -9308,7 +9324,7 @@
           <a:bodyPr/>
           <a:lstStyle/>
           <a:p>
-            <a:endParaRPr lang="fr-FR"/>
+            <a:endParaRPr lang="fr-FR" dirty="0"/>
           </a:p>
         </p:txBody>
       </p:sp>
@@ -9331,7 +9347,7 @@
               <a:rPr lang="fr-FR" smtClean="0"/>
               <a:t>‹#›</a:t>
             </a:fld>
-            <a:endParaRPr lang="fr-FR"/>
+            <a:endParaRPr lang="fr-FR" dirty="0"/>
           </a:p>
         </p:txBody>
       </p:sp>
@@ -9414,9 +9430,9 @@
           <a:p>
             <a:fld id="{B35C6026-1E2D-41A2-8CE3-76544FD0B1C2}" type="datetimeFigureOut">
               <a:rPr lang="fr-FR" smtClean="0"/>
-              <a:t>08/02/2021</a:t>
+              <a:t>09/02/2021</a:t>
             </a:fld>
-            <a:endParaRPr lang="fr-FR"/>
+            <a:endParaRPr lang="fr-FR" dirty="0"/>
           </a:p>
         </p:txBody>
       </p:sp>
@@ -9435,7 +9451,7 @@
           <a:bodyPr/>
           <a:lstStyle/>
           <a:p>
-            <a:endParaRPr lang="fr-FR"/>
+            <a:endParaRPr lang="fr-FR" dirty="0"/>
           </a:p>
         </p:txBody>
       </p:sp>
@@ -9458,7 +9474,7 @@
               <a:rPr lang="fr-FR" smtClean="0"/>
               <a:t>‹#›</a:t>
             </a:fld>
-            <a:endParaRPr lang="fr-FR"/>
+            <a:endParaRPr lang="fr-FR" dirty="0"/>
           </a:p>
         </p:txBody>
       </p:sp>
@@ -9509,9 +9525,9 @@
           <a:p>
             <a:fld id="{B35C6026-1E2D-41A2-8CE3-76544FD0B1C2}" type="datetimeFigureOut">
               <a:rPr lang="fr-FR" smtClean="0"/>
-              <a:t>08/02/2021</a:t>
+              <a:t>09/02/2021</a:t>
             </a:fld>
-            <a:endParaRPr lang="fr-FR"/>
+            <a:endParaRPr lang="fr-FR" dirty="0"/>
           </a:p>
         </p:txBody>
       </p:sp>
@@ -9530,7 +9546,7 @@
           <a:bodyPr/>
           <a:lstStyle/>
           <a:p>
-            <a:endParaRPr lang="fr-FR"/>
+            <a:endParaRPr lang="fr-FR" dirty="0"/>
           </a:p>
         </p:txBody>
       </p:sp>
@@ -9589,7 +9605,7 @@
               <a:rPr lang="fr-FR" smtClean="0"/>
               <a:t>‹#›</a:t>
             </a:fld>
-            <a:endParaRPr lang="fr-FR"/>
+            <a:endParaRPr lang="fr-FR" dirty="0"/>
           </a:p>
         </p:txBody>
       </p:sp>
@@ -10590,9 +10606,9 @@
           <a:p>
             <a:fld id="{B35C6026-1E2D-41A2-8CE3-76544FD0B1C2}" type="datetimeFigureOut">
               <a:rPr lang="fr-FR" smtClean="0"/>
-              <a:t>08/02/2021</a:t>
+              <a:t>09/02/2021</a:t>
             </a:fld>
-            <a:endParaRPr lang="fr-FR"/>
+            <a:endParaRPr lang="fr-FR" dirty="0"/>
           </a:p>
         </p:txBody>
       </p:sp>
@@ -10611,7 +10627,7 @@
           <a:bodyPr/>
           <a:lstStyle/>
           <a:p>
-            <a:endParaRPr lang="fr-FR"/>
+            <a:endParaRPr lang="fr-FR" dirty="0"/>
           </a:p>
         </p:txBody>
       </p:sp>
@@ -10670,7 +10686,7 @@
               <a:rPr lang="fr-FR" smtClean="0"/>
               <a:t>‹#›</a:t>
             </a:fld>
-            <a:endParaRPr lang="fr-FR"/>
+            <a:endParaRPr lang="fr-FR" dirty="0"/>
           </a:p>
         </p:txBody>
       </p:sp>
@@ -11600,7 +11616,7 @@
               <a:buNone/>
             </a:pPr>
             <a:r>
-              <a:rPr lang="en-US" smtClean="0"/>
+              <a:rPr lang="en-US" dirty="0" smtClean="0"/>
               <a:t>Click icon to add picture</a:t>
             </a:r>
             <a:endParaRPr lang="en-US" dirty="0"/>
@@ -11698,9 +11714,9 @@
           <a:p>
             <a:fld id="{B35C6026-1E2D-41A2-8CE3-76544FD0B1C2}" type="datetimeFigureOut">
               <a:rPr lang="fr-FR" smtClean="0"/>
-              <a:t>08/02/2021</a:t>
+              <a:t>09/02/2021</a:t>
             </a:fld>
-            <a:endParaRPr lang="fr-FR"/>
+            <a:endParaRPr lang="fr-FR" dirty="0"/>
           </a:p>
         </p:txBody>
       </p:sp>
@@ -11719,7 +11735,7 @@
           <a:bodyPr/>
           <a:lstStyle/>
           <a:p>
-            <a:endParaRPr lang="fr-FR"/>
+            <a:endParaRPr lang="fr-FR" dirty="0"/>
           </a:p>
         </p:txBody>
       </p:sp>
@@ -11778,7 +11794,7 @@
               <a:rPr lang="fr-FR" smtClean="0"/>
               <a:t>‹#›</a:t>
             </a:fld>
-            <a:endParaRPr lang="fr-FR"/>
+            <a:endParaRPr lang="fr-FR" dirty="0"/>
           </a:p>
         </p:txBody>
       </p:sp>
@@ -12695,9 +12711,9 @@
           <a:p>
             <a:fld id="{B35C6026-1E2D-41A2-8CE3-76544FD0B1C2}" type="datetimeFigureOut">
               <a:rPr lang="fr-FR" smtClean="0"/>
-              <a:t>08/02/2021</a:t>
+              <a:t>09/02/2021</a:t>
             </a:fld>
-            <a:endParaRPr lang="fr-FR"/>
+            <a:endParaRPr lang="fr-FR" dirty="0"/>
           </a:p>
         </p:txBody>
       </p:sp>
@@ -12732,7 +12748,7 @@
             </a:lvl1pPr>
           </a:lstStyle>
           <a:p>
-            <a:endParaRPr lang="fr-FR"/>
+            <a:endParaRPr lang="fr-FR" dirty="0"/>
           </a:p>
         </p:txBody>
       </p:sp>
@@ -12807,7 +12823,7 @@
               <a:rPr lang="fr-FR" smtClean="0"/>
               <a:t>‹#›</a:t>
             </a:fld>
-            <a:endParaRPr lang="fr-FR"/>
+            <a:endParaRPr lang="fr-FR" dirty="0"/>
           </a:p>
         </p:txBody>
       </p:sp>
@@ -13269,6 +13285,13 @@
           <a:bodyPr/>
           <a:lstStyle/>
           <a:p>
+            <a:r>
+              <a:rPr lang="fr-FR" b="1" dirty="0"/>
+              <a:t>Préparez des données pour un organisme de santé publique</a:t>
+            </a:r>
+            <a:br>
+              <a:rPr lang="fr-FR" b="1" dirty="0"/>
+            </a:br>
             <a:endParaRPr lang="fr-FR" dirty="0"/>
           </a:p>
         </p:txBody>
@@ -13288,7 +13311,11 @@
           <a:bodyPr/>
           <a:lstStyle/>
           <a:p>
-            <a:endParaRPr lang="fr-FR"/>
+            <a:r>
+              <a:rPr lang="fr-FR" dirty="0" smtClean="0"/>
+              <a:t>Ingénieur IA – projet 3</a:t>
+            </a:r>
+            <a:endParaRPr lang="fr-FR" dirty="0"/>
           </a:p>
         </p:txBody>
       </p:sp>
@@ -13302,6 +13329,1415 @@
   <p:clrMapOvr>
     <a:masterClrMapping/>
   </p:clrMapOvr>
+  <p:timing>
+    <p:tnLst>
+      <p:par>
+        <p:cTn id="1" dur="indefinite" restart="never" nodeType="tmRoot"/>
+      </p:par>
+    </p:tnLst>
+  </p:timing>
+</p:sld>
+</file>
+
+<file path=ppt/slides/slide10.xml><?xml version="1.0" encoding="utf-8"?>
+<p:sld xmlns:a="http://schemas.openxmlformats.org/drawingml/2006/main" xmlns:r="http://schemas.openxmlformats.org/officeDocument/2006/relationships" xmlns:p="http://schemas.openxmlformats.org/presentationml/2006/main">
+  <p:cSld>
+    <p:spTree>
+      <p:nvGrpSpPr>
+        <p:cNvPr id="1" name=""/>
+        <p:cNvGrpSpPr/>
+        <p:nvPr/>
+      </p:nvGrpSpPr>
+      <p:grpSpPr>
+        <a:xfrm>
+          <a:off x="0" y="0"/>
+          <a:ext cx="0" cy="0"/>
+          <a:chOff x="0" y="0"/>
+          <a:chExt cx="0" cy="0"/>
+        </a:xfrm>
+      </p:grpSpPr>
+      <p:sp>
+        <p:nvSpPr>
+          <p:cNvPr id="2" name="Title 1"/>
+          <p:cNvSpPr>
+            <a:spLocks noGrp="1"/>
+          </p:cNvSpPr>
+          <p:nvPr>
+            <p:ph type="title"/>
+          </p:nvPr>
+        </p:nvSpPr>
+        <p:spPr>
+          <a:xfrm>
+            <a:off x="2219479" y="925901"/>
+            <a:ext cx="8761413" cy="706964"/>
+          </a:xfrm>
+        </p:spPr>
+        <p:txBody>
+          <a:bodyPr/>
+          <a:lstStyle/>
+          <a:p>
+            <a:r>
+              <a:rPr lang="fr-FR" dirty="0" smtClean="0"/>
+              <a:t>ANOVA</a:t>
+            </a:r>
+            <a:endParaRPr lang="fr-FR" dirty="0"/>
+          </a:p>
+        </p:txBody>
+      </p:sp>
+      <p:pic>
+        <p:nvPicPr>
+          <p:cNvPr id="6" name="Picture 5"/>
+          <p:cNvPicPr>
+            <a:picLocks noChangeAspect="1"/>
+          </p:cNvPicPr>
+          <p:nvPr/>
+        </p:nvPicPr>
+        <p:blipFill>
+          <a:blip r:embed="rId2"/>
+          <a:stretch>
+            <a:fillRect/>
+          </a:stretch>
+        </p:blipFill>
+        <p:spPr>
+          <a:xfrm>
+            <a:off x="527125" y="2271623"/>
+            <a:ext cx="3467100" cy="4038600"/>
+          </a:xfrm>
+          <a:prstGeom prst="rect">
+            <a:avLst/>
+          </a:prstGeom>
+        </p:spPr>
+      </p:pic>
+      <p:pic>
+        <p:nvPicPr>
+          <p:cNvPr id="8" name="Picture 7"/>
+          <p:cNvPicPr>
+            <a:picLocks noChangeAspect="1"/>
+          </p:cNvPicPr>
+          <p:nvPr/>
+        </p:nvPicPr>
+        <p:blipFill>
+          <a:blip r:embed="rId3"/>
+          <a:stretch>
+            <a:fillRect/>
+          </a:stretch>
+        </p:blipFill>
+        <p:spPr>
+          <a:xfrm>
+            <a:off x="4115482" y="2252573"/>
+            <a:ext cx="3409950" cy="4057650"/>
+          </a:xfrm>
+          <a:prstGeom prst="rect">
+            <a:avLst/>
+          </a:prstGeom>
+        </p:spPr>
+      </p:pic>
+      <p:pic>
+        <p:nvPicPr>
+          <p:cNvPr id="9" name="Picture 8"/>
+          <p:cNvPicPr>
+            <a:picLocks noChangeAspect="1"/>
+          </p:cNvPicPr>
+          <p:nvPr/>
+        </p:nvPicPr>
+        <p:blipFill>
+          <a:blip r:embed="rId4"/>
+          <a:stretch>
+            <a:fillRect/>
+          </a:stretch>
+        </p:blipFill>
+        <p:spPr>
+          <a:xfrm>
+            <a:off x="7944926" y="2354214"/>
+            <a:ext cx="3381375" cy="4038600"/>
+          </a:xfrm>
+          <a:prstGeom prst="rect">
+            <a:avLst/>
+          </a:prstGeom>
+        </p:spPr>
+      </p:pic>
+    </p:spTree>
+    <p:extLst>
+      <p:ext uri="{BB962C8B-B14F-4D97-AF65-F5344CB8AC3E}">
+        <p14:creationId xmlns:p14="http://schemas.microsoft.com/office/powerpoint/2010/main" val="3018789071"/>
+      </p:ext>
+    </p:extLst>
+  </p:cSld>
+  <p:clrMapOvr>
+    <a:masterClrMapping/>
+  </p:clrMapOvr>
+  <p:timing>
+    <p:tnLst>
+      <p:par>
+        <p:cTn id="1" dur="indefinite" restart="never" nodeType="tmRoot"/>
+      </p:par>
+    </p:tnLst>
+  </p:timing>
+</p:sld>
+</file>
+
+<file path=ppt/slides/slide11.xml><?xml version="1.0" encoding="utf-8"?>
+<p:sld xmlns:a="http://schemas.openxmlformats.org/drawingml/2006/main" xmlns:r="http://schemas.openxmlformats.org/officeDocument/2006/relationships" xmlns:p="http://schemas.openxmlformats.org/presentationml/2006/main">
+  <p:cSld>
+    <p:spTree>
+      <p:nvGrpSpPr>
+        <p:cNvPr id="1" name=""/>
+        <p:cNvGrpSpPr/>
+        <p:nvPr/>
+      </p:nvGrpSpPr>
+      <p:grpSpPr>
+        <a:xfrm>
+          <a:off x="0" y="0"/>
+          <a:ext cx="0" cy="0"/>
+          <a:chOff x="0" y="0"/>
+          <a:chExt cx="0" cy="0"/>
+        </a:xfrm>
+      </p:grpSpPr>
+      <p:sp>
+        <p:nvSpPr>
+          <p:cNvPr id="2" name="Title 1"/>
+          <p:cNvSpPr>
+            <a:spLocks noGrp="1"/>
+          </p:cNvSpPr>
+          <p:nvPr>
+            <p:ph type="title"/>
+          </p:nvPr>
+        </p:nvSpPr>
+        <p:spPr/>
+        <p:txBody>
+          <a:bodyPr/>
+          <a:lstStyle/>
+          <a:p>
+            <a:r>
+              <a:rPr lang="fr-FR" dirty="0"/>
+              <a:t>Analyse qualitative des marques</a:t>
+            </a:r>
+          </a:p>
+        </p:txBody>
+      </p:sp>
+      <p:pic>
+        <p:nvPicPr>
+          <p:cNvPr id="5" name="Picture 4"/>
+          <p:cNvPicPr>
+            <a:picLocks noChangeAspect="1"/>
+          </p:cNvPicPr>
+          <p:nvPr/>
+        </p:nvPicPr>
+        <p:blipFill>
+          <a:blip r:embed="rId2"/>
+          <a:stretch>
+            <a:fillRect/>
+          </a:stretch>
+        </p:blipFill>
+        <p:spPr>
+          <a:xfrm>
+            <a:off x="1687216" y="1952440"/>
+            <a:ext cx="8534400" cy="4038600"/>
+          </a:xfrm>
+          <a:prstGeom prst="rect">
+            <a:avLst/>
+          </a:prstGeom>
+        </p:spPr>
+      </p:pic>
+    </p:spTree>
+    <p:extLst>
+      <p:ext uri="{BB962C8B-B14F-4D97-AF65-F5344CB8AC3E}">
+        <p14:creationId xmlns:p14="http://schemas.microsoft.com/office/powerpoint/2010/main" val="650631983"/>
+      </p:ext>
+    </p:extLst>
+  </p:cSld>
+  <p:clrMapOvr>
+    <a:masterClrMapping/>
+  </p:clrMapOvr>
+  <p:timing>
+    <p:tnLst>
+      <p:par>
+        <p:cTn id="1" dur="indefinite" restart="never" nodeType="tmRoot"/>
+      </p:par>
+    </p:tnLst>
+  </p:timing>
+</p:sld>
+</file>
+
+<file path=ppt/slides/slide12.xml><?xml version="1.0" encoding="utf-8"?>
+<p:sld xmlns:a="http://schemas.openxmlformats.org/drawingml/2006/main" xmlns:r="http://schemas.openxmlformats.org/officeDocument/2006/relationships" xmlns:p="http://schemas.openxmlformats.org/presentationml/2006/main">
+  <p:cSld>
+    <p:spTree>
+      <p:nvGrpSpPr>
+        <p:cNvPr id="1" name=""/>
+        <p:cNvGrpSpPr/>
+        <p:nvPr/>
+      </p:nvGrpSpPr>
+      <p:grpSpPr>
+        <a:xfrm>
+          <a:off x="0" y="0"/>
+          <a:ext cx="0" cy="0"/>
+          <a:chOff x="0" y="0"/>
+          <a:chExt cx="0" cy="0"/>
+        </a:xfrm>
+      </p:grpSpPr>
+      <p:sp>
+        <p:nvSpPr>
+          <p:cNvPr id="2" name="Title 1"/>
+          <p:cNvSpPr>
+            <a:spLocks noGrp="1"/>
+          </p:cNvSpPr>
+          <p:nvPr>
+            <p:ph type="ctrTitle"/>
+          </p:nvPr>
+        </p:nvSpPr>
+        <p:spPr>
+          <a:xfrm>
+            <a:off x="2847278" y="1765363"/>
+            <a:ext cx="8825658" cy="2677648"/>
+          </a:xfrm>
+        </p:spPr>
+        <p:txBody>
+          <a:bodyPr/>
+          <a:lstStyle/>
+          <a:p>
+            <a:r>
+              <a:rPr lang="fr-FR" b="1" dirty="0" smtClean="0"/>
+              <a:t>Conclusion</a:t>
+            </a:r>
+            <a:r>
+              <a:rPr lang="fr-FR" b="1" dirty="0"/>
+              <a:t/>
+            </a:r>
+            <a:br>
+              <a:rPr lang="fr-FR" b="1" dirty="0"/>
+            </a:br>
+            <a:endParaRPr lang="fr-FR" dirty="0"/>
+          </a:p>
+        </p:txBody>
+      </p:sp>
+      <p:sp>
+        <p:nvSpPr>
+          <p:cNvPr id="3" name="Subtitle 2"/>
+          <p:cNvSpPr>
+            <a:spLocks noGrp="1"/>
+          </p:cNvSpPr>
+          <p:nvPr>
+            <p:ph type="subTitle" idx="1"/>
+          </p:nvPr>
+        </p:nvSpPr>
+        <p:spPr/>
+        <p:txBody>
+          <a:bodyPr/>
+          <a:lstStyle/>
+          <a:p>
+            <a:r>
+              <a:rPr lang="fr-FR" dirty="0" smtClean="0"/>
+              <a:t>Ingénieur IA – projet 3</a:t>
+            </a:r>
+            <a:endParaRPr lang="fr-FR" dirty="0"/>
+          </a:p>
+        </p:txBody>
+      </p:sp>
+    </p:spTree>
+    <p:extLst>
+      <p:ext uri="{BB962C8B-B14F-4D97-AF65-F5344CB8AC3E}">
+        <p14:creationId xmlns:p14="http://schemas.microsoft.com/office/powerpoint/2010/main" val="4226421539"/>
+      </p:ext>
+    </p:extLst>
+  </p:cSld>
+  <p:clrMapOvr>
+    <a:masterClrMapping/>
+  </p:clrMapOvr>
+  <p:timing>
+    <p:tnLst>
+      <p:par>
+        <p:cTn id="1" dur="indefinite" restart="never" nodeType="tmRoot"/>
+      </p:par>
+    </p:tnLst>
+  </p:timing>
+</p:sld>
+</file>
+
+<file path=ppt/slides/slide2.xml><?xml version="1.0" encoding="utf-8"?>
+<p:sld xmlns:a="http://schemas.openxmlformats.org/drawingml/2006/main" xmlns:r="http://schemas.openxmlformats.org/officeDocument/2006/relationships" xmlns:p="http://schemas.openxmlformats.org/presentationml/2006/main">
+  <p:cSld>
+    <p:spTree>
+      <p:nvGrpSpPr>
+        <p:cNvPr id="1" name=""/>
+        <p:cNvGrpSpPr/>
+        <p:nvPr/>
+      </p:nvGrpSpPr>
+      <p:grpSpPr>
+        <a:xfrm>
+          <a:off x="0" y="0"/>
+          <a:ext cx="0" cy="0"/>
+          <a:chOff x="0" y="0"/>
+          <a:chExt cx="0" cy="0"/>
+        </a:xfrm>
+      </p:grpSpPr>
+      <p:sp>
+        <p:nvSpPr>
+          <p:cNvPr id="2" name="Title 1"/>
+          <p:cNvSpPr>
+            <a:spLocks noGrp="1"/>
+          </p:cNvSpPr>
+          <p:nvPr>
+            <p:ph type="title"/>
+          </p:nvPr>
+        </p:nvSpPr>
+        <p:spPr/>
+        <p:txBody>
+          <a:bodyPr/>
+          <a:lstStyle/>
+          <a:p>
+            <a:r>
+              <a:rPr lang="fr-FR" dirty="0" smtClean="0"/>
+              <a:t>Présentation du projet</a:t>
+            </a:r>
+            <a:endParaRPr lang="fr-FR" dirty="0"/>
+          </a:p>
+        </p:txBody>
+      </p:sp>
+      <p:pic>
+        <p:nvPicPr>
+          <p:cNvPr id="1026" name="Picture 2" descr="Santé publique France logo">
+            <a:hlinkClick r:id="rId2"/>
+          </p:cNvPr>
+          <p:cNvPicPr>
+            <a:picLocks noChangeAspect="1" noChangeArrowheads="1"/>
+          </p:cNvPicPr>
+          <p:nvPr/>
+        </p:nvPicPr>
+        <p:blipFill>
+          <a:blip r:embed="rId3">
+            <a:extLst>
+              <a:ext uri="{28A0092B-C50C-407E-A947-70E740481C1C}">
+                <a14:useLocalDpi xmlns:a14="http://schemas.microsoft.com/office/drawing/2010/main" val="0"/>
+              </a:ext>
+            </a:extLst>
+          </a:blip>
+          <a:srcRect/>
+          <a:stretch>
+            <a:fillRect/>
+          </a:stretch>
+        </p:blipFill>
+        <p:spPr bwMode="auto">
+          <a:xfrm>
+            <a:off x="1450541" y="2770452"/>
+            <a:ext cx="4762500" cy="2686051"/>
+          </a:xfrm>
+          <a:prstGeom prst="rect">
+            <a:avLst/>
+          </a:prstGeom>
+          <a:noFill/>
+          <a:extLst>
+            <a:ext uri="{909E8E84-426E-40DD-AFC4-6F175D3DCCD1}">
+              <a14:hiddenFill xmlns:a14="http://schemas.microsoft.com/office/drawing/2010/main">
+                <a:solidFill>
+                  <a:srgbClr val="FFFFFF"/>
+                </a:solidFill>
+              </a14:hiddenFill>
+            </a:ext>
+          </a:extLst>
+        </p:spPr>
+      </p:pic>
+      <p:pic>
+        <p:nvPicPr>
+          <p:cNvPr id="1028" name="Picture 4" descr="Résultat de recherche d'images pour &quot;openfoodfact&quot;"/>
+          <p:cNvPicPr>
+            <a:picLocks noChangeAspect="1" noChangeArrowheads="1"/>
+          </p:cNvPicPr>
+          <p:nvPr/>
+        </p:nvPicPr>
+        <p:blipFill>
+          <a:blip r:embed="rId4" cstate="print">
+            <a:extLst>
+              <a:ext uri="{28A0092B-C50C-407E-A947-70E740481C1C}">
+                <a14:useLocalDpi xmlns:a14="http://schemas.microsoft.com/office/drawing/2010/main" val="0"/>
+              </a:ext>
+            </a:extLst>
+          </a:blip>
+          <a:srcRect/>
+          <a:stretch>
+            <a:fillRect/>
+          </a:stretch>
+        </p:blipFill>
+        <p:spPr bwMode="auto">
+          <a:xfrm>
+            <a:off x="7230348" y="2974911"/>
+            <a:ext cx="3288280" cy="2277134"/>
+          </a:xfrm>
+          <a:prstGeom prst="rect">
+            <a:avLst/>
+          </a:prstGeom>
+          <a:noFill/>
+          <a:extLst>
+            <a:ext uri="{909E8E84-426E-40DD-AFC4-6F175D3DCCD1}">
+              <a14:hiddenFill xmlns:a14="http://schemas.microsoft.com/office/drawing/2010/main">
+                <a:solidFill>
+                  <a:srgbClr val="FFFFFF"/>
+                </a:solidFill>
+              </a14:hiddenFill>
+            </a:ext>
+          </a:extLst>
+        </p:spPr>
+      </p:pic>
+    </p:spTree>
+    <p:extLst>
+      <p:ext uri="{BB962C8B-B14F-4D97-AF65-F5344CB8AC3E}">
+        <p14:creationId xmlns:p14="http://schemas.microsoft.com/office/powerpoint/2010/main" val="3178762290"/>
+      </p:ext>
+    </p:extLst>
+  </p:cSld>
+  <p:clrMapOvr>
+    <a:masterClrMapping/>
+  </p:clrMapOvr>
+  <p:timing>
+    <p:tnLst>
+      <p:par>
+        <p:cTn id="1" dur="indefinite" restart="never" nodeType="tmRoot"/>
+      </p:par>
+    </p:tnLst>
+  </p:timing>
+</p:sld>
+</file>
+
+<file path=ppt/slides/slide3.xml><?xml version="1.0" encoding="utf-8"?>
+<p:sld xmlns:a="http://schemas.openxmlformats.org/drawingml/2006/main" xmlns:r="http://schemas.openxmlformats.org/officeDocument/2006/relationships" xmlns:p="http://schemas.openxmlformats.org/presentationml/2006/main">
+  <p:cSld>
+    <p:spTree>
+      <p:nvGrpSpPr>
+        <p:cNvPr id="1" name=""/>
+        <p:cNvGrpSpPr/>
+        <p:nvPr/>
+      </p:nvGrpSpPr>
+      <p:grpSpPr>
+        <a:xfrm>
+          <a:off x="0" y="0"/>
+          <a:ext cx="0" cy="0"/>
+          <a:chOff x="0" y="0"/>
+          <a:chExt cx="0" cy="0"/>
+        </a:xfrm>
+      </p:grpSpPr>
+      <p:sp>
+        <p:nvSpPr>
+          <p:cNvPr id="2" name="Title 1"/>
+          <p:cNvSpPr>
+            <a:spLocks noGrp="1"/>
+          </p:cNvSpPr>
+          <p:nvPr>
+            <p:ph type="title"/>
+          </p:nvPr>
+        </p:nvSpPr>
+        <p:spPr/>
+        <p:txBody>
+          <a:bodyPr/>
+          <a:lstStyle/>
+          <a:p>
+            <a:r>
+              <a:rPr lang="fr-FR" dirty="0" smtClean="0"/>
+              <a:t>Exploration préliminaire</a:t>
+            </a:r>
+            <a:endParaRPr lang="fr-FR" dirty="0"/>
+          </a:p>
+        </p:txBody>
+      </p:sp>
+      <p:pic>
+        <p:nvPicPr>
+          <p:cNvPr id="4" name="Picture 3"/>
+          <p:cNvPicPr>
+            <a:picLocks noChangeAspect="1"/>
+          </p:cNvPicPr>
+          <p:nvPr/>
+        </p:nvPicPr>
+        <p:blipFill>
+          <a:blip r:embed="rId2"/>
+          <a:stretch>
+            <a:fillRect/>
+          </a:stretch>
+        </p:blipFill>
+        <p:spPr>
+          <a:xfrm>
+            <a:off x="2263164" y="2363250"/>
+            <a:ext cx="7213838" cy="328613"/>
+          </a:xfrm>
+          <a:prstGeom prst="rect">
+            <a:avLst/>
+          </a:prstGeom>
+        </p:spPr>
+      </p:pic>
+      <p:pic>
+        <p:nvPicPr>
+          <p:cNvPr id="7" name="Picture 6"/>
+          <p:cNvPicPr>
+            <a:picLocks noChangeAspect="1"/>
+          </p:cNvPicPr>
+          <p:nvPr/>
+        </p:nvPicPr>
+        <p:blipFill>
+          <a:blip r:embed="rId3"/>
+          <a:stretch>
+            <a:fillRect/>
+          </a:stretch>
+        </p:blipFill>
+        <p:spPr>
+          <a:xfrm>
+            <a:off x="1406999" y="2911288"/>
+            <a:ext cx="3905250" cy="3505200"/>
+          </a:xfrm>
+          <a:prstGeom prst="rect">
+            <a:avLst/>
+          </a:prstGeom>
+        </p:spPr>
+      </p:pic>
+      <p:pic>
+        <p:nvPicPr>
+          <p:cNvPr id="8" name="Picture 7"/>
+          <p:cNvPicPr>
+            <a:picLocks noChangeAspect="1"/>
+          </p:cNvPicPr>
+          <p:nvPr/>
+        </p:nvPicPr>
+        <p:blipFill>
+          <a:blip r:embed="rId4"/>
+          <a:stretch>
+            <a:fillRect/>
+          </a:stretch>
+        </p:blipFill>
+        <p:spPr>
+          <a:xfrm>
+            <a:off x="6077792" y="2911288"/>
+            <a:ext cx="3838575" cy="3400425"/>
+          </a:xfrm>
+          <a:prstGeom prst="rect">
+            <a:avLst/>
+          </a:prstGeom>
+        </p:spPr>
+      </p:pic>
+    </p:spTree>
+    <p:extLst>
+      <p:ext uri="{BB962C8B-B14F-4D97-AF65-F5344CB8AC3E}">
+        <p14:creationId xmlns:p14="http://schemas.microsoft.com/office/powerpoint/2010/main" val="3825412296"/>
+      </p:ext>
+    </p:extLst>
+  </p:cSld>
+  <p:clrMapOvr>
+    <a:masterClrMapping/>
+  </p:clrMapOvr>
+  <p:timing>
+    <p:tnLst>
+      <p:par>
+        <p:cTn id="1" dur="indefinite" restart="never" nodeType="tmRoot"/>
+      </p:par>
+    </p:tnLst>
+  </p:timing>
+</p:sld>
+</file>
+
+<file path=ppt/slides/slide4.xml><?xml version="1.0" encoding="utf-8"?>
+<p:sld xmlns:a="http://schemas.openxmlformats.org/drawingml/2006/main" xmlns:r="http://schemas.openxmlformats.org/officeDocument/2006/relationships" xmlns:p="http://schemas.openxmlformats.org/presentationml/2006/main">
+  <p:cSld>
+    <p:spTree>
+      <p:nvGrpSpPr>
+        <p:cNvPr id="1" name=""/>
+        <p:cNvGrpSpPr/>
+        <p:nvPr/>
+      </p:nvGrpSpPr>
+      <p:grpSpPr>
+        <a:xfrm>
+          <a:off x="0" y="0"/>
+          <a:ext cx="0" cy="0"/>
+          <a:chOff x="0" y="0"/>
+          <a:chExt cx="0" cy="0"/>
+        </a:xfrm>
+      </p:grpSpPr>
+      <p:sp>
+        <p:nvSpPr>
+          <p:cNvPr id="2" name="Title 1"/>
+          <p:cNvSpPr>
+            <a:spLocks noGrp="1"/>
+          </p:cNvSpPr>
+          <p:nvPr>
+            <p:ph type="title"/>
+          </p:nvPr>
+        </p:nvSpPr>
+        <p:spPr/>
+        <p:txBody>
+          <a:bodyPr/>
+          <a:lstStyle/>
+          <a:p>
+            <a:r>
+              <a:rPr lang="fr-FR" dirty="0" smtClean="0"/>
+              <a:t>Nettoyage des données</a:t>
+            </a:r>
+            <a:endParaRPr lang="fr-FR" dirty="0"/>
+          </a:p>
+        </p:txBody>
+      </p:sp>
+      <p:sp>
+        <p:nvSpPr>
+          <p:cNvPr id="3" name="Content Placeholder 2"/>
+          <p:cNvSpPr>
+            <a:spLocks noGrp="1"/>
+          </p:cNvSpPr>
+          <p:nvPr>
+            <p:ph idx="1"/>
+          </p:nvPr>
+        </p:nvSpPr>
+        <p:spPr>
+          <a:xfrm>
+            <a:off x="1871461" y="2617148"/>
+            <a:ext cx="8825659" cy="3416300"/>
+          </a:xfrm>
+        </p:spPr>
+        <p:txBody>
+          <a:bodyPr/>
+          <a:lstStyle/>
+          <a:p>
+            <a:r>
+              <a:rPr lang="fr-FR" dirty="0" smtClean="0"/>
+              <a:t>1) Exclusion des données inexploitables</a:t>
+            </a:r>
+          </a:p>
+          <a:p>
+            <a:endParaRPr lang="fr-FR" dirty="0" smtClean="0"/>
+          </a:p>
+          <a:p>
+            <a:r>
+              <a:rPr lang="fr-FR" dirty="0"/>
+              <a:t>2</a:t>
+            </a:r>
+            <a:r>
+              <a:rPr lang="fr-FR" dirty="0" smtClean="0"/>
+              <a:t>) Remplacement des valeurs aberrantes des variables quantitatives</a:t>
+            </a:r>
+          </a:p>
+          <a:p>
+            <a:endParaRPr lang="fr-FR" dirty="0" smtClean="0"/>
+          </a:p>
+          <a:p>
+            <a:r>
+              <a:rPr lang="fr-FR" dirty="0" smtClean="0"/>
+              <a:t>3) Exclusion des colonnes comportant trop de valeurs manquantes</a:t>
+            </a:r>
+          </a:p>
+          <a:p>
+            <a:endParaRPr lang="fr-FR" dirty="0"/>
+          </a:p>
+          <a:p>
+            <a:r>
+              <a:rPr lang="fr-FR" dirty="0" smtClean="0"/>
+              <a:t>4) Suppression des doublons</a:t>
+            </a:r>
+            <a:endParaRPr lang="fr-FR" dirty="0"/>
+          </a:p>
+        </p:txBody>
+      </p:sp>
+    </p:spTree>
+    <p:extLst>
+      <p:ext uri="{BB962C8B-B14F-4D97-AF65-F5344CB8AC3E}">
+        <p14:creationId xmlns:p14="http://schemas.microsoft.com/office/powerpoint/2010/main" val="3629673245"/>
+      </p:ext>
+    </p:extLst>
+  </p:cSld>
+  <p:clrMapOvr>
+    <a:masterClrMapping/>
+  </p:clrMapOvr>
+  <p:timing>
+    <p:tnLst>
+      <p:par>
+        <p:cTn id="1" dur="indefinite" restart="never" nodeType="tmRoot"/>
+      </p:par>
+    </p:tnLst>
+  </p:timing>
+</p:sld>
+</file>
+
+<file path=ppt/slides/slide5.xml><?xml version="1.0" encoding="utf-8"?>
+<p:sld xmlns:a="http://schemas.openxmlformats.org/drawingml/2006/main" xmlns:r="http://schemas.openxmlformats.org/officeDocument/2006/relationships" xmlns:p="http://schemas.openxmlformats.org/presentationml/2006/main">
+  <p:cSld>
+    <p:spTree>
+      <p:nvGrpSpPr>
+        <p:cNvPr id="1" name=""/>
+        <p:cNvGrpSpPr/>
+        <p:nvPr/>
+      </p:nvGrpSpPr>
+      <p:grpSpPr>
+        <a:xfrm>
+          <a:off x="0" y="0"/>
+          <a:ext cx="0" cy="0"/>
+          <a:chOff x="0" y="0"/>
+          <a:chExt cx="0" cy="0"/>
+        </a:xfrm>
+      </p:grpSpPr>
+      <p:sp>
+        <p:nvSpPr>
+          <p:cNvPr id="2" name="Title 1"/>
+          <p:cNvSpPr>
+            <a:spLocks noGrp="1"/>
+          </p:cNvSpPr>
+          <p:nvPr>
+            <p:ph type="title"/>
+          </p:nvPr>
+        </p:nvSpPr>
+        <p:spPr/>
+        <p:txBody>
+          <a:bodyPr/>
+          <a:lstStyle/>
+          <a:p>
+            <a:r>
+              <a:rPr lang="fr-FR" dirty="0" smtClean="0"/>
+              <a:t>Bilan du nettoyage </a:t>
+            </a:r>
+            <a:endParaRPr lang="fr-FR" dirty="0"/>
+          </a:p>
+        </p:txBody>
+      </p:sp>
+      <p:pic>
+        <p:nvPicPr>
+          <p:cNvPr id="4" name="Picture 3"/>
+          <p:cNvPicPr>
+            <a:picLocks noChangeAspect="1"/>
+          </p:cNvPicPr>
+          <p:nvPr/>
+        </p:nvPicPr>
+        <p:blipFill>
+          <a:blip r:embed="rId2"/>
+          <a:stretch>
+            <a:fillRect/>
+          </a:stretch>
+        </p:blipFill>
+        <p:spPr>
+          <a:xfrm>
+            <a:off x="2209368" y="2384277"/>
+            <a:ext cx="7511458" cy="304332"/>
+          </a:xfrm>
+          <a:prstGeom prst="rect">
+            <a:avLst/>
+          </a:prstGeom>
+        </p:spPr>
+      </p:pic>
+      <p:pic>
+        <p:nvPicPr>
+          <p:cNvPr id="5" name="Picture 4"/>
+          <p:cNvPicPr>
+            <a:picLocks noChangeAspect="1"/>
+          </p:cNvPicPr>
+          <p:nvPr/>
+        </p:nvPicPr>
+        <p:blipFill>
+          <a:blip r:embed="rId3"/>
+          <a:stretch>
+            <a:fillRect/>
+          </a:stretch>
+        </p:blipFill>
+        <p:spPr>
+          <a:xfrm>
+            <a:off x="518970" y="2918061"/>
+            <a:ext cx="3733800" cy="3457575"/>
+          </a:xfrm>
+          <a:prstGeom prst="rect">
+            <a:avLst/>
+          </a:prstGeom>
+        </p:spPr>
+      </p:pic>
+      <p:pic>
+        <p:nvPicPr>
+          <p:cNvPr id="6" name="Picture 5"/>
+          <p:cNvPicPr>
+            <a:picLocks noChangeAspect="1"/>
+          </p:cNvPicPr>
+          <p:nvPr/>
+        </p:nvPicPr>
+        <p:blipFill>
+          <a:blip r:embed="rId4"/>
+          <a:stretch>
+            <a:fillRect/>
+          </a:stretch>
+        </p:blipFill>
+        <p:spPr>
+          <a:xfrm>
+            <a:off x="4313248" y="2889486"/>
+            <a:ext cx="3905250" cy="3486150"/>
+          </a:xfrm>
+          <a:prstGeom prst="rect">
+            <a:avLst/>
+          </a:prstGeom>
+        </p:spPr>
+      </p:pic>
+      <p:pic>
+        <p:nvPicPr>
+          <p:cNvPr id="8" name="Picture 7"/>
+          <p:cNvPicPr>
+            <a:picLocks noChangeAspect="1"/>
+          </p:cNvPicPr>
+          <p:nvPr/>
+        </p:nvPicPr>
+        <p:blipFill>
+          <a:blip r:embed="rId5"/>
+          <a:stretch>
+            <a:fillRect/>
+          </a:stretch>
+        </p:blipFill>
+        <p:spPr>
+          <a:xfrm>
+            <a:off x="8954342" y="3166485"/>
+            <a:ext cx="1924050" cy="2762250"/>
+          </a:xfrm>
+          <a:prstGeom prst="rect">
+            <a:avLst/>
+          </a:prstGeom>
+        </p:spPr>
+      </p:pic>
+      <p:sp>
+        <p:nvSpPr>
+          <p:cNvPr id="9" name="TextBox 8"/>
+          <p:cNvSpPr txBox="1"/>
+          <p:nvPr/>
+        </p:nvSpPr>
+        <p:spPr>
+          <a:xfrm>
+            <a:off x="8343462" y="2889486"/>
+            <a:ext cx="3145810" cy="276999"/>
+          </a:xfrm>
+          <a:prstGeom prst="rect">
+            <a:avLst/>
+          </a:prstGeom>
+          <a:noFill/>
+        </p:spPr>
+        <p:txBody>
+          <a:bodyPr wrap="square" rtlCol="0">
+            <a:spAutoFit/>
+          </a:bodyPr>
+          <a:lstStyle/>
+          <a:p>
+            <a:r>
+              <a:rPr lang="fr-FR" sz="1200" dirty="0" smtClean="0"/>
+              <a:t>Données manquantes après traitement</a:t>
+            </a:r>
+            <a:endParaRPr lang="fr-FR" sz="1200" dirty="0"/>
+          </a:p>
+        </p:txBody>
+      </p:sp>
+    </p:spTree>
+    <p:extLst>
+      <p:ext uri="{BB962C8B-B14F-4D97-AF65-F5344CB8AC3E}">
+        <p14:creationId xmlns:p14="http://schemas.microsoft.com/office/powerpoint/2010/main" val="3056815037"/>
+      </p:ext>
+    </p:extLst>
+  </p:cSld>
+  <p:clrMapOvr>
+    <a:masterClrMapping/>
+  </p:clrMapOvr>
+  <p:timing>
+    <p:tnLst>
+      <p:par>
+        <p:cTn id="1" dur="indefinite" restart="never" nodeType="tmRoot"/>
+      </p:par>
+    </p:tnLst>
+  </p:timing>
+</p:sld>
+</file>
+
+<file path=ppt/slides/slide6.xml><?xml version="1.0" encoding="utf-8"?>
+<p:sld xmlns:a="http://schemas.openxmlformats.org/drawingml/2006/main" xmlns:r="http://schemas.openxmlformats.org/officeDocument/2006/relationships" xmlns:p="http://schemas.openxmlformats.org/presentationml/2006/main">
+  <p:cSld>
+    <p:spTree>
+      <p:nvGrpSpPr>
+        <p:cNvPr id="1" name=""/>
+        <p:cNvGrpSpPr/>
+        <p:nvPr/>
+      </p:nvGrpSpPr>
+      <p:grpSpPr>
+        <a:xfrm>
+          <a:off x="0" y="0"/>
+          <a:ext cx="0" cy="0"/>
+          <a:chOff x="0" y="0"/>
+          <a:chExt cx="0" cy="0"/>
+        </a:xfrm>
+      </p:grpSpPr>
+      <p:sp>
+        <p:nvSpPr>
+          <p:cNvPr id="2" name="Title 1"/>
+          <p:cNvSpPr>
+            <a:spLocks noGrp="1"/>
+          </p:cNvSpPr>
+          <p:nvPr>
+            <p:ph type="title"/>
+          </p:nvPr>
+        </p:nvSpPr>
+        <p:spPr/>
+        <p:txBody>
+          <a:bodyPr/>
+          <a:lstStyle/>
+          <a:p>
+            <a:r>
+              <a:rPr lang="fr-FR" dirty="0" smtClean="0"/>
+              <a:t>Analyse des données</a:t>
+            </a:r>
+            <a:endParaRPr lang="fr-FR" dirty="0"/>
+          </a:p>
+        </p:txBody>
+      </p:sp>
+      <p:sp>
+        <p:nvSpPr>
+          <p:cNvPr id="3" name="Content Placeholder 2"/>
+          <p:cNvSpPr>
+            <a:spLocks noGrp="1"/>
+          </p:cNvSpPr>
+          <p:nvPr>
+            <p:ph idx="1"/>
+          </p:nvPr>
+        </p:nvSpPr>
+        <p:spPr>
+          <a:xfrm>
+            <a:off x="2069354" y="2999285"/>
+            <a:ext cx="8825659" cy="3416300"/>
+          </a:xfrm>
+        </p:spPr>
+        <p:txBody>
+          <a:bodyPr/>
+          <a:lstStyle/>
+          <a:p>
+            <a:r>
+              <a:rPr lang="fr-FR" dirty="0" smtClean="0"/>
+              <a:t>1) Analyse en Composantes Principales des nutriments</a:t>
+            </a:r>
+          </a:p>
+          <a:p>
+            <a:endParaRPr lang="fr-FR" dirty="0"/>
+          </a:p>
+          <a:p>
+            <a:r>
+              <a:rPr lang="fr-FR" dirty="0" smtClean="0"/>
+              <a:t>2) Analyse de variance entre nutriments et nutriscore</a:t>
+            </a:r>
+          </a:p>
+          <a:p>
+            <a:endParaRPr lang="fr-FR" dirty="0"/>
+          </a:p>
+          <a:p>
+            <a:r>
+              <a:rPr lang="fr-FR" dirty="0" smtClean="0"/>
+              <a:t>3) Analyse qualitative des marques les plus représentées</a:t>
+            </a:r>
+            <a:endParaRPr lang="fr-FR" dirty="0"/>
+          </a:p>
+        </p:txBody>
+      </p:sp>
+    </p:spTree>
+    <p:extLst>
+      <p:ext uri="{BB962C8B-B14F-4D97-AF65-F5344CB8AC3E}">
+        <p14:creationId xmlns:p14="http://schemas.microsoft.com/office/powerpoint/2010/main" val="3537330207"/>
+      </p:ext>
+    </p:extLst>
+  </p:cSld>
+  <p:clrMapOvr>
+    <a:masterClrMapping/>
+  </p:clrMapOvr>
+  <p:timing>
+    <p:tnLst>
+      <p:par>
+        <p:cTn id="1" dur="indefinite" restart="never" nodeType="tmRoot"/>
+      </p:par>
+    </p:tnLst>
+  </p:timing>
+</p:sld>
+</file>
+
+<file path=ppt/slides/slide7.xml><?xml version="1.0" encoding="utf-8"?>
+<p:sld xmlns:a="http://schemas.openxmlformats.org/drawingml/2006/main" xmlns:r="http://schemas.openxmlformats.org/officeDocument/2006/relationships" xmlns:p="http://schemas.openxmlformats.org/presentationml/2006/main">
+  <p:cSld>
+    <p:spTree>
+      <p:nvGrpSpPr>
+        <p:cNvPr id="1" name=""/>
+        <p:cNvGrpSpPr/>
+        <p:nvPr/>
+      </p:nvGrpSpPr>
+      <p:grpSpPr>
+        <a:xfrm>
+          <a:off x="0" y="0"/>
+          <a:ext cx="0" cy="0"/>
+          <a:chOff x="0" y="0"/>
+          <a:chExt cx="0" cy="0"/>
+        </a:xfrm>
+      </p:grpSpPr>
+      <p:sp>
+        <p:nvSpPr>
+          <p:cNvPr id="2" name="Title 1"/>
+          <p:cNvSpPr>
+            <a:spLocks noGrp="1"/>
+          </p:cNvSpPr>
+          <p:nvPr>
+            <p:ph type="title"/>
+          </p:nvPr>
+        </p:nvSpPr>
+        <p:spPr/>
+        <p:txBody>
+          <a:bodyPr/>
+          <a:lstStyle/>
+          <a:p>
+            <a:r>
+              <a:rPr lang="fr-FR" dirty="0" smtClean="0"/>
+              <a:t>Analyse en Composantes Principales</a:t>
+            </a:r>
+            <a:endParaRPr lang="fr-FR" dirty="0"/>
+          </a:p>
+        </p:txBody>
+      </p:sp>
+      <p:sp>
+        <p:nvSpPr>
+          <p:cNvPr id="3" name="Content Placeholder 2"/>
+          <p:cNvSpPr>
+            <a:spLocks noGrp="1"/>
+          </p:cNvSpPr>
+          <p:nvPr>
+            <p:ph idx="1"/>
+          </p:nvPr>
+        </p:nvSpPr>
+        <p:spPr>
+          <a:xfrm>
+            <a:off x="7501166" y="3560397"/>
+            <a:ext cx="4229088" cy="535485"/>
+          </a:xfrm>
+        </p:spPr>
+        <p:txBody>
+          <a:bodyPr/>
+          <a:lstStyle/>
+          <a:p>
+            <a:pPr marL="0" indent="0">
+              <a:buNone/>
+            </a:pPr>
+            <a:r>
+              <a:rPr lang="fr-FR" dirty="0" smtClean="0"/>
+              <a:t>I) Matrice de corrélation bivariée</a:t>
+            </a:r>
+            <a:endParaRPr lang="fr-FR" dirty="0"/>
+          </a:p>
+        </p:txBody>
+      </p:sp>
+      <p:pic>
+        <p:nvPicPr>
+          <p:cNvPr id="4" name="Picture 3"/>
+          <p:cNvPicPr>
+            <a:picLocks noChangeAspect="1"/>
+          </p:cNvPicPr>
+          <p:nvPr/>
+        </p:nvPicPr>
+        <p:blipFill>
+          <a:blip r:embed="rId2"/>
+          <a:stretch>
+            <a:fillRect/>
+          </a:stretch>
+        </p:blipFill>
+        <p:spPr>
+          <a:xfrm>
+            <a:off x="1622662" y="1680632"/>
+            <a:ext cx="5474174" cy="4840734"/>
+          </a:xfrm>
+          <a:prstGeom prst="rect">
+            <a:avLst/>
+          </a:prstGeom>
+        </p:spPr>
+      </p:pic>
+    </p:spTree>
+    <p:extLst>
+      <p:ext uri="{BB962C8B-B14F-4D97-AF65-F5344CB8AC3E}">
+        <p14:creationId xmlns:p14="http://schemas.microsoft.com/office/powerpoint/2010/main" val="3987174117"/>
+      </p:ext>
+    </p:extLst>
+  </p:cSld>
+  <p:clrMapOvr>
+    <a:masterClrMapping/>
+  </p:clrMapOvr>
+  <p:timing>
+    <p:tnLst>
+      <p:par>
+        <p:cTn id="1" dur="indefinite" restart="never" nodeType="tmRoot"/>
+      </p:par>
+    </p:tnLst>
+  </p:timing>
+</p:sld>
+</file>
+
+<file path=ppt/slides/slide8.xml><?xml version="1.0" encoding="utf-8"?>
+<p:sld xmlns:a="http://schemas.openxmlformats.org/drawingml/2006/main" xmlns:r="http://schemas.openxmlformats.org/officeDocument/2006/relationships" xmlns:p="http://schemas.openxmlformats.org/presentationml/2006/main">
+  <p:cSld>
+    <p:spTree>
+      <p:nvGrpSpPr>
+        <p:cNvPr id="1" name=""/>
+        <p:cNvGrpSpPr/>
+        <p:nvPr/>
+      </p:nvGrpSpPr>
+      <p:grpSpPr>
+        <a:xfrm>
+          <a:off x="0" y="0"/>
+          <a:ext cx="0" cy="0"/>
+          <a:chOff x="0" y="0"/>
+          <a:chExt cx="0" cy="0"/>
+        </a:xfrm>
+      </p:grpSpPr>
+      <p:sp>
+        <p:nvSpPr>
+          <p:cNvPr id="2" name="Title 1"/>
+          <p:cNvSpPr>
+            <a:spLocks noGrp="1"/>
+          </p:cNvSpPr>
+          <p:nvPr>
+            <p:ph type="title"/>
+          </p:nvPr>
+        </p:nvSpPr>
+        <p:spPr/>
+        <p:txBody>
+          <a:bodyPr/>
+          <a:lstStyle/>
+          <a:p>
+            <a:r>
+              <a:rPr lang="fr-FR" dirty="0"/>
+              <a:t>Analyse en Composantes Principales</a:t>
+            </a:r>
+          </a:p>
+        </p:txBody>
+      </p:sp>
+      <p:sp>
+        <p:nvSpPr>
+          <p:cNvPr id="3" name="Content Placeholder 2"/>
+          <p:cNvSpPr>
+            <a:spLocks noGrp="1"/>
+          </p:cNvSpPr>
+          <p:nvPr>
+            <p:ph idx="1"/>
+          </p:nvPr>
+        </p:nvSpPr>
+        <p:spPr>
+          <a:xfrm>
+            <a:off x="1215920" y="2460198"/>
+            <a:ext cx="1649661" cy="494542"/>
+          </a:xfrm>
+        </p:spPr>
+        <p:txBody>
+          <a:bodyPr/>
+          <a:lstStyle/>
+          <a:p>
+            <a:pPr marL="0" indent="0">
+              <a:buNone/>
+            </a:pPr>
+            <a:r>
+              <a:rPr lang="fr-FR" dirty="0" smtClean="0"/>
+              <a:t>II) Résultats</a:t>
+            </a:r>
+            <a:endParaRPr lang="fr-FR" dirty="0"/>
+          </a:p>
+        </p:txBody>
+      </p:sp>
+      <p:pic>
+        <p:nvPicPr>
+          <p:cNvPr id="4" name="Picture 3"/>
+          <p:cNvPicPr>
+            <a:picLocks noChangeAspect="1"/>
+          </p:cNvPicPr>
+          <p:nvPr/>
+        </p:nvPicPr>
+        <p:blipFill>
+          <a:blip r:embed="rId2"/>
+          <a:stretch>
+            <a:fillRect/>
+          </a:stretch>
+        </p:blipFill>
+        <p:spPr>
+          <a:xfrm>
+            <a:off x="935013" y="3022979"/>
+            <a:ext cx="4639717" cy="2940666"/>
+          </a:xfrm>
+          <a:prstGeom prst="rect">
+            <a:avLst/>
+          </a:prstGeom>
+        </p:spPr>
+      </p:pic>
+      <p:pic>
+        <p:nvPicPr>
+          <p:cNvPr id="5" name="Picture 4"/>
+          <p:cNvPicPr>
+            <a:picLocks noChangeAspect="1"/>
+          </p:cNvPicPr>
+          <p:nvPr/>
+        </p:nvPicPr>
+        <p:blipFill>
+          <a:blip r:embed="rId3"/>
+          <a:stretch>
+            <a:fillRect/>
+          </a:stretch>
+        </p:blipFill>
+        <p:spPr>
+          <a:xfrm>
+            <a:off x="6090739" y="2157984"/>
+            <a:ext cx="5195959" cy="4102073"/>
+          </a:xfrm>
+          <a:prstGeom prst="rect">
+            <a:avLst/>
+          </a:prstGeom>
+        </p:spPr>
+      </p:pic>
+    </p:spTree>
+    <p:extLst>
+      <p:ext uri="{BB962C8B-B14F-4D97-AF65-F5344CB8AC3E}">
+        <p14:creationId xmlns:p14="http://schemas.microsoft.com/office/powerpoint/2010/main" val="2561066553"/>
+      </p:ext>
+    </p:extLst>
+  </p:cSld>
+  <p:clrMapOvr>
+    <a:masterClrMapping/>
+  </p:clrMapOvr>
+  <p:timing>
+    <p:tnLst>
+      <p:par>
+        <p:cTn id="1" dur="indefinite" restart="never" nodeType="tmRoot"/>
+      </p:par>
+    </p:tnLst>
+  </p:timing>
+</p:sld>
+</file>
+
+<file path=ppt/slides/slide9.xml><?xml version="1.0" encoding="utf-8"?>
+<p:sld xmlns:a="http://schemas.openxmlformats.org/drawingml/2006/main" xmlns:r="http://schemas.openxmlformats.org/officeDocument/2006/relationships" xmlns:p="http://schemas.openxmlformats.org/presentationml/2006/main">
+  <p:cSld>
+    <p:spTree>
+      <p:nvGrpSpPr>
+        <p:cNvPr id="1" name=""/>
+        <p:cNvGrpSpPr/>
+        <p:nvPr/>
+      </p:nvGrpSpPr>
+      <p:grpSpPr>
+        <a:xfrm>
+          <a:off x="0" y="0"/>
+          <a:ext cx="0" cy="0"/>
+          <a:chOff x="0" y="0"/>
+          <a:chExt cx="0" cy="0"/>
+        </a:xfrm>
+      </p:grpSpPr>
+      <p:sp>
+        <p:nvSpPr>
+          <p:cNvPr id="2" name="Title 1"/>
+          <p:cNvSpPr>
+            <a:spLocks noGrp="1"/>
+          </p:cNvSpPr>
+          <p:nvPr>
+            <p:ph type="title"/>
+          </p:nvPr>
+        </p:nvSpPr>
+        <p:spPr/>
+        <p:txBody>
+          <a:bodyPr/>
+          <a:lstStyle/>
+          <a:p>
+            <a:r>
+              <a:rPr lang="fr-FR" dirty="0"/>
+              <a:t>Analyse en Composantes Principales</a:t>
+            </a:r>
+          </a:p>
+        </p:txBody>
+      </p:sp>
+      <p:sp>
+        <p:nvSpPr>
+          <p:cNvPr id="3" name="Content Placeholder 2"/>
+          <p:cNvSpPr>
+            <a:spLocks noGrp="1"/>
+          </p:cNvSpPr>
+          <p:nvPr>
+            <p:ph idx="1"/>
+          </p:nvPr>
+        </p:nvSpPr>
+        <p:spPr>
+          <a:xfrm>
+            <a:off x="657649" y="6001792"/>
+            <a:ext cx="5191254" cy="856208"/>
+          </a:xfrm>
+        </p:spPr>
+        <p:txBody>
+          <a:bodyPr/>
+          <a:lstStyle/>
+          <a:p>
+            <a:pPr marL="0" indent="0">
+              <a:buNone/>
+            </a:pPr>
+            <a:r>
+              <a:rPr lang="fr-FR" dirty="0" smtClean="0"/>
+              <a:t>III) ACP sur un nombre </a:t>
+            </a:r>
+            <a:r>
+              <a:rPr lang="fr-FR" dirty="0"/>
+              <a:t>réduit de variables</a:t>
+            </a:r>
+          </a:p>
+          <a:p>
+            <a:pPr marL="0" indent="0">
+              <a:buNone/>
+            </a:pPr>
+            <a:endParaRPr lang="fr-FR" dirty="0"/>
+          </a:p>
+        </p:txBody>
+      </p:sp>
+      <p:pic>
+        <p:nvPicPr>
+          <p:cNvPr id="5" name="Picture 4"/>
+          <p:cNvPicPr>
+            <a:picLocks noChangeAspect="1"/>
+          </p:cNvPicPr>
+          <p:nvPr/>
+        </p:nvPicPr>
+        <p:blipFill>
+          <a:blip r:embed="rId2"/>
+          <a:stretch>
+            <a:fillRect/>
+          </a:stretch>
+        </p:blipFill>
+        <p:spPr>
+          <a:xfrm>
+            <a:off x="5848903" y="1792179"/>
+            <a:ext cx="5417324" cy="4353801"/>
+          </a:xfrm>
+          <a:prstGeom prst="rect">
+            <a:avLst/>
+          </a:prstGeom>
+        </p:spPr>
+      </p:pic>
+      <p:pic>
+        <p:nvPicPr>
+          <p:cNvPr id="6" name="Picture 5"/>
+          <p:cNvPicPr>
+            <a:picLocks noChangeAspect="1"/>
+          </p:cNvPicPr>
+          <p:nvPr/>
+        </p:nvPicPr>
+        <p:blipFill>
+          <a:blip r:embed="rId3"/>
+          <a:stretch>
+            <a:fillRect/>
+          </a:stretch>
+        </p:blipFill>
+        <p:spPr>
+          <a:xfrm>
+            <a:off x="349737" y="2165158"/>
+            <a:ext cx="5399058" cy="3607841"/>
+          </a:xfrm>
+          <a:prstGeom prst="rect">
+            <a:avLst/>
+          </a:prstGeom>
+        </p:spPr>
+      </p:pic>
+    </p:spTree>
+    <p:extLst>
+      <p:ext uri="{BB962C8B-B14F-4D97-AF65-F5344CB8AC3E}">
+        <p14:creationId xmlns:p14="http://schemas.microsoft.com/office/powerpoint/2010/main" val="1258370652"/>
+      </p:ext>
+    </p:extLst>
+  </p:cSld>
+  <p:clrMapOvr>
+    <a:masterClrMapping/>
+  </p:clrMapOvr>
+  <p:timing>
+    <p:tnLst>
+      <p:par>
+        <p:cTn id="1" dur="indefinite" restart="never" nodeType="tmRoot"/>
+      </p:par>
+    </p:tnLst>
+  </p:timing>
 </p:sld>
 </file>
 

--- a/P3_01_presentation.pptx
+++ b/P3_01_presentation.pptx
@@ -11,12 +11,17 @@
     <p:sldId id="259" r:id="rId5"/>
     <p:sldId id="260" r:id="rId6"/>
     <p:sldId id="261" r:id="rId7"/>
-    <p:sldId id="262" r:id="rId8"/>
-    <p:sldId id="263" r:id="rId9"/>
-    <p:sldId id="265" r:id="rId10"/>
-    <p:sldId id="264" r:id="rId11"/>
-    <p:sldId id="266" r:id="rId12"/>
-    <p:sldId id="267" r:id="rId13"/>
+    <p:sldId id="271" r:id="rId8"/>
+    <p:sldId id="262" r:id="rId9"/>
+    <p:sldId id="263" r:id="rId10"/>
+    <p:sldId id="265" r:id="rId11"/>
+    <p:sldId id="270" r:id="rId12"/>
+    <p:sldId id="272" r:id="rId13"/>
+    <p:sldId id="269" r:id="rId14"/>
+    <p:sldId id="264" r:id="rId15"/>
+    <p:sldId id="268" r:id="rId16"/>
+    <p:sldId id="266" r:id="rId17"/>
+    <p:sldId id="267" r:id="rId18"/>
   </p:sldIdLst>
   <p:sldSz cx="12192000" cy="6858000"/>
   <p:notesSz cx="6858000" cy="9144000"/>
@@ -299,7 +304,7 @@
           </a:lstStyle>
           <a:p>
             <a:r>
-              <a:rPr lang="en-US" smtClean="0"/>
+              <a:rPr lang="en-US"/>
               <a:t>Click to edit Master title style</a:t>
             </a:r>
             <a:endParaRPr lang="en-US" dirty="0"/>
@@ -419,7 +424,7 @@
           </a:lstStyle>
           <a:p>
             <a:r>
-              <a:rPr lang="en-US" smtClean="0"/>
+              <a:rPr lang="en-US"/>
               <a:t>Click to edit Master subtitle style</a:t>
             </a:r>
             <a:endParaRPr lang="en-US" dirty="0"/>
@@ -458,7 +463,7 @@
           <a:p>
             <a:fld id="{B35C6026-1E2D-41A2-8CE3-76544FD0B1C2}" type="datetimeFigureOut">
               <a:rPr lang="fr-FR" smtClean="0"/>
-              <a:t>09/02/2021</a:t>
+              <a:t>17/02/2021</a:t>
             </a:fld>
             <a:endParaRPr lang="fr-FR" dirty="0"/>
           </a:p>
@@ -556,7 +561,7 @@
           <a:p>
             <a:fld id="{75462682-1E11-49BB-B5A9-AF67021C5DDE}" type="slidenum">
               <a:rPr lang="fr-FR" smtClean="0"/>
-              <a:t>‹#›</a:t>
+              <a:t>‹N°›</a:t>
             </a:fld>
             <a:endParaRPr lang="fr-FR" dirty="0"/>
           </a:p>
@@ -1369,7 +1374,7 @@
           </a:lstStyle>
           <a:p>
             <a:r>
-              <a:rPr lang="en-US" smtClean="0"/>
+              <a:rPr lang="en-US"/>
               <a:t>Click to edit Master title style</a:t>
             </a:r>
             <a:endParaRPr lang="en-US" dirty="0"/>
@@ -1448,10 +1453,9 @@
           </a:lstStyle>
           <a:p>
             <a:r>
-              <a:rPr lang="en-US" dirty="0" smtClean="0"/>
+              <a:rPr lang="en-US" dirty="0"/>
               <a:t>Click icon to add picture</a:t>
             </a:r>
-            <a:endParaRPr lang="en-US" dirty="0"/>
           </a:p>
         </p:txBody>
       </p:sp>
@@ -1523,7 +1527,7 @@
           <a:p>
             <a:pPr lvl="0"/>
             <a:r>
-              <a:rPr lang="en-US" smtClean="0"/>
+              <a:rPr lang="en-US"/>
               <a:t>Click to edit Master text styles</a:t>
             </a:r>
           </a:p>
@@ -1546,7 +1550,7 @@
           <a:p>
             <a:fld id="{B35C6026-1E2D-41A2-8CE3-76544FD0B1C2}" type="datetimeFigureOut">
               <a:rPr lang="fr-FR" smtClean="0"/>
-              <a:t>09/02/2021</a:t>
+              <a:t>17/02/2021</a:t>
             </a:fld>
             <a:endParaRPr lang="fr-FR" dirty="0"/>
           </a:p>
@@ -1624,7 +1628,7 @@
           <a:p>
             <a:fld id="{75462682-1E11-49BB-B5A9-AF67021C5DDE}" type="slidenum">
               <a:rPr lang="fr-FR" smtClean="0"/>
-              <a:t>‹#›</a:t>
+              <a:t>‹N°›</a:t>
             </a:fld>
             <a:endParaRPr lang="fr-FR" dirty="0"/>
           </a:p>
@@ -2435,7 +2439,7 @@
           </a:lstStyle>
           <a:p>
             <a:r>
-              <a:rPr lang="en-US" smtClean="0"/>
+              <a:rPr lang="en-US"/>
               <a:t>Click to edit Master title style</a:t>
             </a:r>
             <a:endParaRPr lang="en-US" dirty="0"/>
@@ -2503,7 +2507,7 @@
           <a:p>
             <a:pPr lvl="0"/>
             <a:r>
-              <a:rPr lang="en-US" smtClean="0"/>
+              <a:rPr lang="en-US"/>
               <a:t>Click to edit Master text styles</a:t>
             </a:r>
           </a:p>
@@ -2526,7 +2530,7 @@
           <a:p>
             <a:fld id="{B35C6026-1E2D-41A2-8CE3-76544FD0B1C2}" type="datetimeFigureOut">
               <a:rPr lang="fr-FR" smtClean="0"/>
-              <a:t>09/02/2021</a:t>
+              <a:t>17/02/2021</a:t>
             </a:fld>
             <a:endParaRPr lang="fr-FR" dirty="0"/>
           </a:p>
@@ -2604,7 +2608,7 @@
           <a:p>
             <a:fld id="{75462682-1E11-49BB-B5A9-AF67021C5DDE}" type="slidenum">
               <a:rPr lang="fr-FR" smtClean="0"/>
-              <a:t>‹#›</a:t>
+              <a:t>‹N°›</a:t>
             </a:fld>
             <a:endParaRPr lang="fr-FR" dirty="0"/>
           </a:p>
@@ -3493,7 +3497,7 @@
           </a:lstStyle>
           <a:p>
             <a:r>
-              <a:rPr lang="en-US" smtClean="0"/>
+              <a:rPr lang="en-US"/>
               <a:t>Click to edit Master title style</a:t>
             </a:r>
             <a:endParaRPr lang="en-US" dirty="0"/>
@@ -3570,7 +3574,7 @@
           <a:p>
             <a:pPr lvl="0"/>
             <a:r>
-              <a:rPr lang="en-US" smtClean="0"/>
+              <a:rPr lang="en-US"/>
               <a:t>Click to edit Master text styles</a:t>
             </a:r>
           </a:p>
@@ -3637,7 +3641,7 @@
           <a:p>
             <a:pPr lvl="0"/>
             <a:r>
-              <a:rPr lang="en-US" smtClean="0"/>
+              <a:rPr lang="en-US"/>
               <a:t>Click to edit Master text styles</a:t>
             </a:r>
           </a:p>
@@ -3660,7 +3664,7 @@
           <a:p>
             <a:fld id="{B35C6026-1E2D-41A2-8CE3-76544FD0B1C2}" type="datetimeFigureOut">
               <a:rPr lang="fr-FR" smtClean="0"/>
-              <a:t>09/02/2021</a:t>
+              <a:t>17/02/2021</a:t>
             </a:fld>
             <a:endParaRPr lang="fr-FR" dirty="0"/>
           </a:p>
@@ -3738,7 +3742,7 @@
           <a:p>
             <a:fld id="{75462682-1E11-49BB-B5A9-AF67021C5DDE}" type="slidenum">
               <a:rPr lang="fr-FR" smtClean="0"/>
-              <a:t>‹#›</a:t>
+              <a:t>‹N°›</a:t>
             </a:fld>
             <a:endParaRPr lang="fr-FR" dirty="0"/>
           </a:p>
@@ -4549,7 +4553,7 @@
           </a:lstStyle>
           <a:p>
             <a:r>
-              <a:rPr lang="en-US" smtClean="0"/>
+              <a:rPr lang="en-US"/>
               <a:t>Click to edit Master title style</a:t>
             </a:r>
             <a:endParaRPr lang="en-US" dirty="0"/>
@@ -4670,7 +4674,7 @@
           <a:p>
             <a:pPr lvl="0"/>
             <a:r>
-              <a:rPr lang="en-US" smtClean="0"/>
+              <a:rPr lang="en-US"/>
               <a:t>Click to edit Master text styles</a:t>
             </a:r>
           </a:p>
@@ -4693,7 +4697,7 @@
           <a:p>
             <a:fld id="{B35C6026-1E2D-41A2-8CE3-76544FD0B1C2}" type="datetimeFigureOut">
               <a:rPr lang="fr-FR" smtClean="0"/>
-              <a:t>09/02/2021</a:t>
+              <a:t>17/02/2021</a:t>
             </a:fld>
             <a:endParaRPr lang="fr-FR" dirty="0"/>
           </a:p>
@@ -4771,7 +4775,7 @@
           <a:p>
             <a:fld id="{75462682-1E11-49BB-B5A9-AF67021C5DDE}" type="slidenum">
               <a:rPr lang="fr-FR" smtClean="0"/>
-              <a:t>‹#›</a:t>
+              <a:t>‹N°›</a:t>
             </a:fld>
             <a:endParaRPr lang="fr-FR" dirty="0"/>
           </a:p>
@@ -4832,7 +4836,7 @@
           </a:lstStyle>
           <a:p>
             <a:r>
-              <a:rPr lang="en-US" smtClean="0"/>
+              <a:rPr lang="en-US"/>
               <a:t>Click to edit Master title style</a:t>
             </a:r>
             <a:endParaRPr lang="en-US" dirty="0"/>
@@ -4907,7 +4911,7 @@
           <a:p>
             <a:pPr lvl="0"/>
             <a:r>
-              <a:rPr lang="en-US" smtClean="0"/>
+              <a:rPr lang="en-US"/>
               <a:t>Click to edit Master text styles</a:t>
             </a:r>
           </a:p>
@@ -4974,7 +4978,7 @@
           <a:p>
             <a:pPr lvl="0"/>
             <a:r>
-              <a:rPr lang="en-US" smtClean="0"/>
+              <a:rPr lang="en-US"/>
               <a:t>Click to edit Master text styles</a:t>
             </a:r>
           </a:p>
@@ -5048,7 +5052,7 @@
           <a:p>
             <a:pPr lvl="0"/>
             <a:r>
-              <a:rPr lang="en-US" smtClean="0"/>
+              <a:rPr lang="en-US"/>
               <a:t>Click to edit Master text styles</a:t>
             </a:r>
           </a:p>
@@ -5115,7 +5119,7 @@
           <a:p>
             <a:pPr lvl="0"/>
             <a:r>
-              <a:rPr lang="en-US" smtClean="0"/>
+              <a:rPr lang="en-US"/>
               <a:t>Click to edit Master text styles</a:t>
             </a:r>
           </a:p>
@@ -5189,7 +5193,7 @@
           <a:p>
             <a:pPr lvl="0"/>
             <a:r>
-              <a:rPr lang="en-US" smtClean="0"/>
+              <a:rPr lang="en-US"/>
               <a:t>Click to edit Master text styles</a:t>
             </a:r>
           </a:p>
@@ -5256,7 +5260,7 @@
           <a:p>
             <a:pPr lvl="0"/>
             <a:r>
-              <a:rPr lang="en-US" smtClean="0"/>
+              <a:rPr lang="en-US"/>
               <a:t>Click to edit Master text styles</a:t>
             </a:r>
           </a:p>
@@ -5353,7 +5357,7 @@
           <a:p>
             <a:fld id="{B35C6026-1E2D-41A2-8CE3-76544FD0B1C2}" type="datetimeFigureOut">
               <a:rPr lang="fr-FR" smtClean="0"/>
-              <a:t>09/02/2021</a:t>
+              <a:t>17/02/2021</a:t>
             </a:fld>
             <a:endParaRPr lang="fr-FR" dirty="0"/>
           </a:p>
@@ -5395,7 +5399,7 @@
           <a:p>
             <a:fld id="{75462682-1E11-49BB-B5A9-AF67021C5DDE}" type="slidenum">
               <a:rPr lang="fr-FR" smtClean="0"/>
-              <a:t>‹#›</a:t>
+              <a:t>‹N°›</a:t>
             </a:fld>
             <a:endParaRPr lang="fr-FR" dirty="0"/>
           </a:p>
@@ -5456,7 +5460,7 @@
           </a:lstStyle>
           <a:p>
             <a:r>
-              <a:rPr lang="en-US" smtClean="0"/>
+              <a:rPr lang="en-US"/>
               <a:t>Click to edit Master title style</a:t>
             </a:r>
             <a:endParaRPr lang="en-US" dirty="0"/>
@@ -5531,7 +5535,7 @@
           <a:p>
             <a:pPr lvl="0"/>
             <a:r>
-              <a:rPr lang="en-US" smtClean="0"/>
+              <a:rPr lang="en-US"/>
               <a:t>Click to edit Master text styles</a:t>
             </a:r>
           </a:p>
@@ -5609,10 +5613,9 @@
           </a:lstStyle>
           <a:p>
             <a:r>
-              <a:rPr lang="en-US" dirty="0" smtClean="0"/>
+              <a:rPr lang="en-US" dirty="0"/>
               <a:t>Click icon to add picture</a:t>
             </a:r>
-            <a:endParaRPr lang="en-US" dirty="0"/>
           </a:p>
         </p:txBody>
       </p:sp>
@@ -5677,7 +5680,7 @@
           <a:p>
             <a:pPr lvl="0"/>
             <a:r>
-              <a:rPr lang="en-US" smtClean="0"/>
+              <a:rPr lang="en-US"/>
               <a:t>Click to edit Master text styles</a:t>
             </a:r>
           </a:p>
@@ -5751,7 +5754,7 @@
           <a:p>
             <a:pPr lvl="0"/>
             <a:r>
-              <a:rPr lang="en-US" smtClean="0"/>
+              <a:rPr lang="en-US"/>
               <a:t>Click to edit Master text styles</a:t>
             </a:r>
           </a:p>
@@ -5829,10 +5832,9 @@
           </a:lstStyle>
           <a:p>
             <a:r>
-              <a:rPr lang="en-US" dirty="0" smtClean="0"/>
+              <a:rPr lang="en-US" dirty="0"/>
               <a:t>Click icon to add picture</a:t>
             </a:r>
-            <a:endParaRPr lang="en-US" dirty="0"/>
           </a:p>
         </p:txBody>
       </p:sp>
@@ -5897,7 +5899,7 @@
           <a:p>
             <a:pPr lvl="0"/>
             <a:r>
-              <a:rPr lang="en-US" smtClean="0"/>
+              <a:rPr lang="en-US"/>
               <a:t>Click to edit Master text styles</a:t>
             </a:r>
           </a:p>
@@ -5971,7 +5973,7 @@
           <a:p>
             <a:pPr lvl="0"/>
             <a:r>
-              <a:rPr lang="en-US" smtClean="0"/>
+              <a:rPr lang="en-US"/>
               <a:t>Click to edit Master text styles</a:t>
             </a:r>
           </a:p>
@@ -6049,10 +6051,9 @@
           </a:lstStyle>
           <a:p>
             <a:r>
-              <a:rPr lang="en-US" dirty="0" smtClean="0"/>
+              <a:rPr lang="en-US" dirty="0"/>
               <a:t>Click icon to add picture</a:t>
             </a:r>
-            <a:endParaRPr lang="en-US" dirty="0"/>
           </a:p>
         </p:txBody>
       </p:sp>
@@ -6117,7 +6118,7 @@
           <a:p>
             <a:pPr lvl="0"/>
             <a:r>
-              <a:rPr lang="en-US" smtClean="0"/>
+              <a:rPr lang="en-US"/>
               <a:t>Click to edit Master text styles</a:t>
             </a:r>
           </a:p>
@@ -6214,7 +6215,7 @@
           <a:p>
             <a:fld id="{B35C6026-1E2D-41A2-8CE3-76544FD0B1C2}" type="datetimeFigureOut">
               <a:rPr lang="fr-FR" smtClean="0"/>
-              <a:t>09/02/2021</a:t>
+              <a:t>17/02/2021</a:t>
             </a:fld>
             <a:endParaRPr lang="fr-FR" dirty="0"/>
           </a:p>
@@ -6261,7 +6262,7 @@
           <a:p>
             <a:fld id="{75462682-1E11-49BB-B5A9-AF67021C5DDE}" type="slidenum">
               <a:rPr lang="fr-FR" smtClean="0"/>
-              <a:t>‹#›</a:t>
+              <a:t>‹N°›</a:t>
             </a:fld>
             <a:endParaRPr lang="fr-FR" dirty="0"/>
           </a:p>
@@ -6318,7 +6319,7 @@
           <a:lstStyle/>
           <a:p>
             <a:r>
-              <a:rPr lang="en-US" smtClean="0"/>
+              <a:rPr lang="en-US"/>
               <a:t>Click to edit Master title style</a:t>
             </a:r>
             <a:endParaRPr lang="en-US" dirty="0"/>
@@ -6347,35 +6348,35 @@
           <a:p>
             <a:pPr lvl="0"/>
             <a:r>
-              <a:rPr lang="en-US" smtClean="0"/>
+              <a:rPr lang="en-US"/>
               <a:t>Click to edit Master text styles</a:t>
             </a:r>
           </a:p>
           <a:p>
             <a:pPr lvl="1"/>
             <a:r>
-              <a:rPr lang="en-US" smtClean="0"/>
+              <a:rPr lang="en-US"/>
               <a:t>Second level</a:t>
             </a:r>
           </a:p>
           <a:p>
             <a:pPr lvl="2"/>
             <a:r>
-              <a:rPr lang="en-US" smtClean="0"/>
+              <a:rPr lang="en-US"/>
               <a:t>Third level</a:t>
             </a:r>
           </a:p>
           <a:p>
             <a:pPr lvl="3"/>
             <a:r>
-              <a:rPr lang="en-US" smtClean="0"/>
+              <a:rPr lang="en-US"/>
               <a:t>Fourth level</a:t>
             </a:r>
           </a:p>
           <a:p>
             <a:pPr lvl="4"/>
             <a:r>
-              <a:rPr lang="en-US" smtClean="0"/>
+              <a:rPr lang="en-US"/>
               <a:t>Fifth level</a:t>
             </a:r>
             <a:endParaRPr lang="en-US" dirty="0"/>
@@ -6404,7 +6405,7 @@
           <a:p>
             <a:fld id="{B35C6026-1E2D-41A2-8CE3-76544FD0B1C2}" type="datetimeFigureOut">
               <a:rPr lang="fr-FR" smtClean="0"/>
-              <a:t>09/02/2021</a:t>
+              <a:t>17/02/2021</a:t>
             </a:fld>
             <a:endParaRPr lang="fr-FR" dirty="0"/>
           </a:p>
@@ -6446,7 +6447,7 @@
           <a:p>
             <a:fld id="{75462682-1E11-49BB-B5A9-AF67021C5DDE}" type="slidenum">
               <a:rPr lang="fr-FR" smtClean="0"/>
-              <a:t>‹#›</a:t>
+              <a:t>‹N°›</a:t>
             </a:fld>
             <a:endParaRPr lang="fr-FR" dirty="0"/>
           </a:p>
@@ -7290,7 +7291,7 @@
           <a:lstStyle/>
           <a:p>
             <a:r>
-              <a:rPr lang="en-US" smtClean="0"/>
+              <a:rPr lang="en-US"/>
               <a:t>Click to edit Master title style</a:t>
             </a:r>
             <a:endParaRPr lang="en-US" dirty="0"/>
@@ -7319,35 +7320,35 @@
           <a:p>
             <a:pPr lvl="0"/>
             <a:r>
-              <a:rPr lang="en-US" smtClean="0"/>
+              <a:rPr lang="en-US"/>
               <a:t>Click to edit Master text styles</a:t>
             </a:r>
           </a:p>
           <a:p>
             <a:pPr lvl="1"/>
             <a:r>
-              <a:rPr lang="en-US" smtClean="0"/>
+              <a:rPr lang="en-US"/>
               <a:t>Second level</a:t>
             </a:r>
           </a:p>
           <a:p>
             <a:pPr lvl="2"/>
             <a:r>
-              <a:rPr lang="en-US" smtClean="0"/>
+              <a:rPr lang="en-US"/>
               <a:t>Third level</a:t>
             </a:r>
           </a:p>
           <a:p>
             <a:pPr lvl="3"/>
             <a:r>
-              <a:rPr lang="en-US" smtClean="0"/>
+              <a:rPr lang="en-US"/>
               <a:t>Fourth level</a:t>
             </a:r>
           </a:p>
           <a:p>
             <a:pPr lvl="4"/>
             <a:r>
-              <a:rPr lang="en-US" smtClean="0"/>
+              <a:rPr lang="en-US"/>
               <a:t>Fifth level</a:t>
             </a:r>
             <a:endParaRPr lang="en-US" dirty="0"/>
@@ -7376,7 +7377,7 @@
           <a:p>
             <a:fld id="{B35C6026-1E2D-41A2-8CE3-76544FD0B1C2}" type="datetimeFigureOut">
               <a:rPr lang="fr-FR" smtClean="0"/>
-              <a:t>09/02/2021</a:t>
+              <a:t>17/02/2021</a:t>
             </a:fld>
             <a:endParaRPr lang="fr-FR" dirty="0"/>
           </a:p>
@@ -7454,7 +7455,7 @@
           <a:p>
             <a:fld id="{75462682-1E11-49BB-B5A9-AF67021C5DDE}" type="slidenum">
               <a:rPr lang="fr-FR" smtClean="0"/>
-              <a:t>‹#›</a:t>
+              <a:t>‹N°›</a:t>
             </a:fld>
             <a:endParaRPr lang="fr-FR" dirty="0"/>
           </a:p>
@@ -7506,7 +7507,7 @@
           <a:lstStyle/>
           <a:p>
             <a:r>
-              <a:rPr lang="en-US" smtClean="0"/>
+              <a:rPr lang="en-US"/>
               <a:t>Click to edit Master title style</a:t>
             </a:r>
             <a:endParaRPr lang="en-US" dirty="0"/>
@@ -7535,35 +7536,35 @@
           <a:p>
             <a:pPr lvl="0"/>
             <a:r>
-              <a:rPr lang="en-US" smtClean="0"/>
+              <a:rPr lang="en-US"/>
               <a:t>Click to edit Master text styles</a:t>
             </a:r>
           </a:p>
           <a:p>
             <a:pPr lvl="1"/>
             <a:r>
-              <a:rPr lang="en-US" smtClean="0"/>
+              <a:rPr lang="en-US"/>
               <a:t>Second level</a:t>
             </a:r>
           </a:p>
           <a:p>
             <a:pPr lvl="2"/>
             <a:r>
-              <a:rPr lang="en-US" smtClean="0"/>
+              <a:rPr lang="en-US"/>
               <a:t>Third level</a:t>
             </a:r>
           </a:p>
           <a:p>
             <a:pPr lvl="3"/>
             <a:r>
-              <a:rPr lang="en-US" smtClean="0"/>
+              <a:rPr lang="en-US"/>
               <a:t>Fourth level</a:t>
             </a:r>
           </a:p>
           <a:p>
             <a:pPr lvl="4"/>
             <a:r>
-              <a:rPr lang="en-US" smtClean="0"/>
+              <a:rPr lang="en-US"/>
               <a:t>Fifth level</a:t>
             </a:r>
             <a:endParaRPr lang="en-US" dirty="0"/>
@@ -7587,7 +7588,7 @@
           <a:p>
             <a:fld id="{B35C6026-1E2D-41A2-8CE3-76544FD0B1C2}" type="datetimeFigureOut">
               <a:rPr lang="fr-FR" smtClean="0"/>
-              <a:t>09/02/2021</a:t>
+              <a:t>17/02/2021</a:t>
             </a:fld>
             <a:endParaRPr lang="fr-FR" dirty="0"/>
           </a:p>
@@ -7629,7 +7630,7 @@
           <a:p>
             <a:fld id="{75462682-1E11-49BB-B5A9-AF67021C5DDE}" type="slidenum">
               <a:rPr lang="fr-FR" smtClean="0"/>
-              <a:t>‹#›</a:t>
+              <a:t>‹N°›</a:t>
             </a:fld>
             <a:endParaRPr lang="fr-FR" dirty="0"/>
           </a:p>
@@ -8477,7 +8478,7 @@
           </a:lstStyle>
           <a:p>
             <a:r>
-              <a:rPr lang="en-US" smtClean="0"/>
+              <a:rPr lang="en-US"/>
               <a:t>Click to edit Master title style</a:t>
             </a:r>
             <a:endParaRPr lang="en-US" dirty="0"/>
@@ -8598,7 +8599,7 @@
           <a:p>
             <a:pPr lvl="0"/>
             <a:r>
-              <a:rPr lang="en-US" smtClean="0"/>
+              <a:rPr lang="en-US"/>
               <a:t>Click to edit Master text styles</a:t>
             </a:r>
           </a:p>
@@ -8621,7 +8622,7 @@
           <a:p>
             <a:fld id="{B35C6026-1E2D-41A2-8CE3-76544FD0B1C2}" type="datetimeFigureOut">
               <a:rPr lang="fr-FR" smtClean="0"/>
-              <a:t>09/02/2021</a:t>
+              <a:t>17/02/2021</a:t>
             </a:fld>
             <a:endParaRPr lang="fr-FR" dirty="0"/>
           </a:p>
@@ -8699,7 +8700,7 @@
           <a:p>
             <a:fld id="{75462682-1E11-49BB-B5A9-AF67021C5DDE}" type="slidenum">
               <a:rPr lang="fr-FR" smtClean="0"/>
-              <a:t>‹#›</a:t>
+              <a:t>‹N°›</a:t>
             </a:fld>
             <a:endParaRPr lang="fr-FR" dirty="0"/>
           </a:p>
@@ -8751,7 +8752,7 @@
           <a:lstStyle/>
           <a:p>
             <a:r>
-              <a:rPr lang="en-US" smtClean="0"/>
+              <a:rPr lang="en-US"/>
               <a:t>Click to edit Master title style</a:t>
             </a:r>
             <a:endParaRPr lang="en-US" dirty="0"/>
@@ -8782,35 +8783,35 @@
           <a:p>
             <a:pPr lvl="0"/>
             <a:r>
-              <a:rPr lang="en-US" smtClean="0"/>
+              <a:rPr lang="en-US"/>
               <a:t>Click to edit Master text styles</a:t>
             </a:r>
           </a:p>
           <a:p>
             <a:pPr lvl="1"/>
             <a:r>
-              <a:rPr lang="en-US" smtClean="0"/>
+              <a:rPr lang="en-US"/>
               <a:t>Second level</a:t>
             </a:r>
           </a:p>
           <a:p>
             <a:pPr lvl="2"/>
             <a:r>
-              <a:rPr lang="en-US" smtClean="0"/>
+              <a:rPr lang="en-US"/>
               <a:t>Third level</a:t>
             </a:r>
           </a:p>
           <a:p>
             <a:pPr lvl="3"/>
             <a:r>
-              <a:rPr lang="en-US" smtClean="0"/>
+              <a:rPr lang="en-US"/>
               <a:t>Fourth level</a:t>
             </a:r>
           </a:p>
           <a:p>
             <a:pPr lvl="4"/>
             <a:r>
-              <a:rPr lang="en-US" smtClean="0"/>
+              <a:rPr lang="en-US"/>
               <a:t>Fifth level</a:t>
             </a:r>
             <a:endParaRPr lang="en-US" dirty="0"/>
@@ -8841,35 +8842,35 @@
           <a:p>
             <a:pPr lvl="0"/>
             <a:r>
-              <a:rPr lang="en-US" smtClean="0"/>
+              <a:rPr lang="en-US"/>
               <a:t>Click to edit Master text styles</a:t>
             </a:r>
           </a:p>
           <a:p>
             <a:pPr lvl="1"/>
             <a:r>
-              <a:rPr lang="en-US" smtClean="0"/>
+              <a:rPr lang="en-US"/>
               <a:t>Second level</a:t>
             </a:r>
           </a:p>
           <a:p>
             <a:pPr lvl="2"/>
             <a:r>
-              <a:rPr lang="en-US" smtClean="0"/>
+              <a:rPr lang="en-US"/>
               <a:t>Third level</a:t>
             </a:r>
           </a:p>
           <a:p>
             <a:pPr lvl="3"/>
             <a:r>
-              <a:rPr lang="en-US" smtClean="0"/>
+              <a:rPr lang="en-US"/>
               <a:t>Fourth level</a:t>
             </a:r>
           </a:p>
           <a:p>
             <a:pPr lvl="4"/>
             <a:r>
-              <a:rPr lang="en-US" smtClean="0"/>
+              <a:rPr lang="en-US"/>
               <a:t>Fifth level</a:t>
             </a:r>
             <a:endParaRPr lang="en-US" dirty="0"/>
@@ -8893,7 +8894,7 @@
           <a:p>
             <a:fld id="{B35C6026-1E2D-41A2-8CE3-76544FD0B1C2}" type="datetimeFigureOut">
               <a:rPr lang="fr-FR" smtClean="0"/>
-              <a:t>09/02/2021</a:t>
+              <a:t>17/02/2021</a:t>
             </a:fld>
             <a:endParaRPr lang="fr-FR" dirty="0"/>
           </a:p>
@@ -8935,7 +8936,7 @@
           <a:p>
             <a:fld id="{75462682-1E11-49BB-B5A9-AF67021C5DDE}" type="slidenum">
               <a:rPr lang="fr-FR" smtClean="0"/>
-              <a:t>‹#›</a:t>
+              <a:t>‹N°›</a:t>
             </a:fld>
             <a:endParaRPr lang="fr-FR" dirty="0"/>
           </a:p>
@@ -8991,7 +8992,7 @@
           </a:lstStyle>
           <a:p>
             <a:r>
-              <a:rPr lang="en-US" smtClean="0"/>
+              <a:rPr lang="en-US"/>
               <a:t>Click to edit Master title style</a:t>
             </a:r>
             <a:endParaRPr lang="en-US" dirty="0"/>
@@ -9063,7 +9064,7 @@
           <a:p>
             <a:pPr lvl="0"/>
             <a:r>
-              <a:rPr lang="en-US" smtClean="0"/>
+              <a:rPr lang="en-US"/>
               <a:t>Click to edit Master text styles</a:t>
             </a:r>
           </a:p>
@@ -9093,35 +9094,35 @@
           <a:p>
             <a:pPr lvl="0"/>
             <a:r>
-              <a:rPr lang="en-US" smtClean="0"/>
+              <a:rPr lang="en-US"/>
               <a:t>Click to edit Master text styles</a:t>
             </a:r>
           </a:p>
           <a:p>
             <a:pPr lvl="1"/>
             <a:r>
-              <a:rPr lang="en-US" smtClean="0"/>
+              <a:rPr lang="en-US"/>
               <a:t>Second level</a:t>
             </a:r>
           </a:p>
           <a:p>
             <a:pPr lvl="2"/>
             <a:r>
-              <a:rPr lang="en-US" smtClean="0"/>
+              <a:rPr lang="en-US"/>
               <a:t>Third level</a:t>
             </a:r>
           </a:p>
           <a:p>
             <a:pPr lvl="3"/>
             <a:r>
-              <a:rPr lang="en-US" smtClean="0"/>
+              <a:rPr lang="en-US"/>
               <a:t>Fourth level</a:t>
             </a:r>
           </a:p>
           <a:p>
             <a:pPr lvl="4"/>
             <a:r>
-              <a:rPr lang="en-US" smtClean="0"/>
+              <a:rPr lang="en-US"/>
               <a:t>Fifth level</a:t>
             </a:r>
             <a:endParaRPr lang="en-US" dirty="0"/>
@@ -9193,7 +9194,7 @@
           <a:p>
             <a:pPr lvl="0"/>
             <a:r>
-              <a:rPr lang="en-US" smtClean="0"/>
+              <a:rPr lang="en-US"/>
               <a:t>Click to edit Master text styles</a:t>
             </a:r>
           </a:p>
@@ -9251,35 +9252,35 @@
           <a:p>
             <a:pPr lvl="0"/>
             <a:r>
-              <a:rPr lang="en-US" smtClean="0"/>
+              <a:rPr lang="en-US"/>
               <a:t>Click to edit Master text styles</a:t>
             </a:r>
           </a:p>
           <a:p>
             <a:pPr lvl="1"/>
             <a:r>
-              <a:rPr lang="en-US" smtClean="0"/>
+              <a:rPr lang="en-US"/>
               <a:t>Second level</a:t>
             </a:r>
           </a:p>
           <a:p>
             <a:pPr lvl="2"/>
             <a:r>
-              <a:rPr lang="en-US" smtClean="0"/>
+              <a:rPr lang="en-US"/>
               <a:t>Third level</a:t>
             </a:r>
           </a:p>
           <a:p>
             <a:pPr lvl="3"/>
             <a:r>
-              <a:rPr lang="en-US" smtClean="0"/>
+              <a:rPr lang="en-US"/>
               <a:t>Fourth level</a:t>
             </a:r>
           </a:p>
           <a:p>
             <a:pPr lvl="4"/>
             <a:r>
-              <a:rPr lang="en-US" smtClean="0"/>
+              <a:rPr lang="en-US"/>
               <a:t>Fifth level</a:t>
             </a:r>
             <a:endParaRPr lang="en-US" dirty="0"/>
@@ -9303,7 +9304,7 @@
           <a:p>
             <a:fld id="{B35C6026-1E2D-41A2-8CE3-76544FD0B1C2}" type="datetimeFigureOut">
               <a:rPr lang="fr-FR" smtClean="0"/>
-              <a:t>09/02/2021</a:t>
+              <a:t>17/02/2021</a:t>
             </a:fld>
             <a:endParaRPr lang="fr-FR" dirty="0"/>
           </a:p>
@@ -9345,7 +9346,7 @@
           <a:p>
             <a:fld id="{75462682-1E11-49BB-B5A9-AF67021C5DDE}" type="slidenum">
               <a:rPr lang="fr-FR" smtClean="0"/>
-              <a:t>‹#›</a:t>
+              <a:t>‹N°›</a:t>
             </a:fld>
             <a:endParaRPr lang="fr-FR" dirty="0"/>
           </a:p>
@@ -9406,7 +9407,7 @@
           </a:lstStyle>
           <a:p>
             <a:r>
-              <a:rPr lang="en-US" smtClean="0"/>
+              <a:rPr lang="en-US"/>
               <a:t>Click to edit Master title style</a:t>
             </a:r>
             <a:endParaRPr lang="en-US" dirty="0"/>
@@ -9430,7 +9431,7 @@
           <a:p>
             <a:fld id="{B35C6026-1E2D-41A2-8CE3-76544FD0B1C2}" type="datetimeFigureOut">
               <a:rPr lang="fr-FR" smtClean="0"/>
-              <a:t>09/02/2021</a:t>
+              <a:t>17/02/2021</a:t>
             </a:fld>
             <a:endParaRPr lang="fr-FR" dirty="0"/>
           </a:p>
@@ -9472,7 +9473,7 @@
           <a:p>
             <a:fld id="{75462682-1E11-49BB-B5A9-AF67021C5DDE}" type="slidenum">
               <a:rPr lang="fr-FR" smtClean="0"/>
-              <a:t>‹#›</a:t>
+              <a:t>‹N°›</a:t>
             </a:fld>
             <a:endParaRPr lang="fr-FR" dirty="0"/>
           </a:p>
@@ -9525,7 +9526,7 @@
           <a:p>
             <a:fld id="{B35C6026-1E2D-41A2-8CE3-76544FD0B1C2}" type="datetimeFigureOut">
               <a:rPr lang="fr-FR" smtClean="0"/>
-              <a:t>09/02/2021</a:t>
+              <a:t>17/02/2021</a:t>
             </a:fld>
             <a:endParaRPr lang="fr-FR" dirty="0"/>
           </a:p>
@@ -9603,7 +9604,7 @@
           <a:p>
             <a:fld id="{75462682-1E11-49BB-B5A9-AF67021C5DDE}" type="slidenum">
               <a:rPr lang="fr-FR" smtClean="0"/>
-              <a:t>‹#›</a:t>
+              <a:t>‹N°›</a:t>
             </a:fld>
             <a:endParaRPr lang="fr-FR" dirty="0"/>
           </a:p>
@@ -10451,7 +10452,7 @@
           </a:lstStyle>
           <a:p>
             <a:r>
-              <a:rPr lang="en-US" smtClean="0"/>
+              <a:rPr lang="en-US"/>
               <a:t>Click to edit Master title style</a:t>
             </a:r>
             <a:endParaRPr lang="en-US" dirty="0"/>
@@ -10482,35 +10483,35 @@
           <a:p>
             <a:pPr lvl="0"/>
             <a:r>
-              <a:rPr lang="en-US" smtClean="0"/>
+              <a:rPr lang="en-US"/>
               <a:t>Click to edit Master text styles</a:t>
             </a:r>
           </a:p>
           <a:p>
             <a:pPr lvl="1"/>
             <a:r>
-              <a:rPr lang="en-US" smtClean="0"/>
+              <a:rPr lang="en-US"/>
               <a:t>Second level</a:t>
             </a:r>
           </a:p>
           <a:p>
             <a:pPr lvl="2"/>
             <a:r>
-              <a:rPr lang="en-US" smtClean="0"/>
+              <a:rPr lang="en-US"/>
               <a:t>Third level</a:t>
             </a:r>
           </a:p>
           <a:p>
             <a:pPr lvl="3"/>
             <a:r>
-              <a:rPr lang="en-US" smtClean="0"/>
+              <a:rPr lang="en-US"/>
               <a:t>Fourth level</a:t>
             </a:r>
           </a:p>
           <a:p>
             <a:pPr lvl="4"/>
             <a:r>
-              <a:rPr lang="en-US" smtClean="0"/>
+              <a:rPr lang="en-US"/>
               <a:t>Fifth level</a:t>
             </a:r>
             <a:endParaRPr lang="en-US" dirty="0"/>
@@ -10583,7 +10584,7 @@
           <a:p>
             <a:pPr lvl="0"/>
             <a:r>
-              <a:rPr lang="en-US" smtClean="0"/>
+              <a:rPr lang="en-US"/>
               <a:t>Click to edit Master text styles</a:t>
             </a:r>
           </a:p>
@@ -10606,7 +10607,7 @@
           <a:p>
             <a:fld id="{B35C6026-1E2D-41A2-8CE3-76544FD0B1C2}" type="datetimeFigureOut">
               <a:rPr lang="fr-FR" smtClean="0"/>
-              <a:t>09/02/2021</a:t>
+              <a:t>17/02/2021</a:t>
             </a:fld>
             <a:endParaRPr lang="fr-FR" dirty="0"/>
           </a:p>
@@ -10684,7 +10685,7 @@
           <a:p>
             <a:fld id="{75462682-1E11-49BB-B5A9-AF67021C5DDE}" type="slidenum">
               <a:rPr lang="fr-FR" smtClean="0"/>
-              <a:t>‹#›</a:t>
+              <a:t>‹N°›</a:t>
             </a:fld>
             <a:endParaRPr lang="fr-FR" dirty="0"/>
           </a:p>
@@ -11534,7 +11535,7 @@
           </a:lstStyle>
           <a:p>
             <a:r>
-              <a:rPr lang="en-US" smtClean="0"/>
+              <a:rPr lang="en-US"/>
               <a:t>Click to edit Master title style</a:t>
             </a:r>
             <a:endParaRPr lang="en-US" dirty="0"/>
@@ -11616,10 +11617,9 @@
               <a:buNone/>
             </a:pPr>
             <a:r>
-              <a:rPr lang="en-US" dirty="0" smtClean="0"/>
+              <a:rPr lang="en-US" dirty="0"/>
               <a:t>Click icon to add picture</a:t>
             </a:r>
-            <a:endParaRPr lang="en-US" dirty="0"/>
           </a:p>
         </p:txBody>
       </p:sp>
@@ -11691,7 +11691,7 @@
           <a:p>
             <a:pPr lvl="0"/>
             <a:r>
-              <a:rPr lang="en-US" smtClean="0"/>
+              <a:rPr lang="en-US"/>
               <a:t>Click to edit Master text styles</a:t>
             </a:r>
           </a:p>
@@ -11714,7 +11714,7 @@
           <a:p>
             <a:fld id="{B35C6026-1E2D-41A2-8CE3-76544FD0B1C2}" type="datetimeFigureOut">
               <a:rPr lang="fr-FR" smtClean="0"/>
-              <a:t>09/02/2021</a:t>
+              <a:t>17/02/2021</a:t>
             </a:fld>
             <a:endParaRPr lang="fr-FR" dirty="0"/>
           </a:p>
@@ -11792,7 +11792,7 @@
           <a:p>
             <a:fld id="{75462682-1E11-49BB-B5A9-AF67021C5DDE}" type="slidenum">
               <a:rPr lang="fr-FR" smtClean="0"/>
-              <a:t>‹#›</a:t>
+              <a:t>‹N°›</a:t>
             </a:fld>
             <a:endParaRPr lang="fr-FR" dirty="0"/>
           </a:p>
@@ -12609,7 +12609,7 @@
           <a:lstStyle/>
           <a:p>
             <a:r>
-              <a:rPr lang="en-US" smtClean="0"/>
+              <a:rPr lang="en-US"/>
               <a:t>Click to edit Master title style</a:t>
             </a:r>
             <a:endParaRPr lang="en-US" dirty="0"/>
@@ -12643,35 +12643,35 @@
           <a:p>
             <a:pPr lvl="0"/>
             <a:r>
-              <a:rPr lang="en-US" smtClean="0"/>
+              <a:rPr lang="en-US"/>
               <a:t>Click to edit Master text styles</a:t>
             </a:r>
           </a:p>
           <a:p>
             <a:pPr lvl="1"/>
             <a:r>
-              <a:rPr lang="en-US" smtClean="0"/>
+              <a:rPr lang="en-US"/>
               <a:t>Second level</a:t>
             </a:r>
           </a:p>
           <a:p>
             <a:pPr lvl="2"/>
             <a:r>
-              <a:rPr lang="en-US" smtClean="0"/>
+              <a:rPr lang="en-US"/>
               <a:t>Third level</a:t>
             </a:r>
           </a:p>
           <a:p>
             <a:pPr lvl="3"/>
             <a:r>
-              <a:rPr lang="en-US" smtClean="0"/>
+              <a:rPr lang="en-US"/>
               <a:t>Fourth level</a:t>
             </a:r>
           </a:p>
           <a:p>
             <a:pPr lvl="4"/>
             <a:r>
-              <a:rPr lang="en-US" smtClean="0"/>
+              <a:rPr lang="en-US"/>
               <a:t>Fifth level</a:t>
             </a:r>
             <a:endParaRPr lang="en-US" dirty="0"/>
@@ -12711,7 +12711,7 @@
           <a:p>
             <a:fld id="{B35C6026-1E2D-41A2-8CE3-76544FD0B1C2}" type="datetimeFigureOut">
               <a:rPr lang="fr-FR" smtClean="0"/>
-              <a:t>09/02/2021</a:t>
+              <a:t>17/02/2021</a:t>
             </a:fld>
             <a:endParaRPr lang="fr-FR" dirty="0"/>
           </a:p>
@@ -12821,7 +12821,7 @@
           <a:p>
             <a:fld id="{75462682-1E11-49BB-B5A9-AF67021C5DDE}" type="slidenum">
               <a:rPr lang="fr-FR" smtClean="0"/>
-              <a:t>‹#›</a:t>
+              <a:t>‹N°›</a:t>
             </a:fld>
             <a:endParaRPr lang="fr-FR" dirty="0"/>
           </a:p>
@@ -13312,10 +13312,9 @@
           <a:lstStyle/>
           <a:p>
             <a:r>
-              <a:rPr lang="fr-FR" dirty="0" smtClean="0"/>
+              <a:rPr lang="fr-FR" dirty="0"/>
               <a:t>Ingénieur IA – projet 3</a:t>
             </a:r>
-            <a:endParaRPr lang="fr-FR" dirty="0"/>
           </a:p>
         </p:txBody>
       </p:sp>
@@ -13329,13 +13328,6 @@
   <p:clrMapOvr>
     <a:masterClrMapping/>
   </p:clrMapOvr>
-  <p:timing>
-    <p:tnLst>
-      <p:par>
-        <p:cTn id="1" dur="indefinite" restart="never" nodeType="tmRoot"/>
-      </p:par>
-    </p:tnLst>
-  </p:timing>
 </p:sld>
 </file>
 
@@ -13366,27 +13358,57 @@
             <p:ph type="title"/>
           </p:nvPr>
         </p:nvSpPr>
+        <p:spPr/>
+        <p:txBody>
+          <a:bodyPr/>
+          <a:lstStyle/>
+          <a:p>
+            <a:r>
+              <a:rPr lang="fr-FR" dirty="0"/>
+              <a:t>Analyse en Composantes Principales</a:t>
+            </a:r>
+          </a:p>
+        </p:txBody>
+      </p:sp>
+      <p:sp>
+        <p:nvSpPr>
+          <p:cNvPr id="3" name="Content Placeholder 2"/>
+          <p:cNvSpPr>
+            <a:spLocks noGrp="1"/>
+          </p:cNvSpPr>
+          <p:nvPr>
+            <p:ph idx="1"/>
+          </p:nvPr>
+        </p:nvSpPr>
         <p:spPr>
           <a:xfrm>
-            <a:off x="2219479" y="925901"/>
-            <a:ext cx="8761413" cy="706964"/>
+            <a:off x="657649" y="6001792"/>
+            <a:ext cx="5191254" cy="856208"/>
           </a:xfrm>
         </p:spPr>
         <p:txBody>
           <a:bodyPr/>
           <a:lstStyle/>
           <a:p>
+            <a:pPr marL="0" indent="0">
+              <a:buNone/>
+            </a:pPr>
             <a:r>
-              <a:rPr lang="fr-FR" dirty="0" smtClean="0"/>
-              <a:t>ANOVA</a:t>
+              <a:rPr lang="fr-FR" dirty="0"/>
+              <a:t>III) ACP sur un nombre réduit de variables</a:t>
             </a:r>
+          </a:p>
+          <a:p>
+            <a:pPr marL="0" indent="0">
+              <a:buNone/>
+            </a:pPr>
             <a:endParaRPr lang="fr-FR" dirty="0"/>
           </a:p>
         </p:txBody>
       </p:sp>
       <p:pic>
         <p:nvPicPr>
-          <p:cNvPr id="6" name="Picture 5"/>
+          <p:cNvPr id="5" name="Picture 4"/>
           <p:cNvPicPr>
             <a:picLocks noChangeAspect="1"/>
           </p:cNvPicPr>
@@ -13400,8 +13422,8 @@
         </p:blipFill>
         <p:spPr>
           <a:xfrm>
-            <a:off x="527125" y="2271623"/>
-            <a:ext cx="3467100" cy="4038600"/>
+            <a:off x="5848903" y="1996366"/>
+            <a:ext cx="5417324" cy="4353801"/>
           </a:xfrm>
           <a:prstGeom prst="rect">
             <a:avLst/>
@@ -13410,7 +13432,7 @@
       </p:pic>
       <p:pic>
         <p:nvPicPr>
-          <p:cNvPr id="8" name="Picture 7"/>
+          <p:cNvPr id="6" name="Picture 5"/>
           <p:cNvPicPr>
             <a:picLocks noChangeAspect="1"/>
           </p:cNvPicPr>
@@ -13424,8 +13446,129 @@
         </p:blipFill>
         <p:spPr>
           <a:xfrm>
-            <a:off x="4115482" y="2252573"/>
-            <a:ext cx="3409950" cy="4057650"/>
+            <a:off x="358615" y="2276491"/>
+            <a:ext cx="5399058" cy="3607841"/>
+          </a:xfrm>
+          <a:prstGeom prst="rect">
+            <a:avLst/>
+          </a:prstGeom>
+        </p:spPr>
+      </p:pic>
+    </p:spTree>
+    <p:extLst>
+      <p:ext uri="{BB962C8B-B14F-4D97-AF65-F5344CB8AC3E}">
+        <p14:creationId xmlns:p14="http://schemas.microsoft.com/office/powerpoint/2010/main" val="1258370652"/>
+      </p:ext>
+    </p:extLst>
+  </p:cSld>
+  <p:clrMapOvr>
+    <a:masterClrMapping/>
+  </p:clrMapOvr>
+</p:sld>
+</file>
+
+<file path=ppt/slides/slide11.xml><?xml version="1.0" encoding="utf-8"?>
+<p:sld xmlns:a="http://schemas.openxmlformats.org/drawingml/2006/main" xmlns:r="http://schemas.openxmlformats.org/officeDocument/2006/relationships" xmlns:p="http://schemas.openxmlformats.org/presentationml/2006/main">
+  <p:cSld>
+    <p:spTree>
+      <p:nvGrpSpPr>
+        <p:cNvPr id="1" name=""/>
+        <p:cNvGrpSpPr/>
+        <p:nvPr/>
+      </p:nvGrpSpPr>
+      <p:grpSpPr>
+        <a:xfrm>
+          <a:off x="0" y="0"/>
+          <a:ext cx="0" cy="0"/>
+          <a:chOff x="0" y="0"/>
+          <a:chExt cx="0" cy="0"/>
+        </a:xfrm>
+      </p:grpSpPr>
+      <p:sp>
+        <p:nvSpPr>
+          <p:cNvPr id="2" name="Title 1"/>
+          <p:cNvSpPr>
+            <a:spLocks noGrp="1"/>
+          </p:cNvSpPr>
+          <p:nvPr>
+            <p:ph type="title"/>
+          </p:nvPr>
+        </p:nvSpPr>
+        <p:spPr>
+          <a:xfrm>
+            <a:off x="1039544" y="790385"/>
+            <a:ext cx="8761413" cy="706964"/>
+          </a:xfrm>
+        </p:spPr>
+        <p:txBody>
+          <a:bodyPr/>
+          <a:lstStyle/>
+          <a:p>
+            <a:r>
+              <a:rPr lang="fr-FR" dirty="0"/>
+              <a:t>Analyse en Composantes Principales</a:t>
+            </a:r>
+          </a:p>
+        </p:txBody>
+      </p:sp>
+      <p:sp>
+        <p:nvSpPr>
+          <p:cNvPr id="3" name="Content Placeholder 2"/>
+          <p:cNvSpPr>
+            <a:spLocks noGrp="1"/>
+          </p:cNvSpPr>
+          <p:nvPr>
+            <p:ph idx="1"/>
+          </p:nvPr>
+        </p:nvSpPr>
+        <p:spPr>
+          <a:xfrm>
+            <a:off x="1856134" y="1422702"/>
+            <a:ext cx="5191254" cy="856208"/>
+          </a:xfrm>
+        </p:spPr>
+        <p:txBody>
+          <a:bodyPr/>
+          <a:lstStyle/>
+          <a:p>
+            <a:pPr marL="0" indent="0">
+              <a:buNone/>
+            </a:pPr>
+            <a:r>
+              <a:rPr lang="fr-FR" dirty="0">
+                <a:solidFill>
+                  <a:schemeClr val="bg1"/>
+                </a:solidFill>
+              </a:rPr>
+              <a:t>IV) ACP minimaliste</a:t>
+            </a:r>
+          </a:p>
+        </p:txBody>
+      </p:sp>
+      <p:pic>
+        <p:nvPicPr>
+          <p:cNvPr id="7" name="Image 6">
+            <a:extLst>
+              <a:ext uri="{FF2B5EF4-FFF2-40B4-BE49-F238E27FC236}">
+                <a16:creationId xmlns:a16="http://schemas.microsoft.com/office/drawing/2014/main" id="{D7E5DD54-2AFC-43EE-9758-DD32951CB849}"/>
+              </a:ext>
+            </a:extLst>
+          </p:cNvPr>
+          <p:cNvPicPr>
+            <a:picLocks noChangeAspect="1"/>
+          </p:cNvPicPr>
+          <p:nvPr/>
+        </p:nvPicPr>
+        <p:blipFill>
+          <a:blip r:embed="rId2"/>
+          <a:stretch>
+            <a:fillRect/>
+          </a:stretch>
+        </p:blipFill>
+        <p:spPr>
+          <a:xfrm>
+            <a:off x="549467" y="1850806"/>
+            <a:ext cx="5093712" cy="4033526"/>
           </a:xfrm>
           <a:prstGeom prst="rect">
             <a:avLst/>
@@ -13434,7 +13577,368 @@
       </p:pic>
       <p:pic>
         <p:nvPicPr>
-          <p:cNvPr id="9" name="Picture 8"/>
+          <p:cNvPr id="9" name="Image 8">
+            <a:extLst>
+              <a:ext uri="{FF2B5EF4-FFF2-40B4-BE49-F238E27FC236}">
+                <a16:creationId xmlns:a16="http://schemas.microsoft.com/office/drawing/2014/main" id="{1778D1E4-C23D-4A9D-88A9-8CF7C8AA9FA4}"/>
+              </a:ext>
+            </a:extLst>
+          </p:cNvPr>
+          <p:cNvPicPr>
+            <a:picLocks noChangeAspect="1"/>
+          </p:cNvPicPr>
+          <p:nvPr/>
+        </p:nvPicPr>
+        <p:blipFill>
+          <a:blip r:embed="rId3"/>
+          <a:stretch>
+            <a:fillRect/>
+          </a:stretch>
+        </p:blipFill>
+        <p:spPr>
+          <a:xfrm>
+            <a:off x="5846712" y="2046115"/>
+            <a:ext cx="6026640" cy="4124353"/>
+          </a:xfrm>
+          <a:prstGeom prst="rect">
+            <a:avLst/>
+          </a:prstGeom>
+        </p:spPr>
+      </p:pic>
+    </p:spTree>
+    <p:extLst>
+      <p:ext uri="{BB962C8B-B14F-4D97-AF65-F5344CB8AC3E}">
+        <p14:creationId xmlns:p14="http://schemas.microsoft.com/office/powerpoint/2010/main" val="1104583659"/>
+      </p:ext>
+    </p:extLst>
+  </p:cSld>
+  <p:clrMapOvr>
+    <a:masterClrMapping/>
+  </p:clrMapOvr>
+</p:sld>
+</file>
+
+<file path=ppt/slides/slide12.xml><?xml version="1.0" encoding="utf-8"?>
+<p:sld xmlns:a="http://schemas.openxmlformats.org/drawingml/2006/main" xmlns:r="http://schemas.openxmlformats.org/officeDocument/2006/relationships" xmlns:p="http://schemas.openxmlformats.org/presentationml/2006/main">
+  <p:cSld>
+    <p:spTree>
+      <p:nvGrpSpPr>
+        <p:cNvPr id="1" name=""/>
+        <p:cNvGrpSpPr/>
+        <p:nvPr/>
+      </p:nvGrpSpPr>
+      <p:grpSpPr>
+        <a:xfrm>
+          <a:off x="0" y="0"/>
+          <a:ext cx="0" cy="0"/>
+          <a:chOff x="0" y="0"/>
+          <a:chExt cx="0" cy="0"/>
+        </a:xfrm>
+      </p:grpSpPr>
+      <p:sp>
+        <p:nvSpPr>
+          <p:cNvPr id="2" name="Titre 1">
+            <a:extLst>
+              <a:ext uri="{FF2B5EF4-FFF2-40B4-BE49-F238E27FC236}">
+                <a16:creationId xmlns:a16="http://schemas.microsoft.com/office/drawing/2014/main" id="{F1197A46-27F7-471F-906D-6F79D392948B}"/>
+              </a:ext>
+            </a:extLst>
+          </p:cNvPr>
+          <p:cNvSpPr>
+            <a:spLocks noGrp="1"/>
+          </p:cNvSpPr>
+          <p:nvPr>
+            <p:ph type="title"/>
+          </p:nvPr>
+        </p:nvSpPr>
+        <p:spPr/>
+        <p:txBody>
+          <a:bodyPr/>
+          <a:lstStyle/>
+          <a:p>
+            <a:r>
+              <a:rPr lang="fr-FR" dirty="0"/>
+              <a:t>ANOVA : Méthodologie</a:t>
+            </a:r>
+          </a:p>
+        </p:txBody>
+      </p:sp>
+      <p:pic>
+        <p:nvPicPr>
+          <p:cNvPr id="7" name="Image 6">
+            <a:extLst>
+              <a:ext uri="{FF2B5EF4-FFF2-40B4-BE49-F238E27FC236}">
+                <a16:creationId xmlns:a16="http://schemas.microsoft.com/office/drawing/2014/main" id="{48987028-FB22-4689-802A-3019ED1F8764}"/>
+              </a:ext>
+            </a:extLst>
+          </p:cNvPr>
+          <p:cNvPicPr>
+            <a:picLocks noChangeAspect="1"/>
+          </p:cNvPicPr>
+          <p:nvPr/>
+        </p:nvPicPr>
+        <p:blipFill>
+          <a:blip r:embed="rId2"/>
+          <a:stretch>
+            <a:fillRect/>
+          </a:stretch>
+        </p:blipFill>
+        <p:spPr>
+          <a:xfrm>
+            <a:off x="1300994" y="1897185"/>
+            <a:ext cx="9305925" cy="4714875"/>
+          </a:xfrm>
+          <a:prstGeom prst="rect">
+            <a:avLst/>
+          </a:prstGeom>
+        </p:spPr>
+      </p:pic>
+    </p:spTree>
+    <p:extLst>
+      <p:ext uri="{BB962C8B-B14F-4D97-AF65-F5344CB8AC3E}">
+        <p14:creationId xmlns:p14="http://schemas.microsoft.com/office/powerpoint/2010/main" val="2973557762"/>
+      </p:ext>
+    </p:extLst>
+  </p:cSld>
+  <p:clrMapOvr>
+    <a:masterClrMapping/>
+  </p:clrMapOvr>
+</p:sld>
+</file>
+
+<file path=ppt/slides/slide13.xml><?xml version="1.0" encoding="utf-8"?>
+<p:sld xmlns:a="http://schemas.openxmlformats.org/drawingml/2006/main" xmlns:r="http://schemas.openxmlformats.org/officeDocument/2006/relationships" xmlns:p="http://schemas.openxmlformats.org/presentationml/2006/main">
+  <p:cSld>
+    <p:spTree>
+      <p:nvGrpSpPr>
+        <p:cNvPr id="1" name=""/>
+        <p:cNvGrpSpPr/>
+        <p:nvPr/>
+      </p:nvGrpSpPr>
+      <p:grpSpPr>
+        <a:xfrm>
+          <a:off x="0" y="0"/>
+          <a:ext cx="0" cy="0"/>
+          <a:chOff x="0" y="0"/>
+          <a:chExt cx="0" cy="0"/>
+        </a:xfrm>
+      </p:grpSpPr>
+      <p:sp>
+        <p:nvSpPr>
+          <p:cNvPr id="2" name="Title 1"/>
+          <p:cNvSpPr>
+            <a:spLocks noGrp="1"/>
+          </p:cNvSpPr>
+          <p:nvPr>
+            <p:ph type="title"/>
+          </p:nvPr>
+        </p:nvSpPr>
+        <p:spPr>
+          <a:xfrm>
+            <a:off x="6596585" y="970290"/>
+            <a:ext cx="5595415" cy="706964"/>
+          </a:xfrm>
+        </p:spPr>
+        <p:txBody>
+          <a:bodyPr/>
+          <a:lstStyle/>
+          <a:p>
+            <a:r>
+              <a:rPr lang="fr-FR" dirty="0"/>
+              <a:t>ANOVA </a:t>
+            </a:r>
+            <a:br>
+              <a:rPr lang="fr-FR" dirty="0"/>
+            </a:br>
+            <a:r>
+              <a:rPr lang="fr-FR" dirty="0"/>
+              <a:t>Energie et </a:t>
+            </a:r>
+            <a:r>
+              <a:rPr lang="fr-FR" dirty="0" err="1"/>
+              <a:t>Nutrigrade</a:t>
+            </a:r>
+            <a:endParaRPr lang="fr-FR" dirty="0"/>
+          </a:p>
+        </p:txBody>
+      </p:sp>
+      <p:pic>
+        <p:nvPicPr>
+          <p:cNvPr id="4" name="Image 3">
+            <a:extLst>
+              <a:ext uri="{FF2B5EF4-FFF2-40B4-BE49-F238E27FC236}">
+                <a16:creationId xmlns:a16="http://schemas.microsoft.com/office/drawing/2014/main" id="{C8B1D83E-99BB-498E-9968-D31969D9721B}"/>
+              </a:ext>
+            </a:extLst>
+          </p:cNvPr>
+          <p:cNvPicPr>
+            <a:picLocks noChangeAspect="1"/>
+          </p:cNvPicPr>
+          <p:nvPr/>
+        </p:nvPicPr>
+        <p:blipFill>
+          <a:blip r:embed="rId2"/>
+          <a:stretch>
+            <a:fillRect/>
+          </a:stretch>
+        </p:blipFill>
+        <p:spPr>
+          <a:xfrm>
+            <a:off x="459372" y="461962"/>
+            <a:ext cx="5857875" cy="5934075"/>
+          </a:xfrm>
+          <a:prstGeom prst="rect">
+            <a:avLst/>
+          </a:prstGeom>
+        </p:spPr>
+      </p:pic>
+      <p:sp>
+        <p:nvSpPr>
+          <p:cNvPr id="10" name="ZoneTexte 9">
+            <a:extLst>
+              <a:ext uri="{FF2B5EF4-FFF2-40B4-BE49-F238E27FC236}">
+                <a16:creationId xmlns:a16="http://schemas.microsoft.com/office/drawing/2014/main" id="{DC29BE35-AF9C-45A5-8996-541B22BDED07}"/>
+              </a:ext>
+            </a:extLst>
+          </p:cNvPr>
+          <p:cNvSpPr txBox="1"/>
+          <p:nvPr/>
+        </p:nvSpPr>
+        <p:spPr>
+          <a:xfrm>
+            <a:off x="6317247" y="3101394"/>
+            <a:ext cx="4909351" cy="1384995"/>
+          </a:xfrm>
+          <a:prstGeom prst="rect">
+            <a:avLst/>
+          </a:prstGeom>
+          <a:noFill/>
+        </p:spPr>
+        <p:txBody>
+          <a:bodyPr wrap="square" rtlCol="0">
+            <a:spAutoFit/>
+          </a:bodyPr>
+          <a:lstStyle/>
+          <a:p>
+            <a:pPr algn="l"/>
+            <a:r>
+              <a:rPr lang="fr-FR" sz="1400" b="0" i="0" dirty="0">
+                <a:solidFill>
+                  <a:srgbClr val="000000"/>
+                </a:solidFill>
+                <a:effectLst/>
+                <a:latin typeface="Helvetica Neue"/>
+              </a:rPr>
+              <a:t>Hypothèse nulle h0: Il n'y a pas de variation du taux moyen énergétique pour les différents </a:t>
+            </a:r>
+            <a:r>
+              <a:rPr lang="fr-FR" sz="1400" b="0" i="0" dirty="0" err="1">
+                <a:solidFill>
+                  <a:srgbClr val="000000"/>
+                </a:solidFill>
+                <a:effectLst/>
+                <a:latin typeface="Helvetica Neue"/>
+              </a:rPr>
+              <a:t>nutrigrades</a:t>
+            </a:r>
+            <a:r>
+              <a:rPr lang="fr-FR" sz="1400" b="0" i="0" dirty="0">
+                <a:solidFill>
+                  <a:srgbClr val="000000"/>
+                </a:solidFill>
+                <a:effectLst/>
+                <a:latin typeface="Helvetica Neue"/>
+              </a:rPr>
+              <a:t>.</a:t>
+            </a:r>
+          </a:p>
+          <a:p>
+            <a:pPr algn="l"/>
+            <a:endParaRPr lang="fr-FR" sz="1400" b="0" i="0" dirty="0">
+              <a:solidFill>
+                <a:srgbClr val="000000"/>
+              </a:solidFill>
+              <a:effectLst/>
+              <a:latin typeface="Helvetica Neue"/>
+            </a:endParaRPr>
+          </a:p>
+          <a:p>
+            <a:pPr algn="l"/>
+            <a:r>
+              <a:rPr lang="fr-FR" sz="1400" b="0" i="0" dirty="0">
+                <a:solidFill>
+                  <a:srgbClr val="000000"/>
+                </a:solidFill>
+                <a:effectLst/>
+                <a:latin typeface="Helvetica Neue"/>
+              </a:rPr>
+              <a:t>Hypothèse alternative: Il y a une variation du taux moyen énergétique pour les différents </a:t>
+            </a:r>
+            <a:r>
+              <a:rPr lang="fr-FR" sz="1400" b="0" i="0" dirty="0" err="1">
+                <a:solidFill>
+                  <a:srgbClr val="000000"/>
+                </a:solidFill>
+                <a:effectLst/>
+                <a:latin typeface="Helvetica Neue"/>
+              </a:rPr>
+              <a:t>nutrigrades</a:t>
+            </a:r>
+            <a:r>
+              <a:rPr lang="fr-FR" sz="1400" b="0" i="0" dirty="0">
+                <a:solidFill>
+                  <a:srgbClr val="000000"/>
+                </a:solidFill>
+                <a:effectLst/>
+                <a:latin typeface="Helvetica Neue"/>
+              </a:rPr>
+              <a:t>.</a:t>
+            </a:r>
+          </a:p>
+          <a:p>
+            <a:endParaRPr lang="fr-FR" sz="1400" dirty="0"/>
+          </a:p>
+        </p:txBody>
+      </p:sp>
+      <p:pic>
+        <p:nvPicPr>
+          <p:cNvPr id="12" name="Image 11">
+            <a:extLst>
+              <a:ext uri="{FF2B5EF4-FFF2-40B4-BE49-F238E27FC236}">
+                <a16:creationId xmlns:a16="http://schemas.microsoft.com/office/drawing/2014/main" id="{2A599E2A-3642-44B2-936F-3B3448BE3A36}"/>
+              </a:ext>
+            </a:extLst>
+          </p:cNvPr>
+          <p:cNvPicPr>
+            <a:picLocks noChangeAspect="1"/>
+          </p:cNvPicPr>
+          <p:nvPr/>
+        </p:nvPicPr>
+        <p:blipFill>
+          <a:blip r:embed="rId3"/>
+          <a:stretch>
+            <a:fillRect/>
+          </a:stretch>
+        </p:blipFill>
+        <p:spPr>
+          <a:xfrm>
+            <a:off x="6356597" y="2280103"/>
+            <a:ext cx="5362575" cy="714375"/>
+          </a:xfrm>
+          <a:prstGeom prst="rect">
+            <a:avLst/>
+          </a:prstGeom>
+        </p:spPr>
+      </p:pic>
+      <p:pic>
+        <p:nvPicPr>
+          <p:cNvPr id="14" name="Image 13">
+            <a:extLst>
+              <a:ext uri="{FF2B5EF4-FFF2-40B4-BE49-F238E27FC236}">
+                <a16:creationId xmlns:a16="http://schemas.microsoft.com/office/drawing/2014/main" id="{F22005E9-A103-4301-BE0F-5E279B5E2A7B}"/>
+              </a:ext>
+            </a:extLst>
+          </p:cNvPr>
           <p:cNvPicPr>
             <a:picLocks noChangeAspect="1"/>
           </p:cNvPicPr>
@@ -13448,8 +13952,355 @@
         </p:blipFill>
         <p:spPr>
           <a:xfrm>
-            <a:off x="7944926" y="2354214"/>
-            <a:ext cx="3381375" cy="4038600"/>
+            <a:off x="7376510" y="4593305"/>
+            <a:ext cx="2790825" cy="752475"/>
+          </a:xfrm>
+          <a:prstGeom prst="rect">
+            <a:avLst/>
+          </a:prstGeom>
+        </p:spPr>
+      </p:pic>
+    </p:spTree>
+    <p:extLst>
+      <p:ext uri="{BB962C8B-B14F-4D97-AF65-F5344CB8AC3E}">
+        <p14:creationId xmlns:p14="http://schemas.microsoft.com/office/powerpoint/2010/main" val="2122650708"/>
+      </p:ext>
+    </p:extLst>
+  </p:cSld>
+  <p:clrMapOvr>
+    <a:masterClrMapping/>
+  </p:clrMapOvr>
+</p:sld>
+</file>
+
+<file path=ppt/slides/slide14.xml><?xml version="1.0" encoding="utf-8"?>
+<p:sld xmlns:a="http://schemas.openxmlformats.org/drawingml/2006/main" xmlns:r="http://schemas.openxmlformats.org/officeDocument/2006/relationships" xmlns:p="http://schemas.openxmlformats.org/presentationml/2006/main">
+  <p:cSld>
+    <p:spTree>
+      <p:nvGrpSpPr>
+        <p:cNvPr id="1" name=""/>
+        <p:cNvGrpSpPr/>
+        <p:nvPr/>
+      </p:nvGrpSpPr>
+      <p:grpSpPr>
+        <a:xfrm>
+          <a:off x="0" y="0"/>
+          <a:ext cx="0" cy="0"/>
+          <a:chOff x="0" y="0"/>
+          <a:chExt cx="0" cy="0"/>
+        </a:xfrm>
+      </p:grpSpPr>
+      <p:pic>
+        <p:nvPicPr>
+          <p:cNvPr id="4" name="Image 3">
+            <a:extLst>
+              <a:ext uri="{FF2B5EF4-FFF2-40B4-BE49-F238E27FC236}">
+                <a16:creationId xmlns:a16="http://schemas.microsoft.com/office/drawing/2014/main" id="{3E7AE97B-AAE0-44EB-9678-64579390088E}"/>
+              </a:ext>
+            </a:extLst>
+          </p:cNvPr>
+          <p:cNvPicPr>
+            <a:picLocks noChangeAspect="1"/>
+          </p:cNvPicPr>
+          <p:nvPr/>
+        </p:nvPicPr>
+        <p:blipFill>
+          <a:blip r:embed="rId2"/>
+          <a:stretch>
+            <a:fillRect/>
+          </a:stretch>
+        </p:blipFill>
+        <p:spPr>
+          <a:xfrm>
+            <a:off x="64039" y="414337"/>
+            <a:ext cx="6257925" cy="6029325"/>
+          </a:xfrm>
+          <a:prstGeom prst="rect">
+            <a:avLst/>
+          </a:prstGeom>
+        </p:spPr>
+      </p:pic>
+      <p:sp>
+        <p:nvSpPr>
+          <p:cNvPr id="10" name="Title 1">
+            <a:extLst>
+              <a:ext uri="{FF2B5EF4-FFF2-40B4-BE49-F238E27FC236}">
+                <a16:creationId xmlns:a16="http://schemas.microsoft.com/office/drawing/2014/main" id="{85BF9445-ABEA-406B-8AED-5A001594CAD8}"/>
+              </a:ext>
+            </a:extLst>
+          </p:cNvPr>
+          <p:cNvSpPr txBox="1">
+            <a:spLocks/>
+          </p:cNvSpPr>
+          <p:nvPr/>
+        </p:nvSpPr>
+        <p:spPr bwMode="gray">
+          <a:xfrm>
+            <a:off x="6419032" y="961413"/>
+            <a:ext cx="5595415" cy="706964"/>
+          </a:xfrm>
+          <a:prstGeom prst="rect">
+            <a:avLst/>
+          </a:prstGeom>
+        </p:spPr>
+        <p:txBody>
+          <a:bodyPr vert="horz" lIns="91440" tIns="45720" rIns="91440" bIns="45720" rtlCol="0" anchor="ctr">
+            <a:noAutofit/>
+          </a:bodyPr>
+          <a:lstStyle>
+            <a:lvl1pPr algn="l" defTabSz="457200" rtl="0" eaLnBrk="1" latinLnBrk="0" hangingPunct="1">
+              <a:spcBef>
+                <a:spcPct val="0"/>
+              </a:spcBef>
+              <a:buNone/>
+              <a:defRPr sz="3600" b="0" i="0" kern="1200">
+                <a:solidFill>
+                  <a:schemeClr val="bg2"/>
+                </a:solidFill>
+                <a:latin typeface="+mj-lt"/>
+                <a:ea typeface="+mj-ea"/>
+                <a:cs typeface="+mj-cs"/>
+              </a:defRPr>
+            </a:lvl1pPr>
+            <a:lvl2pPr eaLnBrk="1" hangingPunct="1">
+              <a:defRPr>
+                <a:solidFill>
+                  <a:schemeClr val="tx2"/>
+                </a:solidFill>
+              </a:defRPr>
+            </a:lvl2pPr>
+            <a:lvl3pPr eaLnBrk="1" hangingPunct="1">
+              <a:defRPr>
+                <a:solidFill>
+                  <a:schemeClr val="tx2"/>
+                </a:solidFill>
+              </a:defRPr>
+            </a:lvl3pPr>
+            <a:lvl4pPr eaLnBrk="1" hangingPunct="1">
+              <a:defRPr>
+                <a:solidFill>
+                  <a:schemeClr val="tx2"/>
+                </a:solidFill>
+              </a:defRPr>
+            </a:lvl4pPr>
+            <a:lvl5pPr eaLnBrk="1" hangingPunct="1">
+              <a:defRPr>
+                <a:solidFill>
+                  <a:schemeClr val="tx2"/>
+                </a:solidFill>
+              </a:defRPr>
+            </a:lvl5pPr>
+            <a:lvl6pPr eaLnBrk="1" hangingPunct="1">
+              <a:defRPr>
+                <a:solidFill>
+                  <a:schemeClr val="tx2"/>
+                </a:solidFill>
+              </a:defRPr>
+            </a:lvl6pPr>
+            <a:lvl7pPr eaLnBrk="1" hangingPunct="1">
+              <a:defRPr>
+                <a:solidFill>
+                  <a:schemeClr val="tx2"/>
+                </a:solidFill>
+              </a:defRPr>
+            </a:lvl7pPr>
+            <a:lvl8pPr eaLnBrk="1" hangingPunct="1">
+              <a:defRPr>
+                <a:solidFill>
+                  <a:schemeClr val="tx2"/>
+                </a:solidFill>
+              </a:defRPr>
+            </a:lvl8pPr>
+            <a:lvl9pPr eaLnBrk="1" hangingPunct="1">
+              <a:defRPr>
+                <a:solidFill>
+                  <a:schemeClr val="tx2"/>
+                </a:solidFill>
+              </a:defRPr>
+            </a:lvl9pPr>
+          </a:lstStyle>
+          <a:p>
+            <a:r>
+              <a:rPr lang="fr-FR" dirty="0"/>
+              <a:t>ANOVA </a:t>
+            </a:r>
+            <a:br>
+              <a:rPr lang="fr-FR" dirty="0"/>
+            </a:br>
+            <a:r>
+              <a:rPr lang="fr-FR" dirty="0"/>
+              <a:t>Glucides et </a:t>
+            </a:r>
+            <a:r>
+              <a:rPr lang="fr-FR" dirty="0" err="1"/>
+              <a:t>Nutrigrade</a:t>
+            </a:r>
+            <a:endParaRPr lang="fr-FR" dirty="0"/>
+          </a:p>
+        </p:txBody>
+      </p:sp>
+      <p:pic>
+        <p:nvPicPr>
+          <p:cNvPr id="12" name="Image 11">
+            <a:extLst>
+              <a:ext uri="{FF2B5EF4-FFF2-40B4-BE49-F238E27FC236}">
+                <a16:creationId xmlns:a16="http://schemas.microsoft.com/office/drawing/2014/main" id="{98E8420E-81EC-4DC8-BE35-B2087FC817D6}"/>
+              </a:ext>
+            </a:extLst>
+          </p:cNvPr>
+          <p:cNvPicPr>
+            <a:picLocks noChangeAspect="1"/>
+          </p:cNvPicPr>
+          <p:nvPr/>
+        </p:nvPicPr>
+        <p:blipFill>
+          <a:blip r:embed="rId3"/>
+          <a:stretch>
+            <a:fillRect/>
+          </a:stretch>
+        </p:blipFill>
+        <p:spPr>
+          <a:xfrm>
+            <a:off x="6393462" y="2242952"/>
+            <a:ext cx="5381625" cy="809625"/>
+          </a:xfrm>
+          <a:prstGeom prst="rect">
+            <a:avLst/>
+          </a:prstGeom>
+        </p:spPr>
+      </p:pic>
+      <p:sp>
+        <p:nvSpPr>
+          <p:cNvPr id="13" name="ZoneTexte 12">
+            <a:extLst>
+              <a:ext uri="{FF2B5EF4-FFF2-40B4-BE49-F238E27FC236}">
+                <a16:creationId xmlns:a16="http://schemas.microsoft.com/office/drawing/2014/main" id="{8892B381-CB13-48B4-86AA-DBAAA4E74069}"/>
+              </a:ext>
+            </a:extLst>
+          </p:cNvPr>
+          <p:cNvSpPr txBox="1"/>
+          <p:nvPr/>
+        </p:nvSpPr>
+        <p:spPr>
+          <a:xfrm>
+            <a:off x="6317247" y="3101394"/>
+            <a:ext cx="4909351" cy="1384995"/>
+          </a:xfrm>
+          <a:prstGeom prst="rect">
+            <a:avLst/>
+          </a:prstGeom>
+          <a:noFill/>
+        </p:spPr>
+        <p:txBody>
+          <a:bodyPr wrap="square" rtlCol="0">
+            <a:spAutoFit/>
+          </a:bodyPr>
+          <a:lstStyle/>
+          <a:p>
+            <a:pPr algn="l"/>
+            <a:r>
+              <a:rPr lang="fr-FR" sz="1400" b="0" i="0" dirty="0">
+                <a:solidFill>
+                  <a:srgbClr val="000000"/>
+                </a:solidFill>
+                <a:effectLst/>
+                <a:latin typeface="Helvetica Neue"/>
+              </a:rPr>
+              <a:t>Hypothèse nulle h0: Il n'y a pas de variation du taux moyen de glucides pour les différents </a:t>
+            </a:r>
+            <a:r>
+              <a:rPr lang="fr-FR" sz="1400" b="0" i="0" dirty="0" err="1">
+                <a:solidFill>
+                  <a:srgbClr val="000000"/>
+                </a:solidFill>
+                <a:effectLst/>
+                <a:latin typeface="Helvetica Neue"/>
+              </a:rPr>
+              <a:t>nutrigrades</a:t>
+            </a:r>
+            <a:r>
+              <a:rPr lang="fr-FR" sz="1400" b="0" i="0" dirty="0">
+                <a:solidFill>
+                  <a:srgbClr val="000000"/>
+                </a:solidFill>
+                <a:effectLst/>
+                <a:latin typeface="Helvetica Neue"/>
+              </a:rPr>
+              <a:t>.</a:t>
+            </a:r>
+          </a:p>
+          <a:p>
+            <a:pPr algn="l"/>
+            <a:endParaRPr lang="fr-FR" sz="1400" b="0" i="0" dirty="0">
+              <a:solidFill>
+                <a:srgbClr val="000000"/>
+              </a:solidFill>
+              <a:effectLst/>
+              <a:latin typeface="Helvetica Neue"/>
+            </a:endParaRPr>
+          </a:p>
+          <a:p>
+            <a:pPr algn="l"/>
+            <a:r>
+              <a:rPr lang="fr-FR" sz="1400" b="0" i="0" dirty="0">
+                <a:solidFill>
+                  <a:srgbClr val="000000"/>
+                </a:solidFill>
+                <a:effectLst/>
+                <a:latin typeface="Helvetica Neue"/>
+              </a:rPr>
+              <a:t>Hypothèse alternative: Il y a une variation du taux moyen de glucides pour les différents </a:t>
+            </a:r>
+            <a:r>
+              <a:rPr lang="fr-FR" sz="1400" b="0" i="0" dirty="0" err="1">
+                <a:solidFill>
+                  <a:srgbClr val="000000"/>
+                </a:solidFill>
+                <a:effectLst/>
+                <a:latin typeface="Helvetica Neue"/>
+              </a:rPr>
+              <a:t>nutrigrades</a:t>
+            </a:r>
+            <a:r>
+              <a:rPr lang="fr-FR" sz="1400" b="0" i="0" dirty="0">
+                <a:solidFill>
+                  <a:srgbClr val="000000"/>
+                </a:solidFill>
+                <a:effectLst/>
+                <a:latin typeface="Helvetica Neue"/>
+              </a:rPr>
+              <a:t>.</a:t>
+            </a:r>
+          </a:p>
+          <a:p>
+            <a:endParaRPr lang="fr-FR" sz="1400" dirty="0"/>
+          </a:p>
+        </p:txBody>
+      </p:sp>
+      <p:pic>
+        <p:nvPicPr>
+          <p:cNvPr id="15" name="Image 14">
+            <a:extLst>
+              <a:ext uri="{FF2B5EF4-FFF2-40B4-BE49-F238E27FC236}">
+                <a16:creationId xmlns:a16="http://schemas.microsoft.com/office/drawing/2014/main" id="{AC7A6D9F-1164-44BF-89D1-77E6157C5445}"/>
+              </a:ext>
+            </a:extLst>
+          </p:cNvPr>
+          <p:cNvPicPr>
+            <a:picLocks noChangeAspect="1"/>
+          </p:cNvPicPr>
+          <p:nvPr/>
+        </p:nvPicPr>
+        <p:blipFill>
+          <a:blip r:embed="rId4"/>
+          <a:stretch>
+            <a:fillRect/>
+          </a:stretch>
+        </p:blipFill>
+        <p:spPr>
+          <a:xfrm>
+            <a:off x="7688861" y="4535206"/>
+            <a:ext cx="2790825" cy="676275"/>
           </a:xfrm>
           <a:prstGeom prst="rect">
             <a:avLst/>
@@ -13466,17 +14317,357 @@
   <p:clrMapOvr>
     <a:masterClrMapping/>
   </p:clrMapOvr>
-  <p:timing>
-    <p:tnLst>
-      <p:par>
-        <p:cTn id="1" dur="indefinite" restart="never" nodeType="tmRoot"/>
-      </p:par>
-    </p:tnLst>
-  </p:timing>
 </p:sld>
 </file>
 
-<file path=ppt/slides/slide11.xml><?xml version="1.0" encoding="utf-8"?>
+<file path=ppt/slides/slide15.xml><?xml version="1.0" encoding="utf-8"?>
+<p:sld xmlns:a="http://schemas.openxmlformats.org/drawingml/2006/main" xmlns:r="http://schemas.openxmlformats.org/officeDocument/2006/relationships" xmlns:p="http://schemas.openxmlformats.org/presentationml/2006/main">
+  <p:cSld>
+    <p:spTree>
+      <p:nvGrpSpPr>
+        <p:cNvPr id="1" name=""/>
+        <p:cNvGrpSpPr/>
+        <p:nvPr/>
+      </p:nvGrpSpPr>
+      <p:grpSpPr>
+        <a:xfrm>
+          <a:off x="0" y="0"/>
+          <a:ext cx="0" cy="0"/>
+          <a:chOff x="0" y="0"/>
+          <a:chExt cx="0" cy="0"/>
+        </a:xfrm>
+      </p:grpSpPr>
+      <p:sp>
+        <p:nvSpPr>
+          <p:cNvPr id="10" name="Title 1">
+            <a:extLst>
+              <a:ext uri="{FF2B5EF4-FFF2-40B4-BE49-F238E27FC236}">
+                <a16:creationId xmlns:a16="http://schemas.microsoft.com/office/drawing/2014/main" id="{A180088B-9D64-45ED-96E5-53A5580428BB}"/>
+              </a:ext>
+            </a:extLst>
+          </p:cNvPr>
+          <p:cNvSpPr txBox="1">
+            <a:spLocks/>
+          </p:cNvSpPr>
+          <p:nvPr/>
+        </p:nvSpPr>
+        <p:spPr bwMode="gray">
+          <a:xfrm>
+            <a:off x="6596585" y="943657"/>
+            <a:ext cx="5595415" cy="706964"/>
+          </a:xfrm>
+          <a:prstGeom prst="rect">
+            <a:avLst/>
+          </a:prstGeom>
+        </p:spPr>
+        <p:txBody>
+          <a:bodyPr vert="horz" lIns="91440" tIns="45720" rIns="91440" bIns="45720" rtlCol="0" anchor="ctr">
+            <a:noAutofit/>
+          </a:bodyPr>
+          <a:lstStyle>
+            <a:lvl1pPr algn="l" defTabSz="457200" rtl="0" eaLnBrk="1" latinLnBrk="0" hangingPunct="1">
+              <a:spcBef>
+                <a:spcPct val="0"/>
+              </a:spcBef>
+              <a:buNone/>
+              <a:defRPr sz="3600" b="0" i="0" kern="1200">
+                <a:solidFill>
+                  <a:schemeClr val="bg2"/>
+                </a:solidFill>
+                <a:latin typeface="+mj-lt"/>
+                <a:ea typeface="+mj-ea"/>
+                <a:cs typeface="+mj-cs"/>
+              </a:defRPr>
+            </a:lvl1pPr>
+            <a:lvl2pPr eaLnBrk="1" hangingPunct="1">
+              <a:defRPr>
+                <a:solidFill>
+                  <a:schemeClr val="tx2"/>
+                </a:solidFill>
+              </a:defRPr>
+            </a:lvl2pPr>
+            <a:lvl3pPr eaLnBrk="1" hangingPunct="1">
+              <a:defRPr>
+                <a:solidFill>
+                  <a:schemeClr val="tx2"/>
+                </a:solidFill>
+              </a:defRPr>
+            </a:lvl3pPr>
+            <a:lvl4pPr eaLnBrk="1" hangingPunct="1">
+              <a:defRPr>
+                <a:solidFill>
+                  <a:schemeClr val="tx2"/>
+                </a:solidFill>
+              </a:defRPr>
+            </a:lvl4pPr>
+            <a:lvl5pPr eaLnBrk="1" hangingPunct="1">
+              <a:defRPr>
+                <a:solidFill>
+                  <a:schemeClr val="tx2"/>
+                </a:solidFill>
+              </a:defRPr>
+            </a:lvl5pPr>
+            <a:lvl6pPr eaLnBrk="1" hangingPunct="1">
+              <a:defRPr>
+                <a:solidFill>
+                  <a:schemeClr val="tx2"/>
+                </a:solidFill>
+              </a:defRPr>
+            </a:lvl6pPr>
+            <a:lvl7pPr eaLnBrk="1" hangingPunct="1">
+              <a:defRPr>
+                <a:solidFill>
+                  <a:schemeClr val="tx2"/>
+                </a:solidFill>
+              </a:defRPr>
+            </a:lvl7pPr>
+            <a:lvl8pPr eaLnBrk="1" hangingPunct="1">
+              <a:defRPr>
+                <a:solidFill>
+                  <a:schemeClr val="tx2"/>
+                </a:solidFill>
+              </a:defRPr>
+            </a:lvl8pPr>
+            <a:lvl9pPr eaLnBrk="1" hangingPunct="1">
+              <a:defRPr>
+                <a:solidFill>
+                  <a:schemeClr val="tx2"/>
+                </a:solidFill>
+              </a:defRPr>
+            </a:lvl9pPr>
+          </a:lstStyle>
+          <a:p>
+            <a:r>
+              <a:rPr lang="fr-FR" dirty="0"/>
+              <a:t>ANOVA </a:t>
+            </a:r>
+            <a:br>
+              <a:rPr lang="fr-FR" dirty="0"/>
+            </a:br>
+            <a:r>
+              <a:rPr lang="fr-FR" dirty="0"/>
+              <a:t>Sucres et </a:t>
+            </a:r>
+            <a:r>
+              <a:rPr lang="fr-FR" dirty="0" err="1"/>
+              <a:t>Nutrigrade</a:t>
+            </a:r>
+            <a:endParaRPr lang="fr-FR" dirty="0"/>
+          </a:p>
+        </p:txBody>
+      </p:sp>
+      <p:pic>
+        <p:nvPicPr>
+          <p:cNvPr id="7" name="Image 6">
+            <a:extLst>
+              <a:ext uri="{FF2B5EF4-FFF2-40B4-BE49-F238E27FC236}">
+                <a16:creationId xmlns:a16="http://schemas.microsoft.com/office/drawing/2014/main" id="{567F8B99-7C3D-4532-B231-B371F2DECCCF}"/>
+              </a:ext>
+            </a:extLst>
+          </p:cNvPr>
+          <p:cNvPicPr>
+            <a:picLocks noChangeAspect="1"/>
+          </p:cNvPicPr>
+          <p:nvPr/>
+        </p:nvPicPr>
+        <p:blipFill>
+          <a:blip r:embed="rId2"/>
+          <a:stretch>
+            <a:fillRect/>
+          </a:stretch>
+        </p:blipFill>
+        <p:spPr>
+          <a:xfrm>
+            <a:off x="233362" y="474539"/>
+            <a:ext cx="6238875" cy="6086475"/>
+          </a:xfrm>
+          <a:prstGeom prst="rect">
+            <a:avLst/>
+          </a:prstGeom>
+        </p:spPr>
+      </p:pic>
+      <p:pic>
+        <p:nvPicPr>
+          <p:cNvPr id="12" name="Image 11">
+            <a:extLst>
+              <a:ext uri="{FF2B5EF4-FFF2-40B4-BE49-F238E27FC236}">
+                <a16:creationId xmlns:a16="http://schemas.microsoft.com/office/drawing/2014/main" id="{908E1969-B60D-433B-AD03-F68A21A439E5}"/>
+              </a:ext>
+            </a:extLst>
+          </p:cNvPr>
+          <p:cNvPicPr>
+            <a:picLocks noChangeAspect="1"/>
+          </p:cNvPicPr>
+          <p:nvPr/>
+        </p:nvPicPr>
+        <p:blipFill>
+          <a:blip r:embed="rId3"/>
+          <a:stretch>
+            <a:fillRect/>
+          </a:stretch>
+        </p:blipFill>
+        <p:spPr>
+          <a:xfrm>
+            <a:off x="6472237" y="2350778"/>
+            <a:ext cx="5400675" cy="771525"/>
+          </a:xfrm>
+          <a:prstGeom prst="rect">
+            <a:avLst/>
+          </a:prstGeom>
+        </p:spPr>
+      </p:pic>
+      <p:sp>
+        <p:nvSpPr>
+          <p:cNvPr id="13" name="ZoneTexte 12">
+            <a:extLst>
+              <a:ext uri="{FF2B5EF4-FFF2-40B4-BE49-F238E27FC236}">
+                <a16:creationId xmlns:a16="http://schemas.microsoft.com/office/drawing/2014/main" id="{25463E77-DEA4-499A-9A9E-13799C9F0567}"/>
+              </a:ext>
+            </a:extLst>
+          </p:cNvPr>
+          <p:cNvSpPr txBox="1"/>
+          <p:nvPr/>
+        </p:nvSpPr>
+        <p:spPr>
+          <a:xfrm>
+            <a:off x="6472237" y="3119666"/>
+            <a:ext cx="4909351" cy="1384995"/>
+          </a:xfrm>
+          <a:prstGeom prst="rect">
+            <a:avLst/>
+          </a:prstGeom>
+          <a:noFill/>
+        </p:spPr>
+        <p:txBody>
+          <a:bodyPr wrap="square" rtlCol="0">
+            <a:spAutoFit/>
+          </a:bodyPr>
+          <a:lstStyle/>
+          <a:p>
+            <a:pPr algn="l"/>
+            <a:r>
+              <a:rPr lang="fr-FR" sz="1400" b="0" i="0" dirty="0">
+                <a:solidFill>
+                  <a:srgbClr val="000000"/>
+                </a:solidFill>
+                <a:effectLst/>
+                <a:latin typeface="Helvetica Neue"/>
+              </a:rPr>
+              <a:t>Hypothèse nulle h0: Il n'y a pas de variation du taux moyen de sucres pour les différents </a:t>
+            </a:r>
+            <a:r>
+              <a:rPr lang="fr-FR" sz="1400" b="0" i="0" dirty="0" err="1">
+                <a:solidFill>
+                  <a:srgbClr val="000000"/>
+                </a:solidFill>
+                <a:effectLst/>
+                <a:latin typeface="Helvetica Neue"/>
+              </a:rPr>
+              <a:t>nutrigrades</a:t>
+            </a:r>
+            <a:r>
+              <a:rPr lang="fr-FR" sz="1400" b="0" i="0" dirty="0">
+                <a:solidFill>
+                  <a:srgbClr val="000000"/>
+                </a:solidFill>
+                <a:effectLst/>
+                <a:latin typeface="Helvetica Neue"/>
+              </a:rPr>
+              <a:t>.</a:t>
+            </a:r>
+          </a:p>
+          <a:p>
+            <a:pPr algn="l"/>
+            <a:endParaRPr lang="fr-FR" sz="1400" b="0" i="0" dirty="0">
+              <a:solidFill>
+                <a:srgbClr val="000000"/>
+              </a:solidFill>
+              <a:effectLst/>
+              <a:latin typeface="Helvetica Neue"/>
+            </a:endParaRPr>
+          </a:p>
+          <a:p>
+            <a:pPr algn="l"/>
+            <a:r>
+              <a:rPr lang="fr-FR" sz="1400" b="0" i="0" dirty="0">
+                <a:solidFill>
+                  <a:srgbClr val="000000"/>
+                </a:solidFill>
+                <a:effectLst/>
+                <a:latin typeface="Helvetica Neue"/>
+              </a:rPr>
+              <a:t>Hypothèse alternative: Il y a une variation du taux moyen de sucres pour les différents </a:t>
+            </a:r>
+            <a:r>
+              <a:rPr lang="fr-FR" sz="1400" b="0" i="0" dirty="0" err="1">
+                <a:solidFill>
+                  <a:srgbClr val="000000"/>
+                </a:solidFill>
+                <a:effectLst/>
+                <a:latin typeface="Helvetica Neue"/>
+              </a:rPr>
+              <a:t>nutrigrades</a:t>
+            </a:r>
+            <a:r>
+              <a:rPr lang="fr-FR" sz="1400" b="0" i="0" dirty="0">
+                <a:solidFill>
+                  <a:srgbClr val="000000"/>
+                </a:solidFill>
+                <a:effectLst/>
+                <a:latin typeface="Helvetica Neue"/>
+              </a:rPr>
+              <a:t>.</a:t>
+            </a:r>
+          </a:p>
+          <a:p>
+            <a:endParaRPr lang="fr-FR" sz="1400" dirty="0"/>
+          </a:p>
+        </p:txBody>
+      </p:sp>
+      <p:pic>
+        <p:nvPicPr>
+          <p:cNvPr id="15" name="Image 14">
+            <a:extLst>
+              <a:ext uri="{FF2B5EF4-FFF2-40B4-BE49-F238E27FC236}">
+                <a16:creationId xmlns:a16="http://schemas.microsoft.com/office/drawing/2014/main" id="{B1E3811B-A26E-4D61-924D-952999A1A7B4}"/>
+              </a:ext>
+            </a:extLst>
+          </p:cNvPr>
+          <p:cNvPicPr>
+            <a:picLocks noChangeAspect="1"/>
+          </p:cNvPicPr>
+          <p:nvPr/>
+        </p:nvPicPr>
+        <p:blipFill>
+          <a:blip r:embed="rId4"/>
+          <a:stretch>
+            <a:fillRect/>
+          </a:stretch>
+        </p:blipFill>
+        <p:spPr>
+          <a:xfrm>
+            <a:off x="7786687" y="4780362"/>
+            <a:ext cx="2771775" cy="752475"/>
+          </a:xfrm>
+          <a:prstGeom prst="rect">
+            <a:avLst/>
+          </a:prstGeom>
+        </p:spPr>
+      </p:pic>
+    </p:spTree>
+    <p:extLst>
+      <p:ext uri="{BB962C8B-B14F-4D97-AF65-F5344CB8AC3E}">
+        <p14:creationId xmlns:p14="http://schemas.microsoft.com/office/powerpoint/2010/main" val="2402970315"/>
+      </p:ext>
+    </p:extLst>
+  </p:cSld>
+  <p:clrMapOvr>
+    <a:masterClrMapping/>
+  </p:clrMapOvr>
+</p:sld>
+</file>
+
+<file path=ppt/slides/slide16.xml><?xml version="1.0" encoding="utf-8"?>
 <p:sld xmlns:a="http://schemas.openxmlformats.org/drawingml/2006/main" xmlns:r="http://schemas.openxmlformats.org/officeDocument/2006/relationships" xmlns:p="http://schemas.openxmlformats.org/presentationml/2006/main">
   <p:cSld>
     <p:spTree>
@@ -13549,17 +14740,10 @@
   <p:clrMapOvr>
     <a:masterClrMapping/>
   </p:clrMapOvr>
-  <p:timing>
-    <p:tnLst>
-      <p:par>
-        <p:cTn id="1" dur="indefinite" restart="never" nodeType="tmRoot"/>
-      </p:par>
-    </p:tnLst>
-  </p:timing>
 </p:sld>
 </file>
 
-<file path=ppt/slides/slide12.xml><?xml version="1.0" encoding="utf-8"?>
+<file path=ppt/slides/slide17.xml><?xml version="1.0" encoding="utf-8"?>
 <p:sld xmlns:a="http://schemas.openxmlformats.org/drawingml/2006/main" xmlns:r="http://schemas.openxmlformats.org/officeDocument/2006/relationships" xmlns:p="http://schemas.openxmlformats.org/presentationml/2006/main">
   <p:cSld>
     <p:spTree>
@@ -13597,12 +14781,8 @@
           <a:lstStyle/>
           <a:p>
             <a:r>
-              <a:rPr lang="fr-FR" b="1" dirty="0" smtClean="0"/>
+              <a:rPr lang="fr-FR" b="1" dirty="0"/>
               <a:t>Conclusion</a:t>
-            </a:r>
-            <a:r>
-              <a:rPr lang="fr-FR" b="1" dirty="0"/>
-              <a:t/>
             </a:r>
             <a:br>
               <a:rPr lang="fr-FR" b="1" dirty="0"/>
@@ -13627,10 +14807,9 @@
           <a:lstStyle/>
           <a:p>
             <a:r>
-              <a:rPr lang="fr-FR" dirty="0" smtClean="0"/>
+              <a:rPr lang="fr-FR" dirty="0"/>
               <a:t>Ingénieur IA – projet 3</a:t>
             </a:r>
-            <a:endParaRPr lang="fr-FR" dirty="0"/>
           </a:p>
         </p:txBody>
       </p:sp>
@@ -13644,13 +14823,6 @@
   <p:clrMapOvr>
     <a:masterClrMapping/>
   </p:clrMapOvr>
-  <p:timing>
-    <p:tnLst>
-      <p:par>
-        <p:cTn id="1" dur="indefinite" restart="never" nodeType="tmRoot"/>
-      </p:par>
-    </p:tnLst>
-  </p:timing>
 </p:sld>
 </file>
 
@@ -13687,10 +14859,9 @@
           <a:lstStyle/>
           <a:p>
             <a:r>
-              <a:rPr lang="fr-FR" dirty="0" smtClean="0"/>
+              <a:rPr lang="fr-FR" dirty="0"/>
               <a:t>Présentation du projet</a:t>
             </a:r>
-            <a:endParaRPr lang="fr-FR" dirty="0"/>
           </a:p>
         </p:txBody>
       </p:sp>
@@ -13788,13 +14959,6 @@
   <p:clrMapOvr>
     <a:masterClrMapping/>
   </p:clrMapOvr>
-  <p:timing>
-    <p:tnLst>
-      <p:par>
-        <p:cTn id="1" dur="indefinite" restart="never" nodeType="tmRoot"/>
-      </p:par>
-    </p:tnLst>
-  </p:timing>
 </p:sld>
 </file>
 
@@ -13831,10 +14995,9 @@
           <a:lstStyle/>
           <a:p>
             <a:r>
-              <a:rPr lang="fr-FR" dirty="0" smtClean="0"/>
+              <a:rPr lang="fr-FR" dirty="0"/>
               <a:t>Exploration préliminaire</a:t>
             </a:r>
-            <a:endParaRPr lang="fr-FR" dirty="0"/>
           </a:p>
         </p:txBody>
       </p:sp>
@@ -13864,7 +15027,13 @@
       </p:pic>
       <p:pic>
         <p:nvPicPr>
-          <p:cNvPr id="7" name="Picture 6"/>
+          <p:cNvPr id="5" name="Image 4">
+            <a:extLst>
+              <a:ext uri="{FF2B5EF4-FFF2-40B4-BE49-F238E27FC236}">
+                <a16:creationId xmlns:a16="http://schemas.microsoft.com/office/drawing/2014/main" id="{6F1DB94A-F41F-414E-89D3-2D45C826156C}"/>
+              </a:ext>
+            </a:extLst>
+          </p:cNvPr>
           <p:cNvPicPr>
             <a:picLocks noChangeAspect="1"/>
           </p:cNvPicPr>
@@ -13878,8 +15047,8 @@
         </p:blipFill>
         <p:spPr>
           <a:xfrm>
-            <a:off x="1406999" y="2911288"/>
-            <a:ext cx="3905250" cy="3505200"/>
+            <a:off x="1290545" y="2911288"/>
+            <a:ext cx="4086752" cy="3608574"/>
           </a:xfrm>
           <a:prstGeom prst="rect">
             <a:avLst/>
@@ -13888,7 +15057,13 @@
       </p:pic>
       <p:pic>
         <p:nvPicPr>
-          <p:cNvPr id="8" name="Picture 7"/>
+          <p:cNvPr id="9" name="Image 8">
+            <a:extLst>
+              <a:ext uri="{FF2B5EF4-FFF2-40B4-BE49-F238E27FC236}">
+                <a16:creationId xmlns:a16="http://schemas.microsoft.com/office/drawing/2014/main" id="{A00BA3E3-C571-4578-8A3E-269EF46AD62F}"/>
+              </a:ext>
+            </a:extLst>
+          </p:cNvPr>
           <p:cNvPicPr>
             <a:picLocks noChangeAspect="1"/>
           </p:cNvPicPr>
@@ -13902,8 +15077,8 @@
         </p:blipFill>
         <p:spPr>
           <a:xfrm>
-            <a:off x="6077792" y="2911288"/>
-            <a:ext cx="3838575" cy="3400425"/>
+            <a:off x="6096000" y="2911288"/>
+            <a:ext cx="4086752" cy="3479415"/>
           </a:xfrm>
           <a:prstGeom prst="rect">
             <a:avLst/>
@@ -13920,13 +15095,6 @@
   <p:clrMapOvr>
     <a:masterClrMapping/>
   </p:clrMapOvr>
-  <p:timing>
-    <p:tnLst>
-      <p:par>
-        <p:cTn id="1" dur="indefinite" restart="never" nodeType="tmRoot"/>
-      </p:par>
-    </p:tnLst>
-  </p:timing>
 </p:sld>
 </file>
 
@@ -13963,10 +15131,9 @@
           <a:lstStyle/>
           <a:p>
             <a:r>
-              <a:rPr lang="fr-FR" dirty="0" smtClean="0"/>
+              <a:rPr lang="fr-FR" dirty="0"/>
               <a:t>Nettoyage des données</a:t>
             </a:r>
-            <a:endParaRPr lang="fr-FR" dirty="0"/>
           </a:p>
         </p:txBody>
       </p:sp>
@@ -13991,29 +15158,25 @@
           <a:lstStyle/>
           <a:p>
             <a:r>
-              <a:rPr lang="fr-FR" dirty="0" smtClean="0"/>
+              <a:rPr lang="fr-FR" dirty="0"/>
               <a:t>1) Exclusion des données inexploitables</a:t>
             </a:r>
           </a:p>
           <a:p>
-            <a:endParaRPr lang="fr-FR" dirty="0" smtClean="0"/>
+            <a:endParaRPr lang="fr-FR" dirty="0"/>
           </a:p>
           <a:p>
             <a:r>
               <a:rPr lang="fr-FR" dirty="0"/>
-              <a:t>2</a:t>
+              <a:t>2) Remplacement des valeurs aberrantes des variables quantitatives</a:t>
             </a:r>
+          </a:p>
+          <a:p>
+            <a:endParaRPr lang="fr-FR" dirty="0"/>
+          </a:p>
+          <a:p>
             <a:r>
-              <a:rPr lang="fr-FR" dirty="0" smtClean="0"/>
-              <a:t>) Remplacement des valeurs aberrantes des variables quantitatives</a:t>
-            </a:r>
-          </a:p>
-          <a:p>
-            <a:endParaRPr lang="fr-FR" dirty="0" smtClean="0"/>
-          </a:p>
-          <a:p>
-            <a:r>
-              <a:rPr lang="fr-FR" dirty="0" smtClean="0"/>
+              <a:rPr lang="fr-FR" dirty="0"/>
               <a:t>3) Exclusion des colonnes comportant trop de valeurs manquantes</a:t>
             </a:r>
           </a:p>
@@ -14022,10 +15185,9 @@
           </a:p>
           <a:p>
             <a:r>
-              <a:rPr lang="fr-FR" dirty="0" smtClean="0"/>
+              <a:rPr lang="fr-FR" dirty="0"/>
               <a:t>4) Suppression des doublons</a:t>
             </a:r>
-            <a:endParaRPr lang="fr-FR" dirty="0"/>
           </a:p>
         </p:txBody>
       </p:sp>
@@ -14039,13 +15201,6 @@
   <p:clrMapOvr>
     <a:masterClrMapping/>
   </p:clrMapOvr>
-  <p:timing>
-    <p:tnLst>
-      <p:par>
-        <p:cTn id="1" dur="indefinite" restart="never" nodeType="tmRoot"/>
-      </p:par>
-    </p:tnLst>
-  </p:timing>
 </p:sld>
 </file>
 
@@ -14082,10 +15237,9 @@
           <a:lstStyle/>
           <a:p>
             <a:r>
-              <a:rPr lang="fr-FR" dirty="0" smtClean="0"/>
+              <a:rPr lang="fr-FR" dirty="0"/>
               <a:t>Bilan du nettoyage </a:t>
             </a:r>
-            <a:endParaRPr lang="fr-FR" dirty="0"/>
           </a:p>
         </p:txBody>
       </p:sp>
@@ -14115,7 +15269,7 @@
       </p:pic>
       <p:pic>
         <p:nvPicPr>
-          <p:cNvPr id="5" name="Picture 4"/>
+          <p:cNvPr id="8" name="Picture 7"/>
           <p:cNvPicPr>
             <a:picLocks noChangeAspect="1"/>
           </p:cNvPicPr>
@@ -14129,55 +15283,7 @@
         </p:blipFill>
         <p:spPr>
           <a:xfrm>
-            <a:off x="518970" y="2918061"/>
-            <a:ext cx="3733800" cy="3457575"/>
-          </a:xfrm>
-          <a:prstGeom prst="rect">
-            <a:avLst/>
-          </a:prstGeom>
-        </p:spPr>
-      </p:pic>
-      <p:pic>
-        <p:nvPicPr>
-          <p:cNvPr id="6" name="Picture 5"/>
-          <p:cNvPicPr>
-            <a:picLocks noChangeAspect="1"/>
-          </p:cNvPicPr>
-          <p:nvPr/>
-        </p:nvPicPr>
-        <p:blipFill>
-          <a:blip r:embed="rId4"/>
-          <a:stretch>
-            <a:fillRect/>
-          </a:stretch>
-        </p:blipFill>
-        <p:spPr>
-          <a:xfrm>
-            <a:off x="4313248" y="2889486"/>
-            <a:ext cx="3905250" cy="3486150"/>
-          </a:xfrm>
-          <a:prstGeom prst="rect">
-            <a:avLst/>
-          </a:prstGeom>
-        </p:spPr>
-      </p:pic>
-      <p:pic>
-        <p:nvPicPr>
-          <p:cNvPr id="8" name="Picture 7"/>
-          <p:cNvPicPr>
-            <a:picLocks noChangeAspect="1"/>
-          </p:cNvPicPr>
-          <p:nvPr/>
-        </p:nvPicPr>
-        <p:blipFill>
-          <a:blip r:embed="rId5"/>
-          <a:stretch>
-            <a:fillRect/>
-          </a:stretch>
-        </p:blipFill>
-        <p:spPr>
-          <a:xfrm>
-            <a:off x="8954342" y="3166485"/>
+            <a:off x="8954342" y="3175363"/>
             <a:ext cx="1924050" cy="2762250"/>
           </a:xfrm>
           <a:prstGeom prst="rect">
@@ -14193,7 +15299,7 @@
         </p:nvSpPr>
         <p:spPr>
           <a:xfrm>
-            <a:off x="8343462" y="2889486"/>
+            <a:off x="8343462" y="2907242"/>
             <a:ext cx="3145810" cy="276999"/>
           </a:xfrm>
           <a:prstGeom prst="rect">
@@ -14208,13 +15314,72 @@
           <a:lstStyle/>
           <a:p>
             <a:r>
-              <a:rPr lang="fr-FR" sz="1200" dirty="0" smtClean="0"/>
+              <a:rPr lang="fr-FR" sz="1200" dirty="0"/>
               <a:t>Données manquantes après traitement</a:t>
             </a:r>
-            <a:endParaRPr lang="fr-FR" sz="1200" dirty="0"/>
           </a:p>
         </p:txBody>
       </p:sp>
+      <p:pic>
+        <p:nvPicPr>
+          <p:cNvPr id="7" name="Image 6">
+            <a:extLst>
+              <a:ext uri="{FF2B5EF4-FFF2-40B4-BE49-F238E27FC236}">
+                <a16:creationId xmlns:a16="http://schemas.microsoft.com/office/drawing/2014/main" id="{3078D3F9-FAE4-468A-A1C2-FF1DFBEBF6DF}"/>
+              </a:ext>
+            </a:extLst>
+          </p:cNvPr>
+          <p:cNvPicPr>
+            <a:picLocks noChangeAspect="1"/>
+          </p:cNvPicPr>
+          <p:nvPr/>
+        </p:nvPicPr>
+        <p:blipFill>
+          <a:blip r:embed="rId4"/>
+          <a:stretch>
+            <a:fillRect/>
+          </a:stretch>
+        </p:blipFill>
+        <p:spPr>
+          <a:xfrm>
+            <a:off x="373209" y="2889486"/>
+            <a:ext cx="3940039" cy="3649426"/>
+          </a:xfrm>
+          <a:prstGeom prst="rect">
+            <a:avLst/>
+          </a:prstGeom>
+        </p:spPr>
+      </p:pic>
+      <p:pic>
+        <p:nvPicPr>
+          <p:cNvPr id="11" name="Image 10">
+            <a:extLst>
+              <a:ext uri="{FF2B5EF4-FFF2-40B4-BE49-F238E27FC236}">
+                <a16:creationId xmlns:a16="http://schemas.microsoft.com/office/drawing/2014/main" id="{DCB87FCD-8460-403C-8573-CF4F212CBE40}"/>
+              </a:ext>
+            </a:extLst>
+          </p:cNvPr>
+          <p:cNvPicPr>
+            <a:picLocks noChangeAspect="1"/>
+          </p:cNvPicPr>
+          <p:nvPr/>
+        </p:nvPicPr>
+        <p:blipFill>
+          <a:blip r:embed="rId5"/>
+          <a:stretch>
+            <a:fillRect/>
+          </a:stretch>
+        </p:blipFill>
+        <p:spPr>
+          <a:xfrm>
+            <a:off x="4314349" y="2889486"/>
+            <a:ext cx="4068331" cy="3518405"/>
+          </a:xfrm>
+          <a:prstGeom prst="rect">
+            <a:avLst/>
+          </a:prstGeom>
+        </p:spPr>
+      </p:pic>
     </p:spTree>
     <p:extLst>
       <p:ext uri="{BB962C8B-B14F-4D97-AF65-F5344CB8AC3E}">
@@ -14225,13 +15390,6 @@
   <p:clrMapOvr>
     <a:masterClrMapping/>
   </p:clrMapOvr>
-  <p:timing>
-    <p:tnLst>
-      <p:par>
-        <p:cTn id="1" dur="indefinite" restart="never" nodeType="tmRoot"/>
-      </p:par>
-    </p:tnLst>
-  </p:timing>
 </p:sld>
 </file>
 
@@ -14268,10 +15426,9 @@
           <a:lstStyle/>
           <a:p>
             <a:r>
-              <a:rPr lang="fr-FR" dirty="0" smtClean="0"/>
+              <a:rPr lang="fr-FR" dirty="0"/>
               <a:t>Analyse des données</a:t>
             </a:r>
-            <a:endParaRPr lang="fr-FR" dirty="0"/>
           </a:p>
         </p:txBody>
       </p:sp>
@@ -14296,7 +15453,7 @@
           <a:lstStyle/>
           <a:p>
             <a:r>
-              <a:rPr lang="fr-FR" dirty="0" smtClean="0"/>
+              <a:rPr lang="fr-FR" dirty="0"/>
               <a:t>1) Analyse en Composantes Principales des nutriments</a:t>
             </a:r>
           </a:p>
@@ -14305,7 +15462,7 @@
           </a:p>
           <a:p>
             <a:r>
-              <a:rPr lang="fr-FR" dirty="0" smtClean="0"/>
+              <a:rPr lang="fr-FR" dirty="0"/>
               <a:t>2) Analyse de variance entre nutriments et nutriscore</a:t>
             </a:r>
           </a:p>
@@ -14314,10 +15471,9 @@
           </a:p>
           <a:p>
             <a:r>
-              <a:rPr lang="fr-FR" dirty="0" smtClean="0"/>
+              <a:rPr lang="fr-FR" dirty="0"/>
               <a:t>3) Analyse qualitative des marques les plus représentées</a:t>
             </a:r>
-            <a:endParaRPr lang="fr-FR" dirty="0"/>
           </a:p>
         </p:txBody>
       </p:sp>
@@ -14331,17 +15487,128 @@
   <p:clrMapOvr>
     <a:masterClrMapping/>
   </p:clrMapOvr>
-  <p:timing>
-    <p:tnLst>
-      <p:par>
-        <p:cTn id="1" dur="indefinite" restart="never" nodeType="tmRoot"/>
-      </p:par>
-    </p:tnLst>
-  </p:timing>
 </p:sld>
 </file>
 
 <file path=ppt/slides/slide7.xml><?xml version="1.0" encoding="utf-8"?>
+<p:sld xmlns:a="http://schemas.openxmlformats.org/drawingml/2006/main" xmlns:r="http://schemas.openxmlformats.org/officeDocument/2006/relationships" xmlns:p="http://schemas.openxmlformats.org/presentationml/2006/main">
+  <p:cSld>
+    <p:spTree>
+      <p:nvGrpSpPr>
+        <p:cNvPr id="1" name=""/>
+        <p:cNvGrpSpPr/>
+        <p:nvPr/>
+      </p:nvGrpSpPr>
+      <p:grpSpPr>
+        <a:xfrm>
+          <a:off x="0" y="0"/>
+          <a:ext cx="0" cy="0"/>
+          <a:chOff x="0" y="0"/>
+          <a:chExt cx="0" cy="0"/>
+        </a:xfrm>
+      </p:grpSpPr>
+      <p:sp>
+        <p:nvSpPr>
+          <p:cNvPr id="2" name="Titre 1">
+            <a:extLst>
+              <a:ext uri="{FF2B5EF4-FFF2-40B4-BE49-F238E27FC236}">
+                <a16:creationId xmlns:a16="http://schemas.microsoft.com/office/drawing/2014/main" id="{E22B11BB-691D-40E5-A7DD-82FB58BADB16}"/>
+              </a:ext>
+            </a:extLst>
+          </p:cNvPr>
+          <p:cNvSpPr>
+            <a:spLocks noGrp="1"/>
+          </p:cNvSpPr>
+          <p:nvPr>
+            <p:ph type="title"/>
+          </p:nvPr>
+        </p:nvSpPr>
+        <p:spPr/>
+        <p:txBody>
+          <a:bodyPr/>
+          <a:lstStyle/>
+          <a:p>
+            <a:r>
+              <a:rPr lang="fr-FR" dirty="0"/>
+              <a:t>Analyse en Composantes Principales: Méthodologie</a:t>
+            </a:r>
+          </a:p>
+        </p:txBody>
+      </p:sp>
+      <p:pic>
+        <p:nvPicPr>
+          <p:cNvPr id="5" name="Image 4">
+            <a:extLst>
+              <a:ext uri="{FF2B5EF4-FFF2-40B4-BE49-F238E27FC236}">
+                <a16:creationId xmlns:a16="http://schemas.microsoft.com/office/drawing/2014/main" id="{8A1DEC80-C323-4D45-A931-A4A791F3809F}"/>
+              </a:ext>
+            </a:extLst>
+          </p:cNvPr>
+          <p:cNvPicPr>
+            <a:picLocks noChangeAspect="1"/>
+          </p:cNvPicPr>
+          <p:nvPr/>
+        </p:nvPicPr>
+        <p:blipFill>
+          <a:blip r:embed="rId2"/>
+          <a:stretch>
+            <a:fillRect/>
+          </a:stretch>
+        </p:blipFill>
+        <p:spPr>
+          <a:xfrm>
+            <a:off x="693059" y="2388093"/>
+            <a:ext cx="5626036" cy="3713316"/>
+          </a:xfrm>
+          <a:prstGeom prst="rect">
+            <a:avLst/>
+          </a:prstGeom>
+        </p:spPr>
+      </p:pic>
+      <p:pic>
+        <p:nvPicPr>
+          <p:cNvPr id="9" name="Image 8">
+            <a:extLst>
+              <a:ext uri="{FF2B5EF4-FFF2-40B4-BE49-F238E27FC236}">
+                <a16:creationId xmlns:a16="http://schemas.microsoft.com/office/drawing/2014/main" id="{721B314B-977D-4D76-9F29-A14EA0858AFC}"/>
+              </a:ext>
+            </a:extLst>
+          </p:cNvPr>
+          <p:cNvPicPr>
+            <a:picLocks noChangeAspect="1"/>
+          </p:cNvPicPr>
+          <p:nvPr/>
+        </p:nvPicPr>
+        <p:blipFill>
+          <a:blip r:embed="rId3"/>
+          <a:stretch>
+            <a:fillRect/>
+          </a:stretch>
+        </p:blipFill>
+        <p:spPr>
+          <a:xfrm>
+            <a:off x="6394281" y="2388094"/>
+            <a:ext cx="5123626" cy="3713316"/>
+          </a:xfrm>
+          <a:prstGeom prst="rect">
+            <a:avLst/>
+          </a:prstGeom>
+        </p:spPr>
+      </p:pic>
+    </p:spTree>
+    <p:extLst>
+      <p:ext uri="{BB962C8B-B14F-4D97-AF65-F5344CB8AC3E}">
+        <p14:creationId xmlns:p14="http://schemas.microsoft.com/office/powerpoint/2010/main" val="275359375"/>
+      </p:ext>
+    </p:extLst>
+  </p:cSld>
+  <p:clrMapOvr>
+    <a:masterClrMapping/>
+  </p:clrMapOvr>
+</p:sld>
+</file>
+
+<file path=ppt/slides/slide8.xml><?xml version="1.0" encoding="utf-8"?>
 <p:sld xmlns:a="http://schemas.openxmlformats.org/drawingml/2006/main" xmlns:r="http://schemas.openxmlformats.org/officeDocument/2006/relationships" xmlns:p="http://schemas.openxmlformats.org/presentationml/2006/main">
   <p:cSld>
     <p:spTree>
@@ -14374,10 +15641,9 @@
           <a:lstStyle/>
           <a:p>
             <a:r>
-              <a:rPr lang="fr-FR" dirty="0" smtClean="0"/>
+              <a:rPr lang="fr-FR" dirty="0"/>
               <a:t>Analyse en Composantes Principales</a:t>
             </a:r>
-            <a:endParaRPr lang="fr-FR" dirty="0"/>
           </a:p>
         </p:txBody>
       </p:sp>
@@ -14405,10 +15671,9 @@
               <a:buNone/>
             </a:pPr>
             <a:r>
-              <a:rPr lang="fr-FR" dirty="0" smtClean="0"/>
+              <a:rPr lang="fr-FR" dirty="0"/>
               <a:t>I) Matrice de corrélation bivariée</a:t>
             </a:r>
-            <a:endParaRPr lang="fr-FR" dirty="0"/>
           </a:p>
         </p:txBody>
       </p:sp>
@@ -14446,151 +15711,6 @@
   <p:clrMapOvr>
     <a:masterClrMapping/>
   </p:clrMapOvr>
-  <p:timing>
-    <p:tnLst>
-      <p:par>
-        <p:cTn id="1" dur="indefinite" restart="never" nodeType="tmRoot"/>
-      </p:par>
-    </p:tnLst>
-  </p:timing>
-</p:sld>
-</file>
-
-<file path=ppt/slides/slide8.xml><?xml version="1.0" encoding="utf-8"?>
-<p:sld xmlns:a="http://schemas.openxmlformats.org/drawingml/2006/main" xmlns:r="http://schemas.openxmlformats.org/officeDocument/2006/relationships" xmlns:p="http://schemas.openxmlformats.org/presentationml/2006/main">
-  <p:cSld>
-    <p:spTree>
-      <p:nvGrpSpPr>
-        <p:cNvPr id="1" name=""/>
-        <p:cNvGrpSpPr/>
-        <p:nvPr/>
-      </p:nvGrpSpPr>
-      <p:grpSpPr>
-        <a:xfrm>
-          <a:off x="0" y="0"/>
-          <a:ext cx="0" cy="0"/>
-          <a:chOff x="0" y="0"/>
-          <a:chExt cx="0" cy="0"/>
-        </a:xfrm>
-      </p:grpSpPr>
-      <p:sp>
-        <p:nvSpPr>
-          <p:cNvPr id="2" name="Title 1"/>
-          <p:cNvSpPr>
-            <a:spLocks noGrp="1"/>
-          </p:cNvSpPr>
-          <p:nvPr>
-            <p:ph type="title"/>
-          </p:nvPr>
-        </p:nvSpPr>
-        <p:spPr/>
-        <p:txBody>
-          <a:bodyPr/>
-          <a:lstStyle/>
-          <a:p>
-            <a:r>
-              <a:rPr lang="fr-FR" dirty="0"/>
-              <a:t>Analyse en Composantes Principales</a:t>
-            </a:r>
-          </a:p>
-        </p:txBody>
-      </p:sp>
-      <p:sp>
-        <p:nvSpPr>
-          <p:cNvPr id="3" name="Content Placeholder 2"/>
-          <p:cNvSpPr>
-            <a:spLocks noGrp="1"/>
-          </p:cNvSpPr>
-          <p:nvPr>
-            <p:ph idx="1"/>
-          </p:nvPr>
-        </p:nvSpPr>
-        <p:spPr>
-          <a:xfrm>
-            <a:off x="1215920" y="2460198"/>
-            <a:ext cx="1649661" cy="494542"/>
-          </a:xfrm>
-        </p:spPr>
-        <p:txBody>
-          <a:bodyPr/>
-          <a:lstStyle/>
-          <a:p>
-            <a:pPr marL="0" indent="0">
-              <a:buNone/>
-            </a:pPr>
-            <a:r>
-              <a:rPr lang="fr-FR" dirty="0" smtClean="0"/>
-              <a:t>II) Résultats</a:t>
-            </a:r>
-            <a:endParaRPr lang="fr-FR" dirty="0"/>
-          </a:p>
-        </p:txBody>
-      </p:sp>
-      <p:pic>
-        <p:nvPicPr>
-          <p:cNvPr id="4" name="Picture 3"/>
-          <p:cNvPicPr>
-            <a:picLocks noChangeAspect="1"/>
-          </p:cNvPicPr>
-          <p:nvPr/>
-        </p:nvPicPr>
-        <p:blipFill>
-          <a:blip r:embed="rId2"/>
-          <a:stretch>
-            <a:fillRect/>
-          </a:stretch>
-        </p:blipFill>
-        <p:spPr>
-          <a:xfrm>
-            <a:off x="935013" y="3022979"/>
-            <a:ext cx="4639717" cy="2940666"/>
-          </a:xfrm>
-          <a:prstGeom prst="rect">
-            <a:avLst/>
-          </a:prstGeom>
-        </p:spPr>
-      </p:pic>
-      <p:pic>
-        <p:nvPicPr>
-          <p:cNvPr id="5" name="Picture 4"/>
-          <p:cNvPicPr>
-            <a:picLocks noChangeAspect="1"/>
-          </p:cNvPicPr>
-          <p:nvPr/>
-        </p:nvPicPr>
-        <p:blipFill>
-          <a:blip r:embed="rId3"/>
-          <a:stretch>
-            <a:fillRect/>
-          </a:stretch>
-        </p:blipFill>
-        <p:spPr>
-          <a:xfrm>
-            <a:off x="6090739" y="2157984"/>
-            <a:ext cx="5195959" cy="4102073"/>
-          </a:xfrm>
-          <a:prstGeom prst="rect">
-            <a:avLst/>
-          </a:prstGeom>
-        </p:spPr>
-      </p:pic>
-    </p:spTree>
-    <p:extLst>
-      <p:ext uri="{BB962C8B-B14F-4D97-AF65-F5344CB8AC3E}">
-        <p14:creationId xmlns:p14="http://schemas.microsoft.com/office/powerpoint/2010/main" val="2561066553"/>
-      </p:ext>
-    </p:extLst>
-  </p:cSld>
-  <p:clrMapOvr>
-    <a:masterClrMapping/>
-  </p:clrMapOvr>
-  <p:timing>
-    <p:tnLst>
-      <p:par>
-        <p:cTn id="1" dur="indefinite" restart="never" nodeType="tmRoot"/>
-      </p:par>
-    </p:tnLst>
-  </p:timing>
 </p:sld>
 </file>
 
@@ -14645,8 +15765,8 @@
         </p:nvSpPr>
         <p:spPr>
           <a:xfrm>
-            <a:off x="657649" y="6001792"/>
-            <a:ext cx="5191254" cy="856208"/>
+            <a:off x="1215920" y="2460198"/>
+            <a:ext cx="1649661" cy="494542"/>
           </a:xfrm>
         </p:spPr>
         <p:txBody>
@@ -14657,25 +15777,15 @@
               <a:buNone/>
             </a:pPr>
             <a:r>
-              <a:rPr lang="fr-FR" dirty="0" smtClean="0"/>
-              <a:t>III) ACP sur un nombre </a:t>
+              <a:rPr lang="fr-FR" dirty="0"/>
+              <a:t>II) Résultats</a:t>
             </a:r>
-            <a:r>
-              <a:rPr lang="fr-FR" dirty="0"/>
-              <a:t>réduit de variables</a:t>
-            </a:r>
-          </a:p>
-          <a:p>
-            <a:pPr marL="0" indent="0">
-              <a:buNone/>
-            </a:pPr>
-            <a:endParaRPr lang="fr-FR" dirty="0"/>
           </a:p>
         </p:txBody>
       </p:sp>
       <p:pic>
         <p:nvPicPr>
-          <p:cNvPr id="5" name="Picture 4"/>
+          <p:cNvPr id="4" name="Picture 3"/>
           <p:cNvPicPr>
             <a:picLocks noChangeAspect="1"/>
           </p:cNvPicPr>
@@ -14689,8 +15799,8 @@
         </p:blipFill>
         <p:spPr>
           <a:xfrm>
-            <a:off x="5848903" y="1792179"/>
-            <a:ext cx="5417324" cy="4353801"/>
+            <a:off x="719091" y="2886127"/>
+            <a:ext cx="4855639" cy="3077518"/>
           </a:xfrm>
           <a:prstGeom prst="rect">
             <a:avLst/>
@@ -14699,7 +15809,7 @@
       </p:pic>
       <p:pic>
         <p:nvPicPr>
-          <p:cNvPr id="6" name="Picture 5"/>
+          <p:cNvPr id="5" name="Picture 4"/>
           <p:cNvPicPr>
             <a:picLocks noChangeAspect="1"/>
           </p:cNvPicPr>
@@ -14713,8 +15823,8 @@
         </p:blipFill>
         <p:spPr>
           <a:xfrm>
-            <a:off x="349737" y="2165158"/>
-            <a:ext cx="5399058" cy="3607841"/>
+            <a:off x="5850386" y="1999069"/>
+            <a:ext cx="5498458" cy="4340888"/>
           </a:xfrm>
           <a:prstGeom prst="rect">
             <a:avLst/>
@@ -14724,20 +15834,13 @@
     </p:spTree>
     <p:extLst>
       <p:ext uri="{BB962C8B-B14F-4D97-AF65-F5344CB8AC3E}">
-        <p14:creationId xmlns:p14="http://schemas.microsoft.com/office/powerpoint/2010/main" val="1258370652"/>
+        <p14:creationId xmlns:p14="http://schemas.microsoft.com/office/powerpoint/2010/main" val="2561066553"/>
       </p:ext>
     </p:extLst>
   </p:cSld>
   <p:clrMapOvr>
     <a:masterClrMapping/>
   </p:clrMapOvr>
-  <p:timing>
-    <p:tnLst>
-      <p:par>
-        <p:cTn id="1" dur="indefinite" restart="never" nodeType="tmRoot"/>
-      </p:par>
-    </p:tnLst>
-  </p:timing>
 </p:sld>
 </file>
 

--- a/P3_01_presentation.pptx
+++ b/P3_01_presentation.pptx
@@ -4,6 +4,9 @@
   <p:sldMasterIdLst>
     <p:sldMasterId id="2147483660" r:id="rId1"/>
   </p:sldMasterIdLst>
+  <p:notesMasterIdLst>
+    <p:notesMasterId r:id="rId19"/>
+  </p:notesMasterIdLst>
   <p:sldIdLst>
     <p:sldId id="256" r:id="rId2"/>
     <p:sldId id="257" r:id="rId3"/>
@@ -128,6 +131,439 @@
 </p:presentation>
 </file>
 
+<file path=ppt/notesMasters/notesMaster1.xml><?xml version="1.0" encoding="utf-8"?>
+<p:notesMaster xmlns:a="http://schemas.openxmlformats.org/drawingml/2006/main" xmlns:r="http://schemas.openxmlformats.org/officeDocument/2006/relationships" xmlns:p="http://schemas.openxmlformats.org/presentationml/2006/main">
+  <p:cSld>
+    <p:bg>
+      <p:bgRef idx="1001">
+        <a:schemeClr val="bg1"/>
+      </p:bgRef>
+    </p:bg>
+    <p:spTree>
+      <p:nvGrpSpPr>
+        <p:cNvPr id="1" name=""/>
+        <p:cNvGrpSpPr/>
+        <p:nvPr/>
+      </p:nvGrpSpPr>
+      <p:grpSpPr>
+        <a:xfrm>
+          <a:off x="0" y="0"/>
+          <a:ext cx="0" cy="0"/>
+          <a:chOff x="0" y="0"/>
+          <a:chExt cx="0" cy="0"/>
+        </a:xfrm>
+      </p:grpSpPr>
+      <p:sp>
+        <p:nvSpPr>
+          <p:cNvPr id="2" name="Espace réservé de l'en-tête 1"/>
+          <p:cNvSpPr>
+            <a:spLocks noGrp="1"/>
+          </p:cNvSpPr>
+          <p:nvPr>
+            <p:ph type="hdr" sz="quarter"/>
+          </p:nvPr>
+        </p:nvSpPr>
+        <p:spPr>
+          <a:xfrm>
+            <a:off x="0" y="0"/>
+            <a:ext cx="2971800" cy="458788"/>
+          </a:xfrm>
+          <a:prstGeom prst="rect">
+            <a:avLst/>
+          </a:prstGeom>
+        </p:spPr>
+        <p:txBody>
+          <a:bodyPr vert="horz" lIns="91440" tIns="45720" rIns="91440" bIns="45720" rtlCol="0"/>
+          <a:lstStyle>
+            <a:lvl1pPr algn="l">
+              <a:defRPr sz="1200"/>
+            </a:lvl1pPr>
+          </a:lstStyle>
+          <a:p>
+            <a:endParaRPr lang="fr-FR"/>
+          </a:p>
+        </p:txBody>
+      </p:sp>
+      <p:sp>
+        <p:nvSpPr>
+          <p:cNvPr id="3" name="Espace réservé de la date 2"/>
+          <p:cNvSpPr>
+            <a:spLocks noGrp="1"/>
+          </p:cNvSpPr>
+          <p:nvPr>
+            <p:ph type="dt" idx="1"/>
+          </p:nvPr>
+        </p:nvSpPr>
+        <p:spPr>
+          <a:xfrm>
+            <a:off x="3884613" y="0"/>
+            <a:ext cx="2971800" cy="458788"/>
+          </a:xfrm>
+          <a:prstGeom prst="rect">
+            <a:avLst/>
+          </a:prstGeom>
+        </p:spPr>
+        <p:txBody>
+          <a:bodyPr vert="horz" lIns="91440" tIns="45720" rIns="91440" bIns="45720" rtlCol="0"/>
+          <a:lstStyle>
+            <a:lvl1pPr algn="r">
+              <a:defRPr sz="1200"/>
+            </a:lvl1pPr>
+          </a:lstStyle>
+          <a:p>
+            <a:fld id="{E1BA7B84-7F6D-43DE-A1A8-9D2B5C7E98F7}" type="datetimeFigureOut">
+              <a:rPr lang="fr-FR" smtClean="0"/>
+              <a:t>20/02/2021</a:t>
+            </a:fld>
+            <a:endParaRPr lang="fr-FR"/>
+          </a:p>
+        </p:txBody>
+      </p:sp>
+      <p:sp>
+        <p:nvSpPr>
+          <p:cNvPr id="4" name="Espace réservé de l'image des diapositives 3"/>
+          <p:cNvSpPr>
+            <a:spLocks noGrp="1" noRot="1" noChangeAspect="1"/>
+          </p:cNvSpPr>
+          <p:nvPr>
+            <p:ph type="sldImg" idx="2"/>
+          </p:nvPr>
+        </p:nvSpPr>
+        <p:spPr>
+          <a:xfrm>
+            <a:off x="685800" y="1143000"/>
+            <a:ext cx="5486400" cy="3086100"/>
+          </a:xfrm>
+          <a:prstGeom prst="rect">
+            <a:avLst/>
+          </a:prstGeom>
+          <a:noFill/>
+          <a:ln w="12700">
+            <a:solidFill>
+              <a:prstClr val="black"/>
+            </a:solidFill>
+          </a:ln>
+        </p:spPr>
+        <p:txBody>
+          <a:bodyPr vert="horz" lIns="91440" tIns="45720" rIns="91440" bIns="45720" rtlCol="0" anchor="ctr"/>
+          <a:lstStyle/>
+          <a:p>
+            <a:endParaRPr lang="fr-FR"/>
+          </a:p>
+        </p:txBody>
+      </p:sp>
+      <p:sp>
+        <p:nvSpPr>
+          <p:cNvPr id="5" name="Espace réservé des notes 4"/>
+          <p:cNvSpPr>
+            <a:spLocks noGrp="1"/>
+          </p:cNvSpPr>
+          <p:nvPr>
+            <p:ph type="body" sz="quarter" idx="3"/>
+          </p:nvPr>
+        </p:nvSpPr>
+        <p:spPr>
+          <a:xfrm>
+            <a:off x="685800" y="4400550"/>
+            <a:ext cx="5486400" cy="3600450"/>
+          </a:xfrm>
+          <a:prstGeom prst="rect">
+            <a:avLst/>
+          </a:prstGeom>
+        </p:spPr>
+        <p:txBody>
+          <a:bodyPr vert="horz" lIns="91440" tIns="45720" rIns="91440" bIns="45720" rtlCol="0"/>
+          <a:lstStyle/>
+          <a:p>
+            <a:pPr lvl="0"/>
+            <a:r>
+              <a:rPr lang="fr-FR"/>
+              <a:t>Cliquez pour modifier les styles du texte du masque</a:t>
+            </a:r>
+          </a:p>
+          <a:p>
+            <a:pPr lvl="1"/>
+            <a:r>
+              <a:rPr lang="fr-FR"/>
+              <a:t>Deuxième niveau</a:t>
+            </a:r>
+          </a:p>
+          <a:p>
+            <a:pPr lvl="2"/>
+            <a:r>
+              <a:rPr lang="fr-FR"/>
+              <a:t>Troisième niveau</a:t>
+            </a:r>
+          </a:p>
+          <a:p>
+            <a:pPr lvl="3"/>
+            <a:r>
+              <a:rPr lang="fr-FR"/>
+              <a:t>Quatrième niveau</a:t>
+            </a:r>
+          </a:p>
+          <a:p>
+            <a:pPr lvl="4"/>
+            <a:r>
+              <a:rPr lang="fr-FR"/>
+              <a:t>Cinquième niveau</a:t>
+            </a:r>
+          </a:p>
+        </p:txBody>
+      </p:sp>
+      <p:sp>
+        <p:nvSpPr>
+          <p:cNvPr id="6" name="Espace réservé du pied de page 5"/>
+          <p:cNvSpPr>
+            <a:spLocks noGrp="1"/>
+          </p:cNvSpPr>
+          <p:nvPr>
+            <p:ph type="ftr" sz="quarter" idx="4"/>
+          </p:nvPr>
+        </p:nvSpPr>
+        <p:spPr>
+          <a:xfrm>
+            <a:off x="0" y="8685213"/>
+            <a:ext cx="2971800" cy="458787"/>
+          </a:xfrm>
+          <a:prstGeom prst="rect">
+            <a:avLst/>
+          </a:prstGeom>
+        </p:spPr>
+        <p:txBody>
+          <a:bodyPr vert="horz" lIns="91440" tIns="45720" rIns="91440" bIns="45720" rtlCol="0" anchor="b"/>
+          <a:lstStyle>
+            <a:lvl1pPr algn="l">
+              <a:defRPr sz="1200"/>
+            </a:lvl1pPr>
+          </a:lstStyle>
+          <a:p>
+            <a:endParaRPr lang="fr-FR"/>
+          </a:p>
+        </p:txBody>
+      </p:sp>
+      <p:sp>
+        <p:nvSpPr>
+          <p:cNvPr id="7" name="Espace réservé du numéro de diapositive 6"/>
+          <p:cNvSpPr>
+            <a:spLocks noGrp="1"/>
+          </p:cNvSpPr>
+          <p:nvPr>
+            <p:ph type="sldNum" sz="quarter" idx="5"/>
+          </p:nvPr>
+        </p:nvSpPr>
+        <p:spPr>
+          <a:xfrm>
+            <a:off x="3884613" y="8685213"/>
+            <a:ext cx="2971800" cy="458787"/>
+          </a:xfrm>
+          <a:prstGeom prst="rect">
+            <a:avLst/>
+          </a:prstGeom>
+        </p:spPr>
+        <p:txBody>
+          <a:bodyPr vert="horz" lIns="91440" tIns="45720" rIns="91440" bIns="45720" rtlCol="0" anchor="b"/>
+          <a:lstStyle>
+            <a:lvl1pPr algn="r">
+              <a:defRPr sz="1200"/>
+            </a:lvl1pPr>
+          </a:lstStyle>
+          <a:p>
+            <a:fld id="{00E9AC4B-A1A3-46CB-B485-674FCB589027}" type="slidenum">
+              <a:rPr lang="fr-FR" smtClean="0"/>
+              <a:t>‹N°›</a:t>
+            </a:fld>
+            <a:endParaRPr lang="fr-FR"/>
+          </a:p>
+        </p:txBody>
+      </p:sp>
+    </p:spTree>
+    <p:extLst>
+      <p:ext uri="{BB962C8B-B14F-4D97-AF65-F5344CB8AC3E}">
+        <p14:creationId xmlns:p14="http://schemas.microsoft.com/office/powerpoint/2010/main" val="737769450"/>
+      </p:ext>
+    </p:extLst>
+  </p:cSld>
+  <p:clrMap bg1="lt1" tx1="dk1" bg2="lt2" tx2="dk2" accent1="accent1" accent2="accent2" accent3="accent3" accent4="accent4" accent5="accent5" accent6="accent6" hlink="hlink" folHlink="folHlink"/>
+  <p:notesStyle>
+    <a:lvl1pPr marL="0" algn="l" defTabSz="914400" rtl="0" eaLnBrk="1" latinLnBrk="0" hangingPunct="1">
+      <a:defRPr sz="1200" kern="1200">
+        <a:solidFill>
+          <a:schemeClr val="tx1"/>
+        </a:solidFill>
+        <a:latin typeface="+mn-lt"/>
+        <a:ea typeface="+mn-ea"/>
+        <a:cs typeface="+mn-cs"/>
+      </a:defRPr>
+    </a:lvl1pPr>
+    <a:lvl2pPr marL="457200" algn="l" defTabSz="914400" rtl="0" eaLnBrk="1" latinLnBrk="0" hangingPunct="1">
+      <a:defRPr sz="1200" kern="1200">
+        <a:solidFill>
+          <a:schemeClr val="tx1"/>
+        </a:solidFill>
+        <a:latin typeface="+mn-lt"/>
+        <a:ea typeface="+mn-ea"/>
+        <a:cs typeface="+mn-cs"/>
+      </a:defRPr>
+    </a:lvl2pPr>
+    <a:lvl3pPr marL="914400" algn="l" defTabSz="914400" rtl="0" eaLnBrk="1" latinLnBrk="0" hangingPunct="1">
+      <a:defRPr sz="1200" kern="1200">
+        <a:solidFill>
+          <a:schemeClr val="tx1"/>
+        </a:solidFill>
+        <a:latin typeface="+mn-lt"/>
+        <a:ea typeface="+mn-ea"/>
+        <a:cs typeface="+mn-cs"/>
+      </a:defRPr>
+    </a:lvl3pPr>
+    <a:lvl4pPr marL="1371600" algn="l" defTabSz="914400" rtl="0" eaLnBrk="1" latinLnBrk="0" hangingPunct="1">
+      <a:defRPr sz="1200" kern="1200">
+        <a:solidFill>
+          <a:schemeClr val="tx1"/>
+        </a:solidFill>
+        <a:latin typeface="+mn-lt"/>
+        <a:ea typeface="+mn-ea"/>
+        <a:cs typeface="+mn-cs"/>
+      </a:defRPr>
+    </a:lvl4pPr>
+    <a:lvl5pPr marL="1828800" algn="l" defTabSz="914400" rtl="0" eaLnBrk="1" latinLnBrk="0" hangingPunct="1">
+      <a:defRPr sz="1200" kern="1200">
+        <a:solidFill>
+          <a:schemeClr val="tx1"/>
+        </a:solidFill>
+        <a:latin typeface="+mn-lt"/>
+        <a:ea typeface="+mn-ea"/>
+        <a:cs typeface="+mn-cs"/>
+      </a:defRPr>
+    </a:lvl5pPr>
+    <a:lvl6pPr marL="2286000" algn="l" defTabSz="914400" rtl="0" eaLnBrk="1" latinLnBrk="0" hangingPunct="1">
+      <a:defRPr sz="1200" kern="1200">
+        <a:solidFill>
+          <a:schemeClr val="tx1"/>
+        </a:solidFill>
+        <a:latin typeface="+mn-lt"/>
+        <a:ea typeface="+mn-ea"/>
+        <a:cs typeface="+mn-cs"/>
+      </a:defRPr>
+    </a:lvl6pPr>
+    <a:lvl7pPr marL="2743200" algn="l" defTabSz="914400" rtl="0" eaLnBrk="1" latinLnBrk="0" hangingPunct="1">
+      <a:defRPr sz="1200" kern="1200">
+        <a:solidFill>
+          <a:schemeClr val="tx1"/>
+        </a:solidFill>
+        <a:latin typeface="+mn-lt"/>
+        <a:ea typeface="+mn-ea"/>
+        <a:cs typeface="+mn-cs"/>
+      </a:defRPr>
+    </a:lvl7pPr>
+    <a:lvl8pPr marL="3200400" algn="l" defTabSz="914400" rtl="0" eaLnBrk="1" latinLnBrk="0" hangingPunct="1">
+      <a:defRPr sz="1200" kern="1200">
+        <a:solidFill>
+          <a:schemeClr val="tx1"/>
+        </a:solidFill>
+        <a:latin typeface="+mn-lt"/>
+        <a:ea typeface="+mn-ea"/>
+        <a:cs typeface="+mn-cs"/>
+      </a:defRPr>
+    </a:lvl8pPr>
+    <a:lvl9pPr marL="3657600" algn="l" defTabSz="914400" rtl="0" eaLnBrk="1" latinLnBrk="0" hangingPunct="1">
+      <a:defRPr sz="1200" kern="1200">
+        <a:solidFill>
+          <a:schemeClr val="tx1"/>
+        </a:solidFill>
+        <a:latin typeface="+mn-lt"/>
+        <a:ea typeface="+mn-ea"/>
+        <a:cs typeface="+mn-cs"/>
+      </a:defRPr>
+    </a:lvl9pPr>
+  </p:notesStyle>
+</p:notesMaster>
+</file>
+
+<file path=ppt/notesSlides/notesSlide1.xml><?xml version="1.0" encoding="utf-8"?>
+<p:notes xmlns:a="http://schemas.openxmlformats.org/drawingml/2006/main" xmlns:r="http://schemas.openxmlformats.org/officeDocument/2006/relationships" xmlns:p="http://schemas.openxmlformats.org/presentationml/2006/main">
+  <p:cSld>
+    <p:spTree>
+      <p:nvGrpSpPr>
+        <p:cNvPr id="1" name=""/>
+        <p:cNvGrpSpPr/>
+        <p:nvPr/>
+      </p:nvGrpSpPr>
+      <p:grpSpPr>
+        <a:xfrm>
+          <a:off x="0" y="0"/>
+          <a:ext cx="0" cy="0"/>
+          <a:chOff x="0" y="0"/>
+          <a:chExt cx="0" cy="0"/>
+        </a:xfrm>
+      </p:grpSpPr>
+      <p:sp>
+        <p:nvSpPr>
+          <p:cNvPr id="2" name="Espace réservé de l'image des diapositives 1"/>
+          <p:cNvSpPr>
+            <a:spLocks noGrp="1" noRot="1" noChangeAspect="1"/>
+          </p:cNvSpPr>
+          <p:nvPr>
+            <p:ph type="sldImg"/>
+          </p:nvPr>
+        </p:nvSpPr>
+        <p:spPr/>
+      </p:sp>
+      <p:sp>
+        <p:nvSpPr>
+          <p:cNvPr id="3" name="Espace réservé des notes 2"/>
+          <p:cNvSpPr>
+            <a:spLocks noGrp="1"/>
+          </p:cNvSpPr>
+          <p:nvPr>
+            <p:ph type="body" idx="1"/>
+          </p:nvPr>
+        </p:nvSpPr>
+        <p:spPr/>
+        <p:txBody>
+          <a:bodyPr/>
+          <a:lstStyle/>
+          <a:p>
+            <a:endParaRPr lang="fr-FR" dirty="0"/>
+          </a:p>
+        </p:txBody>
+      </p:sp>
+      <p:sp>
+        <p:nvSpPr>
+          <p:cNvPr id="4" name="Espace réservé du numéro de diapositive 3"/>
+          <p:cNvSpPr>
+            <a:spLocks noGrp="1"/>
+          </p:cNvSpPr>
+          <p:nvPr>
+            <p:ph type="sldNum" sz="quarter" idx="5"/>
+          </p:nvPr>
+        </p:nvSpPr>
+        <p:spPr/>
+        <p:txBody>
+          <a:bodyPr/>
+          <a:lstStyle/>
+          <a:p>
+            <a:fld id="{00E9AC4B-A1A3-46CB-B485-674FCB589027}" type="slidenum">
+              <a:rPr lang="fr-FR" smtClean="0"/>
+              <a:t>12</a:t>
+            </a:fld>
+            <a:endParaRPr lang="fr-FR"/>
+          </a:p>
+        </p:txBody>
+      </p:sp>
+    </p:spTree>
+    <p:extLst>
+      <p:ext uri="{BB962C8B-B14F-4D97-AF65-F5344CB8AC3E}">
+        <p14:creationId xmlns:p14="http://schemas.microsoft.com/office/powerpoint/2010/main" val="2602113774"/>
+      </p:ext>
+    </p:extLst>
+  </p:cSld>
+  <p:clrMapOvr>
+    <a:masterClrMapping/>
+  </p:clrMapOvr>
+</p:notes>
+</file>
+
 <file path=ppt/slideLayouts/slideLayout1.xml><?xml version="1.0" encoding="utf-8"?>
 <p:sldLayout xmlns:a="http://schemas.openxmlformats.org/drawingml/2006/main" xmlns:r="http://schemas.openxmlformats.org/officeDocument/2006/relationships" xmlns:p="http://schemas.openxmlformats.org/presentationml/2006/main" showMasterSp="0" type="title" preserve="1">
   <p:cSld name="Title Slide">
@@ -461,9 +897,9 @@
             </a:lvl1pPr>
           </a:lstStyle>
           <a:p>
-            <a:fld id="{B35C6026-1E2D-41A2-8CE3-76544FD0B1C2}" type="datetimeFigureOut">
+            <a:fld id="{080759F4-9793-4C8D-B121-987A096EA578}" type="datetime1">
               <a:rPr lang="fr-FR" smtClean="0"/>
-              <a:t>17/02/2021</a:t>
+              <a:t>20/02/2021</a:t>
             </a:fld>
             <a:endParaRPr lang="fr-FR" dirty="0"/>
           </a:p>
@@ -1548,9 +1984,9 @@
           <a:bodyPr/>
           <a:lstStyle/>
           <a:p>
-            <a:fld id="{B35C6026-1E2D-41A2-8CE3-76544FD0B1C2}" type="datetimeFigureOut">
+            <a:fld id="{4478269A-01D5-4DCB-A24A-F385DB247C1A}" type="datetime1">
               <a:rPr lang="fr-FR" smtClean="0"/>
-              <a:t>17/02/2021</a:t>
+              <a:t>20/02/2021</a:t>
             </a:fld>
             <a:endParaRPr lang="fr-FR" dirty="0"/>
           </a:p>
@@ -2528,9 +2964,9 @@
           <a:bodyPr/>
           <a:lstStyle/>
           <a:p>
-            <a:fld id="{B35C6026-1E2D-41A2-8CE3-76544FD0B1C2}" type="datetimeFigureOut">
+            <a:fld id="{A3BBB640-D64D-4706-B4FE-B9B8887745B6}" type="datetime1">
               <a:rPr lang="fr-FR" smtClean="0"/>
-              <a:t>17/02/2021</a:t>
+              <a:t>20/02/2021</a:t>
             </a:fld>
             <a:endParaRPr lang="fr-FR" dirty="0"/>
           </a:p>
@@ -3662,9 +4098,9 @@
           <a:bodyPr/>
           <a:lstStyle/>
           <a:p>
-            <a:fld id="{B35C6026-1E2D-41A2-8CE3-76544FD0B1C2}" type="datetimeFigureOut">
+            <a:fld id="{769798C1-2EB2-400B-8C35-57FC77811FB3}" type="datetime1">
               <a:rPr lang="fr-FR" smtClean="0"/>
-              <a:t>17/02/2021</a:t>
+              <a:t>20/02/2021</a:t>
             </a:fld>
             <a:endParaRPr lang="fr-FR" dirty="0"/>
           </a:p>
@@ -4695,9 +5131,9 @@
           <a:bodyPr/>
           <a:lstStyle/>
           <a:p>
-            <a:fld id="{B35C6026-1E2D-41A2-8CE3-76544FD0B1C2}" type="datetimeFigureOut">
+            <a:fld id="{0F7C130D-0FC3-457F-8CFF-584D556E33F2}" type="datetime1">
               <a:rPr lang="fr-FR" smtClean="0"/>
-              <a:t>17/02/2021</a:t>
+              <a:t>20/02/2021</a:t>
             </a:fld>
             <a:endParaRPr lang="fr-FR" dirty="0"/>
           </a:p>
@@ -5355,9 +5791,9 @@
           <a:bodyPr/>
           <a:lstStyle/>
           <a:p>
-            <a:fld id="{B35C6026-1E2D-41A2-8CE3-76544FD0B1C2}" type="datetimeFigureOut">
+            <a:fld id="{F319E569-5563-48D8-B98A-49A69AF6388B}" type="datetime1">
               <a:rPr lang="fr-FR" smtClean="0"/>
-              <a:t>17/02/2021</a:t>
+              <a:t>20/02/2021</a:t>
             </a:fld>
             <a:endParaRPr lang="fr-FR" dirty="0"/>
           </a:p>
@@ -6213,9 +6649,9 @@
           <a:bodyPr/>
           <a:lstStyle/>
           <a:p>
-            <a:fld id="{B35C6026-1E2D-41A2-8CE3-76544FD0B1C2}" type="datetimeFigureOut">
+            <a:fld id="{0CDCEE45-3856-4FCB-876F-2274B2A61422}" type="datetime1">
               <a:rPr lang="fr-FR" smtClean="0"/>
-              <a:t>17/02/2021</a:t>
+              <a:t>20/02/2021</a:t>
             </a:fld>
             <a:endParaRPr lang="fr-FR" dirty="0"/>
           </a:p>
@@ -6403,9 +6839,9 @@
           <a:bodyPr/>
           <a:lstStyle/>
           <a:p>
-            <a:fld id="{B35C6026-1E2D-41A2-8CE3-76544FD0B1C2}" type="datetimeFigureOut">
+            <a:fld id="{CC092381-A3C5-478F-B647-C7378C07423F}" type="datetime1">
               <a:rPr lang="fr-FR" smtClean="0"/>
-              <a:t>17/02/2021</a:t>
+              <a:t>20/02/2021</a:t>
             </a:fld>
             <a:endParaRPr lang="fr-FR" dirty="0"/>
           </a:p>
@@ -7375,9 +7811,9 @@
           <a:bodyPr/>
           <a:lstStyle/>
           <a:p>
-            <a:fld id="{B35C6026-1E2D-41A2-8CE3-76544FD0B1C2}" type="datetimeFigureOut">
+            <a:fld id="{0F646D42-FC3A-4140-B636-D7378DF2D732}" type="datetime1">
               <a:rPr lang="fr-FR" smtClean="0"/>
-              <a:t>17/02/2021</a:t>
+              <a:t>20/02/2021</a:t>
             </a:fld>
             <a:endParaRPr lang="fr-FR" dirty="0"/>
           </a:p>
@@ -7586,9 +8022,9 @@
           <a:bodyPr/>
           <a:lstStyle/>
           <a:p>
-            <a:fld id="{B35C6026-1E2D-41A2-8CE3-76544FD0B1C2}" type="datetimeFigureOut">
+            <a:fld id="{834C1D93-C9E3-4411-89A6-7F2B8E064C7C}" type="datetime1">
               <a:rPr lang="fr-FR" smtClean="0"/>
-              <a:t>17/02/2021</a:t>
+              <a:t>20/02/2021</a:t>
             </a:fld>
             <a:endParaRPr lang="fr-FR" dirty="0"/>
           </a:p>
@@ -8620,9 +9056,9 @@
           <a:bodyPr/>
           <a:lstStyle/>
           <a:p>
-            <a:fld id="{B35C6026-1E2D-41A2-8CE3-76544FD0B1C2}" type="datetimeFigureOut">
+            <a:fld id="{27F7B781-F406-45F8-8121-E5B7E899720D}" type="datetime1">
               <a:rPr lang="fr-FR" smtClean="0"/>
-              <a:t>17/02/2021</a:t>
+              <a:t>20/02/2021</a:t>
             </a:fld>
             <a:endParaRPr lang="fr-FR" dirty="0"/>
           </a:p>
@@ -8892,9 +9328,9 @@
           <a:bodyPr/>
           <a:lstStyle/>
           <a:p>
-            <a:fld id="{B35C6026-1E2D-41A2-8CE3-76544FD0B1C2}" type="datetimeFigureOut">
+            <a:fld id="{BFA643CD-C94C-4F2D-8BDC-72F710CC1E09}" type="datetime1">
               <a:rPr lang="fr-FR" smtClean="0"/>
-              <a:t>17/02/2021</a:t>
+              <a:t>20/02/2021</a:t>
             </a:fld>
             <a:endParaRPr lang="fr-FR" dirty="0"/>
           </a:p>
@@ -9302,9 +9738,9 @@
           <a:bodyPr/>
           <a:lstStyle/>
           <a:p>
-            <a:fld id="{B35C6026-1E2D-41A2-8CE3-76544FD0B1C2}" type="datetimeFigureOut">
+            <a:fld id="{7B2BEC34-6FBA-4486-80A5-27C30F8C492C}" type="datetime1">
               <a:rPr lang="fr-FR" smtClean="0"/>
-              <a:t>17/02/2021</a:t>
+              <a:t>20/02/2021</a:t>
             </a:fld>
             <a:endParaRPr lang="fr-FR" dirty="0"/>
           </a:p>
@@ -9429,9 +9865,9 @@
           <a:bodyPr/>
           <a:lstStyle/>
           <a:p>
-            <a:fld id="{B35C6026-1E2D-41A2-8CE3-76544FD0B1C2}" type="datetimeFigureOut">
+            <a:fld id="{11ACD6B2-723A-4BD0-9550-7961E9ECCE4D}" type="datetime1">
               <a:rPr lang="fr-FR" smtClean="0"/>
-              <a:t>17/02/2021</a:t>
+              <a:t>20/02/2021</a:t>
             </a:fld>
             <a:endParaRPr lang="fr-FR" dirty="0"/>
           </a:p>
@@ -9524,9 +9960,9 @@
           <a:bodyPr/>
           <a:lstStyle/>
           <a:p>
-            <a:fld id="{B35C6026-1E2D-41A2-8CE3-76544FD0B1C2}" type="datetimeFigureOut">
+            <a:fld id="{12D1D48C-6C76-4C3E-8E3D-7C77086D8BD7}" type="datetime1">
               <a:rPr lang="fr-FR" smtClean="0"/>
-              <a:t>17/02/2021</a:t>
+              <a:t>20/02/2021</a:t>
             </a:fld>
             <a:endParaRPr lang="fr-FR" dirty="0"/>
           </a:p>
@@ -10605,9 +11041,9 @@
           <a:bodyPr/>
           <a:lstStyle/>
           <a:p>
-            <a:fld id="{B35C6026-1E2D-41A2-8CE3-76544FD0B1C2}" type="datetimeFigureOut">
+            <a:fld id="{0555328C-E78D-4240-A562-FB9A5A87604F}" type="datetime1">
               <a:rPr lang="fr-FR" smtClean="0"/>
-              <a:t>17/02/2021</a:t>
+              <a:t>20/02/2021</a:t>
             </a:fld>
             <a:endParaRPr lang="fr-FR" dirty="0"/>
           </a:p>
@@ -11712,9 +12148,9 @@
           <a:bodyPr/>
           <a:lstStyle/>
           <a:p>
-            <a:fld id="{B35C6026-1E2D-41A2-8CE3-76544FD0B1C2}" type="datetimeFigureOut">
+            <a:fld id="{93EB9D37-DFF6-4BD0-BBDE-5B663FE63329}" type="datetime1">
               <a:rPr lang="fr-FR" smtClean="0"/>
-              <a:t>17/02/2021</a:t>
+              <a:t>20/02/2021</a:t>
             </a:fld>
             <a:endParaRPr lang="fr-FR" dirty="0"/>
           </a:p>
@@ -12709,9 +13145,9 @@
             </a:lvl1pPr>
           </a:lstStyle>
           <a:p>
-            <a:fld id="{B35C6026-1E2D-41A2-8CE3-76544FD0B1C2}" type="datetimeFigureOut">
+            <a:fld id="{D2F43D54-7985-4F1F-8934-DF4BD71B36EA}" type="datetime1">
               <a:rPr lang="fr-FR" smtClean="0"/>
-              <a:t>17/02/2021</a:t>
+              <a:t>20/02/2021</a:t>
             </a:fld>
             <a:endParaRPr lang="fr-FR" dirty="0"/>
           </a:p>
@@ -12854,6 +13290,7 @@
     <p:sldLayoutId id="2147483676" r:id="rId16"/>
     <p:sldLayoutId id="2147483677" r:id="rId17"/>
   </p:sldLayoutIdLst>
+  <p:hf hdr="0" ftr="0" dt="0"/>
   <p:txStyles>
     <p:titleStyle>
       <a:lvl1pPr algn="l" defTabSz="457200" rtl="0" eaLnBrk="1" latinLnBrk="0" hangingPunct="1">
@@ -13318,6 +13755,35 @@
           </a:p>
         </p:txBody>
       </p:sp>
+      <p:sp>
+        <p:nvSpPr>
+          <p:cNvPr id="4" name="Espace réservé du numéro de diapositive 3">
+            <a:extLst>
+              <a:ext uri="{FF2B5EF4-FFF2-40B4-BE49-F238E27FC236}">
+                <a16:creationId xmlns:a16="http://schemas.microsoft.com/office/drawing/2014/main" id="{EFFBD21C-0AD2-4D7F-9F4E-384DF12366B3}"/>
+              </a:ext>
+            </a:extLst>
+          </p:cNvPr>
+          <p:cNvSpPr>
+            <a:spLocks noGrp="1"/>
+          </p:cNvSpPr>
+          <p:nvPr>
+            <p:ph type="sldNum" sz="quarter" idx="12"/>
+          </p:nvPr>
+        </p:nvSpPr>
+        <p:spPr/>
+        <p:txBody>
+          <a:bodyPr/>
+          <a:lstStyle/>
+          <a:p>
+            <a:fld id="{75462682-1E11-49BB-B5A9-AF67021C5DDE}" type="slidenum">
+              <a:rPr lang="fr-FR" smtClean="0"/>
+              <a:t>1</a:t>
+            </a:fld>
+            <a:endParaRPr lang="fr-FR" dirty="0"/>
+          </a:p>
+        </p:txBody>
+      </p:sp>
     </p:spTree>
     <p:extLst>
       <p:ext uri="{BB962C8B-B14F-4D97-AF65-F5344CB8AC3E}">
@@ -13454,6 +13920,35 @@
           </a:prstGeom>
         </p:spPr>
       </p:pic>
+      <p:sp>
+        <p:nvSpPr>
+          <p:cNvPr id="4" name="Espace réservé du numéro de diapositive 3">
+            <a:extLst>
+              <a:ext uri="{FF2B5EF4-FFF2-40B4-BE49-F238E27FC236}">
+                <a16:creationId xmlns:a16="http://schemas.microsoft.com/office/drawing/2014/main" id="{005ED97A-336D-4701-8895-F6ED97460DF7}"/>
+              </a:ext>
+            </a:extLst>
+          </p:cNvPr>
+          <p:cNvSpPr>
+            <a:spLocks noGrp="1"/>
+          </p:cNvSpPr>
+          <p:nvPr>
+            <p:ph type="sldNum" sz="quarter" idx="12"/>
+          </p:nvPr>
+        </p:nvSpPr>
+        <p:spPr/>
+        <p:txBody>
+          <a:bodyPr/>
+          <a:lstStyle/>
+          <a:p>
+            <a:fld id="{75462682-1E11-49BB-B5A9-AF67021C5DDE}" type="slidenum">
+              <a:rPr lang="fr-FR" smtClean="0"/>
+              <a:t>10</a:t>
+            </a:fld>
+            <a:endParaRPr lang="fr-FR" dirty="0"/>
+          </a:p>
+        </p:txBody>
+      </p:sp>
     </p:spTree>
     <p:extLst>
       <p:ext uri="{BB962C8B-B14F-4D97-AF65-F5344CB8AC3E}">
@@ -13605,6 +14100,35 @@
           </a:prstGeom>
         </p:spPr>
       </p:pic>
+      <p:sp>
+        <p:nvSpPr>
+          <p:cNvPr id="4" name="Espace réservé du numéro de diapositive 3">
+            <a:extLst>
+              <a:ext uri="{FF2B5EF4-FFF2-40B4-BE49-F238E27FC236}">
+                <a16:creationId xmlns:a16="http://schemas.microsoft.com/office/drawing/2014/main" id="{817F7EF0-562E-4304-9F4F-32405062F889}"/>
+              </a:ext>
+            </a:extLst>
+          </p:cNvPr>
+          <p:cNvSpPr>
+            <a:spLocks noGrp="1"/>
+          </p:cNvSpPr>
+          <p:nvPr>
+            <p:ph type="sldNum" sz="quarter" idx="12"/>
+          </p:nvPr>
+        </p:nvSpPr>
+        <p:spPr/>
+        <p:txBody>
+          <a:bodyPr/>
+          <a:lstStyle/>
+          <a:p>
+            <a:fld id="{75462682-1E11-49BB-B5A9-AF67021C5DDE}" type="slidenum">
+              <a:rPr lang="fr-FR" smtClean="0"/>
+              <a:t>11</a:t>
+            </a:fld>
+            <a:endParaRPr lang="fr-FR" dirty="0"/>
+          </a:p>
+        </p:txBody>
+      </p:sp>
     </p:spTree>
     <p:extLst>
       <p:ext uri="{BB962C8B-B14F-4D97-AF65-F5344CB8AC3E}">
@@ -13663,12 +14187,41 @@
           </a:p>
         </p:txBody>
       </p:sp>
+      <p:sp>
+        <p:nvSpPr>
+          <p:cNvPr id="3" name="Espace réservé du numéro de diapositive 2">
+            <a:extLst>
+              <a:ext uri="{FF2B5EF4-FFF2-40B4-BE49-F238E27FC236}">
+                <a16:creationId xmlns:a16="http://schemas.microsoft.com/office/drawing/2014/main" id="{ED0B7E3E-88E6-4B60-86B6-0A7D07FCA80D}"/>
+              </a:ext>
+            </a:extLst>
+          </p:cNvPr>
+          <p:cNvSpPr>
+            <a:spLocks noGrp="1"/>
+          </p:cNvSpPr>
+          <p:nvPr>
+            <p:ph type="sldNum" sz="quarter" idx="12"/>
+          </p:nvPr>
+        </p:nvSpPr>
+        <p:spPr/>
+        <p:txBody>
+          <a:bodyPr/>
+          <a:lstStyle/>
+          <a:p>
+            <a:fld id="{75462682-1E11-49BB-B5A9-AF67021C5DDE}" type="slidenum">
+              <a:rPr lang="fr-FR" smtClean="0"/>
+              <a:t>12</a:t>
+            </a:fld>
+            <a:endParaRPr lang="fr-FR" dirty="0"/>
+          </a:p>
+        </p:txBody>
+      </p:sp>
       <p:pic>
         <p:nvPicPr>
-          <p:cNvPr id="7" name="Image 6">
+          <p:cNvPr id="5" name="Image 4">
             <a:extLst>
               <a:ext uri="{FF2B5EF4-FFF2-40B4-BE49-F238E27FC236}">
-                <a16:creationId xmlns:a16="http://schemas.microsoft.com/office/drawing/2014/main" id="{48987028-FB22-4689-802A-3019ED1F8764}"/>
+                <a16:creationId xmlns:a16="http://schemas.microsoft.com/office/drawing/2014/main" id="{1FB921AB-F85C-4E1C-9EA9-EE5D2CF40F3B}"/>
               </a:ext>
             </a:extLst>
           </p:cNvPr>
@@ -13678,15 +14231,15 @@
           <p:nvPr/>
         </p:nvPicPr>
         <p:blipFill>
-          <a:blip r:embed="rId2"/>
+          <a:blip r:embed="rId3"/>
           <a:stretch>
             <a:fillRect/>
           </a:stretch>
         </p:blipFill>
         <p:spPr>
           <a:xfrm>
-            <a:off x="1300994" y="1897185"/>
-            <a:ext cx="9305925" cy="4714875"/>
+            <a:off x="2143561" y="1982553"/>
+            <a:ext cx="7688335" cy="4272834"/>
           </a:xfrm>
           <a:prstGeom prst="rect">
             <a:avLst/>
@@ -13806,7 +14359,7 @@
         </p:nvSpPr>
         <p:spPr>
           <a:xfrm>
-            <a:off x="6317247" y="3101394"/>
+            <a:off x="6405332" y="2665166"/>
             <a:ext cx="4909351" cy="1384995"/>
           </a:xfrm>
           <a:prstGeom prst="rect">
@@ -13902,10 +14455,10 @@
       </p:sp>
       <p:pic>
         <p:nvPicPr>
-          <p:cNvPr id="12" name="Image 11">
+          <p:cNvPr id="14" name="Image 13">
             <a:extLst>
               <a:ext uri="{FF2B5EF4-FFF2-40B4-BE49-F238E27FC236}">
-                <a16:creationId xmlns:a16="http://schemas.microsoft.com/office/drawing/2014/main" id="{2A599E2A-3642-44B2-936F-3B3448BE3A36}"/>
+                <a16:creationId xmlns:a16="http://schemas.microsoft.com/office/drawing/2014/main" id="{F22005E9-A103-4301-BE0F-5E279B5E2A7B}"/>
               </a:ext>
             </a:extLst>
           </p:cNvPr>
@@ -13922,37 +14475,7 @@
         </p:blipFill>
         <p:spPr>
           <a:xfrm>
-            <a:off x="6356597" y="2280103"/>
-            <a:ext cx="5362575" cy="714375"/>
-          </a:xfrm>
-          <a:prstGeom prst="rect">
-            <a:avLst/>
-          </a:prstGeom>
-        </p:spPr>
-      </p:pic>
-      <p:pic>
-        <p:nvPicPr>
-          <p:cNvPr id="14" name="Image 13">
-            <a:extLst>
-              <a:ext uri="{FF2B5EF4-FFF2-40B4-BE49-F238E27FC236}">
-                <a16:creationId xmlns:a16="http://schemas.microsoft.com/office/drawing/2014/main" id="{F22005E9-A103-4301-BE0F-5E279B5E2A7B}"/>
-              </a:ext>
-            </a:extLst>
-          </p:cNvPr>
-          <p:cNvPicPr>
-            <a:picLocks noChangeAspect="1"/>
-          </p:cNvPicPr>
-          <p:nvPr/>
-        </p:nvPicPr>
-        <p:blipFill>
-          <a:blip r:embed="rId4"/>
-          <a:stretch>
-            <a:fillRect/>
-          </a:stretch>
-        </p:blipFill>
-        <p:spPr>
-          <a:xfrm>
-            <a:off x="7376510" y="4593305"/>
+            <a:off x="7191952" y="4285598"/>
             <a:ext cx="2790825" cy="752475"/>
           </a:xfrm>
           <a:prstGeom prst="rect">
@@ -13960,6 +14483,35 @@
           </a:prstGeom>
         </p:spPr>
       </p:pic>
+      <p:sp>
+        <p:nvSpPr>
+          <p:cNvPr id="3" name="Espace réservé du numéro de diapositive 2">
+            <a:extLst>
+              <a:ext uri="{FF2B5EF4-FFF2-40B4-BE49-F238E27FC236}">
+                <a16:creationId xmlns:a16="http://schemas.microsoft.com/office/drawing/2014/main" id="{4CB0798B-3752-4952-A6C6-16C0146B57B4}"/>
+              </a:ext>
+            </a:extLst>
+          </p:cNvPr>
+          <p:cNvSpPr>
+            <a:spLocks noGrp="1"/>
+          </p:cNvSpPr>
+          <p:nvPr>
+            <p:ph type="sldNum" sz="quarter" idx="12"/>
+          </p:nvPr>
+        </p:nvSpPr>
+        <p:spPr/>
+        <p:txBody>
+          <a:bodyPr/>
+          <a:lstStyle/>
+          <a:p>
+            <a:fld id="{75462682-1E11-49BB-B5A9-AF67021C5DDE}" type="slidenum">
+              <a:rPr lang="fr-FR" smtClean="0"/>
+              <a:t>13</a:t>
+            </a:fld>
+            <a:endParaRPr lang="fr-FR" dirty="0"/>
+          </a:p>
+        </p:txBody>
+      </p:sp>
     </p:spTree>
     <p:extLst>
       <p:ext uri="{BB962C8B-B14F-4D97-AF65-F5344CB8AC3E}">
@@ -14139,36 +14691,6 @@
           </a:p>
         </p:txBody>
       </p:sp>
-      <p:pic>
-        <p:nvPicPr>
-          <p:cNvPr id="12" name="Image 11">
-            <a:extLst>
-              <a:ext uri="{FF2B5EF4-FFF2-40B4-BE49-F238E27FC236}">
-                <a16:creationId xmlns:a16="http://schemas.microsoft.com/office/drawing/2014/main" id="{98E8420E-81EC-4DC8-BE35-B2087FC817D6}"/>
-              </a:ext>
-            </a:extLst>
-          </p:cNvPr>
-          <p:cNvPicPr>
-            <a:picLocks noChangeAspect="1"/>
-          </p:cNvPicPr>
-          <p:nvPr/>
-        </p:nvPicPr>
-        <p:blipFill>
-          <a:blip r:embed="rId3"/>
-          <a:stretch>
-            <a:fillRect/>
-          </a:stretch>
-        </p:blipFill>
-        <p:spPr>
-          <a:xfrm>
-            <a:off x="6393462" y="2242952"/>
-            <a:ext cx="5381625" cy="809625"/>
-          </a:xfrm>
-          <a:prstGeom prst="rect">
-            <a:avLst/>
-          </a:prstGeom>
-        </p:spPr>
-      </p:pic>
       <p:sp>
         <p:nvSpPr>
           <p:cNvPr id="13" name="ZoneTexte 12">
@@ -14183,7 +14705,7 @@
         </p:nvSpPr>
         <p:spPr>
           <a:xfrm>
-            <a:off x="6317247" y="3101394"/>
+            <a:off x="6419032" y="2606443"/>
             <a:ext cx="4909351" cy="1384995"/>
           </a:xfrm>
           <a:prstGeom prst="rect">
@@ -14292,14 +14814,14 @@
           <p:nvPr/>
         </p:nvPicPr>
         <p:blipFill>
-          <a:blip r:embed="rId4"/>
+          <a:blip r:embed="rId3"/>
           <a:stretch>
             <a:fillRect/>
           </a:stretch>
         </p:blipFill>
         <p:spPr>
           <a:xfrm>
-            <a:off x="7688861" y="4535206"/>
+            <a:off x="7478294" y="4312898"/>
             <a:ext cx="2790825" cy="676275"/>
           </a:xfrm>
           <a:prstGeom prst="rect">
@@ -14307,6 +14829,35 @@
           </a:prstGeom>
         </p:spPr>
       </p:pic>
+      <p:sp>
+        <p:nvSpPr>
+          <p:cNvPr id="2" name="Espace réservé du numéro de diapositive 1">
+            <a:extLst>
+              <a:ext uri="{FF2B5EF4-FFF2-40B4-BE49-F238E27FC236}">
+                <a16:creationId xmlns:a16="http://schemas.microsoft.com/office/drawing/2014/main" id="{37035C2B-4A70-4E4C-9269-0D9D5752269E}"/>
+              </a:ext>
+            </a:extLst>
+          </p:cNvPr>
+          <p:cNvSpPr>
+            <a:spLocks noGrp="1"/>
+          </p:cNvSpPr>
+          <p:nvPr>
+            <p:ph type="sldNum" sz="quarter" idx="12"/>
+          </p:nvPr>
+        </p:nvSpPr>
+        <p:spPr/>
+        <p:txBody>
+          <a:bodyPr/>
+          <a:lstStyle/>
+          <a:p>
+            <a:fld id="{75462682-1E11-49BB-B5A9-AF67021C5DDE}" type="slidenum">
+              <a:rPr lang="fr-FR" smtClean="0"/>
+              <a:t>14</a:t>
+            </a:fld>
+            <a:endParaRPr lang="fr-FR" dirty="0"/>
+          </a:p>
+        </p:txBody>
+      </p:sp>
     </p:spTree>
     <p:extLst>
       <p:ext uri="{BB962C8B-B14F-4D97-AF65-F5344CB8AC3E}">
@@ -14486,36 +15037,6 @@
           </a:prstGeom>
         </p:spPr>
       </p:pic>
-      <p:pic>
-        <p:nvPicPr>
-          <p:cNvPr id="12" name="Image 11">
-            <a:extLst>
-              <a:ext uri="{FF2B5EF4-FFF2-40B4-BE49-F238E27FC236}">
-                <a16:creationId xmlns:a16="http://schemas.microsoft.com/office/drawing/2014/main" id="{908E1969-B60D-433B-AD03-F68A21A439E5}"/>
-              </a:ext>
-            </a:extLst>
-          </p:cNvPr>
-          <p:cNvPicPr>
-            <a:picLocks noChangeAspect="1"/>
-          </p:cNvPicPr>
-          <p:nvPr/>
-        </p:nvPicPr>
-        <p:blipFill>
-          <a:blip r:embed="rId3"/>
-          <a:stretch>
-            <a:fillRect/>
-          </a:stretch>
-        </p:blipFill>
-        <p:spPr>
-          <a:xfrm>
-            <a:off x="6472237" y="2350778"/>
-            <a:ext cx="5400675" cy="771525"/>
-          </a:xfrm>
-          <a:prstGeom prst="rect">
-            <a:avLst/>
-          </a:prstGeom>
-        </p:spPr>
-      </p:pic>
       <p:sp>
         <p:nvSpPr>
           <p:cNvPr id="13" name="ZoneTexte 12">
@@ -14530,7 +15051,7 @@
         </p:nvSpPr>
         <p:spPr>
           <a:xfrm>
-            <a:off x="6472237" y="3119666"/>
+            <a:off x="6596585" y="2736502"/>
             <a:ext cx="4909351" cy="1384995"/>
           </a:xfrm>
           <a:prstGeom prst="rect">
@@ -14639,14 +15160,14 @@
           <p:nvPr/>
         </p:nvPicPr>
         <p:blipFill>
-          <a:blip r:embed="rId4"/>
+          <a:blip r:embed="rId3"/>
           <a:stretch>
             <a:fillRect/>
           </a:stretch>
         </p:blipFill>
         <p:spPr>
           <a:xfrm>
-            <a:off x="7786687" y="4780362"/>
+            <a:off x="7698603" y="4490942"/>
             <a:ext cx="2771775" cy="752475"/>
           </a:xfrm>
           <a:prstGeom prst="rect">
@@ -14654,6 +15175,35 @@
           </a:prstGeom>
         </p:spPr>
       </p:pic>
+      <p:sp>
+        <p:nvSpPr>
+          <p:cNvPr id="2" name="Espace réservé du numéro de diapositive 1">
+            <a:extLst>
+              <a:ext uri="{FF2B5EF4-FFF2-40B4-BE49-F238E27FC236}">
+                <a16:creationId xmlns:a16="http://schemas.microsoft.com/office/drawing/2014/main" id="{AB6336D5-157D-452E-A83A-3449D459B4C4}"/>
+              </a:ext>
+            </a:extLst>
+          </p:cNvPr>
+          <p:cNvSpPr>
+            <a:spLocks noGrp="1"/>
+          </p:cNvSpPr>
+          <p:nvPr>
+            <p:ph type="sldNum" sz="quarter" idx="12"/>
+          </p:nvPr>
+        </p:nvSpPr>
+        <p:spPr/>
+        <p:txBody>
+          <a:bodyPr/>
+          <a:lstStyle/>
+          <a:p>
+            <a:fld id="{75462682-1E11-49BB-B5A9-AF67021C5DDE}" type="slidenum">
+              <a:rPr lang="fr-FR" smtClean="0"/>
+              <a:t>15</a:t>
+            </a:fld>
+            <a:endParaRPr lang="fr-FR" dirty="0"/>
+          </a:p>
+        </p:txBody>
+      </p:sp>
     </p:spTree>
     <p:extLst>
       <p:ext uri="{BB962C8B-B14F-4D97-AF65-F5344CB8AC3E}">
@@ -14730,6 +15280,35 @@
           </a:prstGeom>
         </p:spPr>
       </p:pic>
+      <p:sp>
+        <p:nvSpPr>
+          <p:cNvPr id="3" name="Espace réservé du numéro de diapositive 2">
+            <a:extLst>
+              <a:ext uri="{FF2B5EF4-FFF2-40B4-BE49-F238E27FC236}">
+                <a16:creationId xmlns:a16="http://schemas.microsoft.com/office/drawing/2014/main" id="{4FC051F2-7A43-462E-8B9E-2ABC4989221E}"/>
+              </a:ext>
+            </a:extLst>
+          </p:cNvPr>
+          <p:cNvSpPr>
+            <a:spLocks noGrp="1"/>
+          </p:cNvSpPr>
+          <p:nvPr>
+            <p:ph type="sldNum" sz="quarter" idx="12"/>
+          </p:nvPr>
+        </p:nvSpPr>
+        <p:spPr/>
+        <p:txBody>
+          <a:bodyPr/>
+          <a:lstStyle/>
+          <a:p>
+            <a:fld id="{75462682-1E11-49BB-B5A9-AF67021C5DDE}" type="slidenum">
+              <a:rPr lang="fr-FR" smtClean="0"/>
+              <a:t>16</a:t>
+            </a:fld>
+            <a:endParaRPr lang="fr-FR" dirty="0"/>
+          </a:p>
+        </p:txBody>
+      </p:sp>
     </p:spTree>
     <p:extLst>
       <p:ext uri="{BB962C8B-B14F-4D97-AF65-F5344CB8AC3E}">
@@ -14810,6 +15389,35 @@
               <a:rPr lang="fr-FR" dirty="0"/>
               <a:t>Ingénieur IA – projet 3</a:t>
             </a:r>
+          </a:p>
+        </p:txBody>
+      </p:sp>
+      <p:sp>
+        <p:nvSpPr>
+          <p:cNvPr id="4" name="Espace réservé du numéro de diapositive 3">
+            <a:extLst>
+              <a:ext uri="{FF2B5EF4-FFF2-40B4-BE49-F238E27FC236}">
+                <a16:creationId xmlns:a16="http://schemas.microsoft.com/office/drawing/2014/main" id="{31D250FA-0A32-4488-A364-A58E173ED9EA}"/>
+              </a:ext>
+            </a:extLst>
+          </p:cNvPr>
+          <p:cNvSpPr>
+            <a:spLocks noGrp="1"/>
+          </p:cNvSpPr>
+          <p:nvPr>
+            <p:ph type="sldNum" sz="quarter" idx="12"/>
+          </p:nvPr>
+        </p:nvSpPr>
+        <p:spPr/>
+        <p:txBody>
+          <a:bodyPr/>
+          <a:lstStyle/>
+          <a:p>
+            <a:fld id="{75462682-1E11-49BB-B5A9-AF67021C5DDE}" type="slidenum">
+              <a:rPr lang="fr-FR" smtClean="0"/>
+              <a:t>17</a:t>
+            </a:fld>
+            <a:endParaRPr lang="fr-FR" dirty="0"/>
           </a:p>
         </p:txBody>
       </p:sp>
@@ -14949,6 +15557,35 @@
           </a:extLst>
         </p:spPr>
       </p:pic>
+      <p:sp>
+        <p:nvSpPr>
+          <p:cNvPr id="3" name="Espace réservé du numéro de diapositive 2">
+            <a:extLst>
+              <a:ext uri="{FF2B5EF4-FFF2-40B4-BE49-F238E27FC236}">
+                <a16:creationId xmlns:a16="http://schemas.microsoft.com/office/drawing/2014/main" id="{23EB8782-227B-4841-B756-3BC999B7F839}"/>
+              </a:ext>
+            </a:extLst>
+          </p:cNvPr>
+          <p:cNvSpPr>
+            <a:spLocks noGrp="1"/>
+          </p:cNvSpPr>
+          <p:nvPr>
+            <p:ph type="sldNum" sz="quarter" idx="12"/>
+          </p:nvPr>
+        </p:nvSpPr>
+        <p:spPr/>
+        <p:txBody>
+          <a:bodyPr/>
+          <a:lstStyle/>
+          <a:p>
+            <a:fld id="{75462682-1E11-49BB-B5A9-AF67021C5DDE}" type="slidenum">
+              <a:rPr lang="fr-FR" smtClean="0"/>
+              <a:t>2</a:t>
+            </a:fld>
+            <a:endParaRPr lang="fr-FR" dirty="0"/>
+          </a:p>
+        </p:txBody>
+      </p:sp>
     </p:spTree>
     <p:extLst>
       <p:ext uri="{BB962C8B-B14F-4D97-AF65-F5344CB8AC3E}">
@@ -15025,12 +15662,41 @@
           </a:prstGeom>
         </p:spPr>
       </p:pic>
+      <p:sp>
+        <p:nvSpPr>
+          <p:cNvPr id="3" name="Espace réservé du numéro de diapositive 2">
+            <a:extLst>
+              <a:ext uri="{FF2B5EF4-FFF2-40B4-BE49-F238E27FC236}">
+                <a16:creationId xmlns:a16="http://schemas.microsoft.com/office/drawing/2014/main" id="{B27DBF3D-0D26-4993-B7D5-8ABA458A2503}"/>
+              </a:ext>
+            </a:extLst>
+          </p:cNvPr>
+          <p:cNvSpPr>
+            <a:spLocks noGrp="1"/>
+          </p:cNvSpPr>
+          <p:nvPr>
+            <p:ph type="sldNum" sz="quarter" idx="12"/>
+          </p:nvPr>
+        </p:nvSpPr>
+        <p:spPr/>
+        <p:txBody>
+          <a:bodyPr/>
+          <a:lstStyle/>
+          <a:p>
+            <a:fld id="{75462682-1E11-49BB-B5A9-AF67021C5DDE}" type="slidenum">
+              <a:rPr lang="fr-FR" smtClean="0"/>
+              <a:t>3</a:t>
+            </a:fld>
+            <a:endParaRPr lang="fr-FR" dirty="0"/>
+          </a:p>
+        </p:txBody>
+      </p:sp>
       <p:pic>
         <p:nvPicPr>
-          <p:cNvPr id="5" name="Image 4">
+          <p:cNvPr id="7" name="Image 6">
             <a:extLst>
               <a:ext uri="{FF2B5EF4-FFF2-40B4-BE49-F238E27FC236}">
-                <a16:creationId xmlns:a16="http://schemas.microsoft.com/office/drawing/2014/main" id="{6F1DB94A-F41F-414E-89D3-2D45C826156C}"/>
+                <a16:creationId xmlns:a16="http://schemas.microsoft.com/office/drawing/2014/main" id="{00C0A586-8BE2-4186-B6ED-46E5C2131EBB}"/>
               </a:ext>
             </a:extLst>
           </p:cNvPr>
@@ -15047,8 +15713,8 @@
         </p:blipFill>
         <p:spPr>
           <a:xfrm>
-            <a:off x="1290545" y="2911288"/>
-            <a:ext cx="4086752" cy="3608574"/>
+            <a:off x="6096000" y="2821558"/>
+            <a:ext cx="4431059" cy="3686495"/>
           </a:xfrm>
           <a:prstGeom prst="rect">
             <a:avLst/>
@@ -15057,10 +15723,10 @@
       </p:pic>
       <p:pic>
         <p:nvPicPr>
-          <p:cNvPr id="9" name="Image 8">
+          <p:cNvPr id="10" name="Image 9">
             <a:extLst>
               <a:ext uri="{FF2B5EF4-FFF2-40B4-BE49-F238E27FC236}">
-                <a16:creationId xmlns:a16="http://schemas.microsoft.com/office/drawing/2014/main" id="{A00BA3E3-C571-4578-8A3E-269EF46AD62F}"/>
+                <a16:creationId xmlns:a16="http://schemas.microsoft.com/office/drawing/2014/main" id="{9EEA08AA-F7F6-4068-9E1F-228B16CC8C6B}"/>
               </a:ext>
             </a:extLst>
           </p:cNvPr>
@@ -15077,8 +15743,8 @@
         </p:blipFill>
         <p:spPr>
           <a:xfrm>
-            <a:off x="6096000" y="2911288"/>
-            <a:ext cx="4086752" cy="3479415"/>
+            <a:off x="1385774" y="2866899"/>
+            <a:ext cx="4366743" cy="3906763"/>
           </a:xfrm>
           <a:prstGeom prst="rect">
             <a:avLst/>
@@ -15188,6 +15854,35 @@
               <a:rPr lang="fr-FR" dirty="0"/>
               <a:t>4) Suppression des doublons</a:t>
             </a:r>
+          </a:p>
+        </p:txBody>
+      </p:sp>
+      <p:sp>
+        <p:nvSpPr>
+          <p:cNvPr id="4" name="Espace réservé du numéro de diapositive 3">
+            <a:extLst>
+              <a:ext uri="{FF2B5EF4-FFF2-40B4-BE49-F238E27FC236}">
+                <a16:creationId xmlns:a16="http://schemas.microsoft.com/office/drawing/2014/main" id="{F608E75B-92E5-4E3C-AD4A-A7FF4816E3A4}"/>
+              </a:ext>
+            </a:extLst>
+          </p:cNvPr>
+          <p:cNvSpPr>
+            <a:spLocks noGrp="1"/>
+          </p:cNvSpPr>
+          <p:nvPr>
+            <p:ph type="sldNum" sz="quarter" idx="12"/>
+          </p:nvPr>
+        </p:nvSpPr>
+        <p:spPr/>
+        <p:txBody>
+          <a:bodyPr/>
+          <a:lstStyle/>
+          <a:p>
+            <a:fld id="{75462682-1E11-49BB-B5A9-AF67021C5DDE}" type="slidenum">
+              <a:rPr lang="fr-FR" smtClean="0"/>
+              <a:t>4</a:t>
+            </a:fld>
+            <a:endParaRPr lang="fr-FR" dirty="0"/>
           </a:p>
         </p:txBody>
       </p:sp>
@@ -15320,12 +16015,41 @@
           </a:p>
         </p:txBody>
       </p:sp>
+      <p:sp>
+        <p:nvSpPr>
+          <p:cNvPr id="3" name="Espace réservé du numéro de diapositive 2">
+            <a:extLst>
+              <a:ext uri="{FF2B5EF4-FFF2-40B4-BE49-F238E27FC236}">
+                <a16:creationId xmlns:a16="http://schemas.microsoft.com/office/drawing/2014/main" id="{FAB7811F-2297-49AC-B950-CB96F047B3D2}"/>
+              </a:ext>
+            </a:extLst>
+          </p:cNvPr>
+          <p:cNvSpPr>
+            <a:spLocks noGrp="1"/>
+          </p:cNvSpPr>
+          <p:nvPr>
+            <p:ph type="sldNum" sz="quarter" idx="12"/>
+          </p:nvPr>
+        </p:nvSpPr>
+        <p:spPr/>
+        <p:txBody>
+          <a:bodyPr/>
+          <a:lstStyle/>
+          <a:p>
+            <a:fld id="{75462682-1E11-49BB-B5A9-AF67021C5DDE}" type="slidenum">
+              <a:rPr lang="fr-FR" smtClean="0"/>
+              <a:t>5</a:t>
+            </a:fld>
+            <a:endParaRPr lang="fr-FR" dirty="0"/>
+          </a:p>
+        </p:txBody>
+      </p:sp>
       <p:pic>
         <p:nvPicPr>
-          <p:cNvPr id="7" name="Image 6">
+          <p:cNvPr id="6" name="Image 5">
             <a:extLst>
               <a:ext uri="{FF2B5EF4-FFF2-40B4-BE49-F238E27FC236}">
-                <a16:creationId xmlns:a16="http://schemas.microsoft.com/office/drawing/2014/main" id="{3078D3F9-FAE4-468A-A1C2-FF1DFBEBF6DF}"/>
+                <a16:creationId xmlns:a16="http://schemas.microsoft.com/office/drawing/2014/main" id="{49618DC6-1831-47A5-89C3-0FAB5C8AC627}"/>
               </a:ext>
             </a:extLst>
           </p:cNvPr>
@@ -15342,8 +16066,8 @@
         </p:blipFill>
         <p:spPr>
           <a:xfrm>
-            <a:off x="373209" y="2889486"/>
-            <a:ext cx="3940039" cy="3649426"/>
+            <a:off x="389207" y="2832853"/>
+            <a:ext cx="3959799" cy="3631670"/>
           </a:xfrm>
           <a:prstGeom prst="rect">
             <a:avLst/>
@@ -15352,10 +16076,10 @@
       </p:pic>
       <p:pic>
         <p:nvPicPr>
-          <p:cNvPr id="11" name="Image 10">
+          <p:cNvPr id="12" name="Image 11">
             <a:extLst>
               <a:ext uri="{FF2B5EF4-FFF2-40B4-BE49-F238E27FC236}">
-                <a16:creationId xmlns:a16="http://schemas.microsoft.com/office/drawing/2014/main" id="{DCB87FCD-8460-403C-8573-CF4F212CBE40}"/>
+                <a16:creationId xmlns:a16="http://schemas.microsoft.com/office/drawing/2014/main" id="{440B4D30-4463-4008-B593-271005BD1297}"/>
               </a:ext>
             </a:extLst>
           </p:cNvPr>
@@ -15372,8 +16096,8 @@
         </p:blipFill>
         <p:spPr>
           <a:xfrm>
-            <a:off x="4314349" y="2889486"/>
-            <a:ext cx="4068331" cy="3518405"/>
+            <a:off x="4316395" y="2847162"/>
+            <a:ext cx="4059678" cy="3436408"/>
           </a:xfrm>
           <a:prstGeom prst="rect">
             <a:avLst/>
@@ -15474,6 +16198,35 @@
               <a:rPr lang="fr-FR" dirty="0"/>
               <a:t>3) Analyse qualitative des marques les plus représentées</a:t>
             </a:r>
+          </a:p>
+        </p:txBody>
+      </p:sp>
+      <p:sp>
+        <p:nvSpPr>
+          <p:cNvPr id="4" name="Espace réservé du numéro de diapositive 3">
+            <a:extLst>
+              <a:ext uri="{FF2B5EF4-FFF2-40B4-BE49-F238E27FC236}">
+                <a16:creationId xmlns:a16="http://schemas.microsoft.com/office/drawing/2014/main" id="{1442FCB0-3892-4660-A656-18BB25B20655}"/>
+              </a:ext>
+            </a:extLst>
+          </p:cNvPr>
+          <p:cNvSpPr>
+            <a:spLocks noGrp="1"/>
+          </p:cNvSpPr>
+          <p:nvPr>
+            <p:ph type="sldNum" sz="quarter" idx="12"/>
+          </p:nvPr>
+        </p:nvSpPr>
+        <p:spPr/>
+        <p:txBody>
+          <a:bodyPr/>
+          <a:lstStyle/>
+          <a:p>
+            <a:fld id="{75462682-1E11-49BB-B5A9-AF67021C5DDE}" type="slidenum">
+              <a:rPr lang="fr-FR" smtClean="0"/>
+              <a:t>6</a:t>
+            </a:fld>
+            <a:endParaRPr lang="fr-FR" dirty="0"/>
           </a:p>
         </p:txBody>
       </p:sp>
@@ -15595,6 +16348,35 @@
           </a:prstGeom>
         </p:spPr>
       </p:pic>
+      <p:sp>
+        <p:nvSpPr>
+          <p:cNvPr id="3" name="Espace réservé du numéro de diapositive 2">
+            <a:extLst>
+              <a:ext uri="{FF2B5EF4-FFF2-40B4-BE49-F238E27FC236}">
+                <a16:creationId xmlns:a16="http://schemas.microsoft.com/office/drawing/2014/main" id="{1AD30FFC-0333-49E3-A03A-8CDD95380100}"/>
+              </a:ext>
+            </a:extLst>
+          </p:cNvPr>
+          <p:cNvSpPr>
+            <a:spLocks noGrp="1"/>
+          </p:cNvSpPr>
+          <p:nvPr>
+            <p:ph type="sldNum" sz="quarter" idx="12"/>
+          </p:nvPr>
+        </p:nvSpPr>
+        <p:spPr/>
+        <p:txBody>
+          <a:bodyPr/>
+          <a:lstStyle/>
+          <a:p>
+            <a:fld id="{75462682-1E11-49BB-B5A9-AF67021C5DDE}" type="slidenum">
+              <a:rPr lang="fr-FR" smtClean="0"/>
+              <a:t>7</a:t>
+            </a:fld>
+            <a:endParaRPr lang="fr-FR" dirty="0"/>
+          </a:p>
+        </p:txBody>
+      </p:sp>
     </p:spTree>
     <p:extLst>
       <p:ext uri="{BB962C8B-B14F-4D97-AF65-F5344CB8AC3E}">
@@ -15701,6 +16483,35 @@
           </a:prstGeom>
         </p:spPr>
       </p:pic>
+      <p:sp>
+        <p:nvSpPr>
+          <p:cNvPr id="5" name="Espace réservé du numéro de diapositive 4">
+            <a:extLst>
+              <a:ext uri="{FF2B5EF4-FFF2-40B4-BE49-F238E27FC236}">
+                <a16:creationId xmlns:a16="http://schemas.microsoft.com/office/drawing/2014/main" id="{EC05677E-2DFF-4C4B-86C7-9297BC3B8C3C}"/>
+              </a:ext>
+            </a:extLst>
+          </p:cNvPr>
+          <p:cNvSpPr>
+            <a:spLocks noGrp="1"/>
+          </p:cNvSpPr>
+          <p:nvPr>
+            <p:ph type="sldNum" sz="quarter" idx="12"/>
+          </p:nvPr>
+        </p:nvSpPr>
+        <p:spPr/>
+        <p:txBody>
+          <a:bodyPr/>
+          <a:lstStyle/>
+          <a:p>
+            <a:fld id="{75462682-1E11-49BB-B5A9-AF67021C5DDE}" type="slidenum">
+              <a:rPr lang="fr-FR" smtClean="0"/>
+              <a:t>8</a:t>
+            </a:fld>
+            <a:endParaRPr lang="fr-FR" dirty="0"/>
+          </a:p>
+        </p:txBody>
+      </p:sp>
     </p:spTree>
     <p:extLst>
       <p:ext uri="{BB962C8B-B14F-4D97-AF65-F5344CB8AC3E}">
@@ -15831,6 +16642,35 @@
           </a:prstGeom>
         </p:spPr>
       </p:pic>
+      <p:sp>
+        <p:nvSpPr>
+          <p:cNvPr id="6" name="Espace réservé du numéro de diapositive 5">
+            <a:extLst>
+              <a:ext uri="{FF2B5EF4-FFF2-40B4-BE49-F238E27FC236}">
+                <a16:creationId xmlns:a16="http://schemas.microsoft.com/office/drawing/2014/main" id="{9E37FD84-351B-41FE-9928-418762E68618}"/>
+              </a:ext>
+            </a:extLst>
+          </p:cNvPr>
+          <p:cNvSpPr>
+            <a:spLocks noGrp="1"/>
+          </p:cNvSpPr>
+          <p:nvPr>
+            <p:ph type="sldNum" sz="quarter" idx="12"/>
+          </p:nvPr>
+        </p:nvSpPr>
+        <p:spPr/>
+        <p:txBody>
+          <a:bodyPr/>
+          <a:lstStyle/>
+          <a:p>
+            <a:fld id="{75462682-1E11-49BB-B5A9-AF67021C5DDE}" type="slidenum">
+              <a:rPr lang="fr-FR" smtClean="0"/>
+              <a:t>9</a:t>
+            </a:fld>
+            <a:endParaRPr lang="fr-FR" dirty="0"/>
+          </a:p>
+        </p:txBody>
+      </p:sp>
     </p:spTree>
     <p:extLst>
       <p:ext uri="{BB962C8B-B14F-4D97-AF65-F5344CB8AC3E}">
@@ -16106,4 +16946,299 @@
     </a:ext>
   </a:extLst>
 </a:theme>
+</file>
+
+<file path=ppt/theme/theme2.xml><?xml version="1.0" encoding="utf-8"?>
+<a:theme xmlns:a="http://schemas.openxmlformats.org/drawingml/2006/main" name="Thème Office">
+  <a:themeElements>
+    <a:clrScheme name="Office">
+      <a:dk1>
+        <a:sysClr val="windowText" lastClr="000000"/>
+      </a:dk1>
+      <a:lt1>
+        <a:sysClr val="window" lastClr="FFFFFF"/>
+      </a:lt1>
+      <a:dk2>
+        <a:srgbClr val="44546A"/>
+      </a:dk2>
+      <a:lt2>
+        <a:srgbClr val="E7E6E6"/>
+      </a:lt2>
+      <a:accent1>
+        <a:srgbClr val="4472C4"/>
+      </a:accent1>
+      <a:accent2>
+        <a:srgbClr val="ED7D31"/>
+      </a:accent2>
+      <a:accent3>
+        <a:srgbClr val="A5A5A5"/>
+      </a:accent3>
+      <a:accent4>
+        <a:srgbClr val="FFC000"/>
+      </a:accent4>
+      <a:accent5>
+        <a:srgbClr val="5B9BD5"/>
+      </a:accent5>
+      <a:accent6>
+        <a:srgbClr val="70AD47"/>
+      </a:accent6>
+      <a:hlink>
+        <a:srgbClr val="0563C1"/>
+      </a:hlink>
+      <a:folHlink>
+        <a:srgbClr val="954F72"/>
+      </a:folHlink>
+    </a:clrScheme>
+    <a:fontScheme name="Office">
+      <a:majorFont>
+        <a:latin typeface="Calibri Light" panose="020F0302020204030204"/>
+        <a:ea typeface=""/>
+        <a:cs typeface=""/>
+        <a:font script="Jpan" typeface="游ゴシック Light"/>
+        <a:font script="Hang" typeface="맑은 고딕"/>
+        <a:font script="Hans" typeface="等线 Light"/>
+        <a:font script="Hant" typeface="新細明體"/>
+        <a:font script="Arab" typeface="Times New Roman"/>
+        <a:font script="Hebr" typeface="Times New Roman"/>
+        <a:font script="Thai" typeface="Angsana New"/>
+        <a:font script="Ethi" typeface="Nyala"/>
+        <a:font script="Beng" typeface="Vrinda"/>
+        <a:font script="Gujr" typeface="Shruti"/>
+        <a:font script="Khmr" typeface="MoolBoran"/>
+        <a:font script="Knda" typeface="Tunga"/>
+        <a:font script="Guru" typeface="Raavi"/>
+        <a:font script="Cans" typeface="Euphemia"/>
+        <a:font script="Cher" typeface="Plantagenet Cherokee"/>
+        <a:font script="Yiii" typeface="Microsoft Yi Baiti"/>
+        <a:font script="Tibt" typeface="Microsoft Himalaya"/>
+        <a:font script="Thaa" typeface="MV Boli"/>
+        <a:font script="Deva" typeface="Mangal"/>
+        <a:font script="Telu" typeface="Gautami"/>
+        <a:font script="Taml" typeface="Latha"/>
+        <a:font script="Syrc" typeface="Estrangelo Edessa"/>
+        <a:font script="Orya" typeface="Kalinga"/>
+        <a:font script="Mlym" typeface="Kartika"/>
+        <a:font script="Laoo" typeface="DokChampa"/>
+        <a:font script="Sinh" typeface="Iskoola Pota"/>
+        <a:font script="Mong" typeface="Mongolian Baiti"/>
+        <a:font script="Viet" typeface="Times New Roman"/>
+        <a:font script="Uigh" typeface="Microsoft Uighur"/>
+        <a:font script="Geor" typeface="Sylfaen"/>
+        <a:font script="Armn" typeface="Arial"/>
+        <a:font script="Bugi" typeface="Leelawadee UI"/>
+        <a:font script="Bopo" typeface="Microsoft JhengHei"/>
+        <a:font script="Java" typeface="Javanese Text"/>
+        <a:font script="Lisu" typeface="Segoe UI"/>
+        <a:font script="Mymr" typeface="Myanmar Text"/>
+        <a:font script="Nkoo" typeface="Ebrima"/>
+        <a:font script="Olck" typeface="Nirmala UI"/>
+        <a:font script="Osma" typeface="Ebrima"/>
+        <a:font script="Phag" typeface="Phagspa"/>
+        <a:font script="Syrn" typeface="Estrangelo Edessa"/>
+        <a:font script="Syrj" typeface="Estrangelo Edessa"/>
+        <a:font script="Syre" typeface="Estrangelo Edessa"/>
+        <a:font script="Sora" typeface="Nirmala UI"/>
+        <a:font script="Tale" typeface="Microsoft Tai Le"/>
+        <a:font script="Talu" typeface="Microsoft New Tai Lue"/>
+        <a:font script="Tfng" typeface="Ebrima"/>
+      </a:majorFont>
+      <a:minorFont>
+        <a:latin typeface="Calibri" panose="020F0502020204030204"/>
+        <a:ea typeface=""/>
+        <a:cs typeface=""/>
+        <a:font script="Jpan" typeface="游ゴシック"/>
+        <a:font script="Hang" typeface="맑은 고딕"/>
+        <a:font script="Hans" typeface="等线"/>
+        <a:font script="Hant" typeface="新細明體"/>
+        <a:font script="Arab" typeface="Arial"/>
+        <a:font script="Hebr" typeface="Arial"/>
+        <a:font script="Thai" typeface="Cordia New"/>
+        <a:font script="Ethi" typeface="Nyala"/>
+        <a:font script="Beng" typeface="Vrinda"/>
+        <a:font script="Gujr" typeface="Shruti"/>
+        <a:font script="Khmr" typeface="DaunPenh"/>
+        <a:font script="Knda" typeface="Tunga"/>
+        <a:font script="Guru" typeface="Raavi"/>
+        <a:font script="Cans" typeface="Euphemia"/>
+        <a:font script="Cher" typeface="Plantagenet Cherokee"/>
+        <a:font script="Yiii" typeface="Microsoft Yi Baiti"/>
+        <a:font script="Tibt" typeface="Microsoft Himalaya"/>
+        <a:font script="Thaa" typeface="MV Boli"/>
+        <a:font script="Deva" typeface="Mangal"/>
+        <a:font script="Telu" typeface="Gautami"/>
+        <a:font script="Taml" typeface="Latha"/>
+        <a:font script="Syrc" typeface="Estrangelo Edessa"/>
+        <a:font script="Orya" typeface="Kalinga"/>
+        <a:font script="Mlym" typeface="Kartika"/>
+        <a:font script="Laoo" typeface="DokChampa"/>
+        <a:font script="Sinh" typeface="Iskoola Pota"/>
+        <a:font script="Mong" typeface="Mongolian Baiti"/>
+        <a:font script="Viet" typeface="Arial"/>
+        <a:font script="Uigh" typeface="Microsoft Uighur"/>
+        <a:font script="Geor" typeface="Sylfaen"/>
+        <a:font script="Armn" typeface="Arial"/>
+        <a:font script="Bugi" typeface="Leelawadee UI"/>
+        <a:font script="Bopo" typeface="Microsoft JhengHei"/>
+        <a:font script="Java" typeface="Javanese Text"/>
+        <a:font script="Lisu" typeface="Segoe UI"/>
+        <a:font script="Mymr" typeface="Myanmar Text"/>
+        <a:font script="Nkoo" typeface="Ebrima"/>
+        <a:font script="Olck" typeface="Nirmala UI"/>
+        <a:font script="Osma" typeface="Ebrima"/>
+        <a:font script="Phag" typeface="Phagspa"/>
+        <a:font script="Syrn" typeface="Estrangelo Edessa"/>
+        <a:font script="Syrj" typeface="Estrangelo Edessa"/>
+        <a:font script="Syre" typeface="Estrangelo Edessa"/>
+        <a:font script="Sora" typeface="Nirmala UI"/>
+        <a:font script="Tale" typeface="Microsoft Tai Le"/>
+        <a:font script="Talu" typeface="Microsoft New Tai Lue"/>
+        <a:font script="Tfng" typeface="Ebrima"/>
+      </a:minorFont>
+    </a:fontScheme>
+    <a:fmtScheme name="Office">
+      <a:fillStyleLst>
+        <a:solidFill>
+          <a:schemeClr val="phClr"/>
+        </a:solidFill>
+        <a:gradFill rotWithShape="1">
+          <a:gsLst>
+            <a:gs pos="0">
+              <a:schemeClr val="phClr">
+                <a:lumMod val="110000"/>
+                <a:satMod val="105000"/>
+                <a:tint val="67000"/>
+              </a:schemeClr>
+            </a:gs>
+            <a:gs pos="50000">
+              <a:schemeClr val="phClr">
+                <a:lumMod val="105000"/>
+                <a:satMod val="103000"/>
+                <a:tint val="73000"/>
+              </a:schemeClr>
+            </a:gs>
+            <a:gs pos="100000">
+              <a:schemeClr val="phClr">
+                <a:lumMod val="105000"/>
+                <a:satMod val="109000"/>
+                <a:tint val="81000"/>
+              </a:schemeClr>
+            </a:gs>
+          </a:gsLst>
+          <a:lin ang="5400000" scaled="0"/>
+        </a:gradFill>
+        <a:gradFill rotWithShape="1">
+          <a:gsLst>
+            <a:gs pos="0">
+              <a:schemeClr val="phClr">
+                <a:satMod val="103000"/>
+                <a:lumMod val="102000"/>
+                <a:tint val="94000"/>
+              </a:schemeClr>
+            </a:gs>
+            <a:gs pos="50000">
+              <a:schemeClr val="phClr">
+                <a:satMod val="110000"/>
+                <a:lumMod val="100000"/>
+                <a:shade val="100000"/>
+              </a:schemeClr>
+            </a:gs>
+            <a:gs pos="100000">
+              <a:schemeClr val="phClr">
+                <a:lumMod val="99000"/>
+                <a:satMod val="120000"/>
+                <a:shade val="78000"/>
+              </a:schemeClr>
+            </a:gs>
+          </a:gsLst>
+          <a:lin ang="5400000" scaled="0"/>
+        </a:gradFill>
+      </a:fillStyleLst>
+      <a:lnStyleLst>
+        <a:ln w="6350" cap="flat" cmpd="sng" algn="ctr">
+          <a:solidFill>
+            <a:schemeClr val="phClr"/>
+          </a:solidFill>
+          <a:prstDash val="solid"/>
+          <a:miter lim="800000"/>
+        </a:ln>
+        <a:ln w="12700" cap="flat" cmpd="sng" algn="ctr">
+          <a:solidFill>
+            <a:schemeClr val="phClr"/>
+          </a:solidFill>
+          <a:prstDash val="solid"/>
+          <a:miter lim="800000"/>
+        </a:ln>
+        <a:ln w="19050" cap="flat" cmpd="sng" algn="ctr">
+          <a:solidFill>
+            <a:schemeClr val="phClr"/>
+          </a:solidFill>
+          <a:prstDash val="solid"/>
+          <a:miter lim="800000"/>
+        </a:ln>
+      </a:lnStyleLst>
+      <a:effectStyleLst>
+        <a:effectStyle>
+          <a:effectLst/>
+        </a:effectStyle>
+        <a:effectStyle>
+          <a:effectLst/>
+        </a:effectStyle>
+        <a:effectStyle>
+          <a:effectLst>
+            <a:outerShdw blurRad="57150" dist="19050" dir="5400000" algn="ctr" rotWithShape="0">
+              <a:srgbClr val="000000">
+                <a:alpha val="63000"/>
+              </a:srgbClr>
+            </a:outerShdw>
+          </a:effectLst>
+        </a:effectStyle>
+      </a:effectStyleLst>
+      <a:bgFillStyleLst>
+        <a:solidFill>
+          <a:schemeClr val="phClr"/>
+        </a:solidFill>
+        <a:solidFill>
+          <a:schemeClr val="phClr">
+            <a:tint val="95000"/>
+            <a:satMod val="170000"/>
+          </a:schemeClr>
+        </a:solidFill>
+        <a:gradFill rotWithShape="1">
+          <a:gsLst>
+            <a:gs pos="0">
+              <a:schemeClr val="phClr">
+                <a:tint val="93000"/>
+                <a:satMod val="150000"/>
+                <a:shade val="98000"/>
+                <a:lumMod val="102000"/>
+              </a:schemeClr>
+            </a:gs>
+            <a:gs pos="50000">
+              <a:schemeClr val="phClr">
+                <a:tint val="98000"/>
+                <a:satMod val="130000"/>
+                <a:shade val="90000"/>
+                <a:lumMod val="103000"/>
+              </a:schemeClr>
+            </a:gs>
+            <a:gs pos="100000">
+              <a:schemeClr val="phClr">
+                <a:shade val="63000"/>
+                <a:satMod val="120000"/>
+              </a:schemeClr>
+            </a:gs>
+          </a:gsLst>
+          <a:lin ang="5400000" scaled="0"/>
+        </a:gradFill>
+      </a:bgFillStyleLst>
+    </a:fmtScheme>
+  </a:themeElements>
+  <a:objectDefaults/>
+  <a:extraClrSchemeLst/>
+  <a:extLst>
+    <a:ext uri="{05A4C25C-085E-4340-85A3-A5531E510DB2}">
+      <thm15:themeFamily xmlns:thm15="http://schemas.microsoft.com/office/thememl/2012/main" name="Office Theme" id="{62F939B6-93AF-4DB8-9C6B-D6C7DFDC589F}" vid="{4A3C46E8-61CC-4603-A589-7422A47A8E4A}"/>
+    </a:ext>
+  </a:extLst>
+</a:theme>
 </file>